--- a/Presentations/Seminar.pptx
+++ b/Presentations/Seminar.pptx
@@ -5,7 +5,7 @@
     <p:sldMasterId id="2147484348" r:id="rId1"/>
   </p:sldMasterIdLst>
   <p:notesMasterIdLst>
-    <p:notesMasterId r:id="rId18"/>
+    <p:notesMasterId r:id="rId19"/>
   </p:notesMasterIdLst>
   <p:sldIdLst>
     <p:sldId id="256" r:id="rId2"/>
@@ -18,12 +18,13 @@
     <p:sldId id="301" r:id="rId9"/>
     <p:sldId id="302" r:id="rId10"/>
     <p:sldId id="289" r:id="rId11"/>
-    <p:sldId id="290" r:id="rId12"/>
-    <p:sldId id="291" r:id="rId13"/>
-    <p:sldId id="292" r:id="rId14"/>
-    <p:sldId id="293" r:id="rId15"/>
-    <p:sldId id="294" r:id="rId16"/>
-    <p:sldId id="304" r:id="rId17"/>
+    <p:sldId id="305" r:id="rId12"/>
+    <p:sldId id="290" r:id="rId13"/>
+    <p:sldId id="291" r:id="rId14"/>
+    <p:sldId id="292" r:id="rId15"/>
+    <p:sldId id="293" r:id="rId16"/>
+    <p:sldId id="294" r:id="rId17"/>
+    <p:sldId id="304" r:id="rId18"/>
   </p:sldIdLst>
   <p:sldSz cx="12192000" cy="6858000"/>
   <p:notesSz cx="6858000" cy="9144000"/>
@@ -124,7 +125,18 @@
   </p:defaultTextStyle>
   <p:extLst>
     <p:ext uri="{EFAFB233-063F-42B5-8137-9DF3F51BA10A}">
-      <p15:sldGuideLst xmlns:p15="http://schemas.microsoft.com/office/powerpoint/2012/main"/>
+      <p15:sldGuideLst xmlns:p15="http://schemas.microsoft.com/office/powerpoint/2012/main">
+        <p15:guide id="1" orient="horz" pos="2160">
+          <p15:clr>
+            <a:srgbClr val="A4A3A4"/>
+          </p15:clr>
+        </p15:guide>
+        <p15:guide id="2" pos="3840">
+          <p15:clr>
+            <a:srgbClr val="A4A3A4"/>
+          </p15:clr>
+        </p15:guide>
+      </p15:sldGuideLst>
     </p:ext>
   </p:extLst>
 </p:presentation>
@@ -212,7 +224,7 @@
           <a:p>
             <a:fld id="{8CC16AE9-5170-A140-9646-C83C977339B4}" type="datetimeFigureOut">
               <a:rPr lang="en-US" smtClean="0"/>
-              <a:t>10/31/16</a:t>
+              <a:t>11/9/16</a:t>
             </a:fld>
             <a:endParaRPr lang="en-US"/>
           </a:p>
@@ -638,7 +650,7 @@
     </p:spTree>
     <p:extLst>
       <p:ext uri="{BB962C8B-B14F-4D97-AF65-F5344CB8AC3E}">
-        <p14:creationId xmlns:p14="http://schemas.microsoft.com/office/powerpoint/2010/main" val="1335693555"/>
+        <p14:creationId xmlns:p14="http://schemas.microsoft.com/office/powerpoint/2010/main" val="1602094361"/>
       </p:ext>
     </p:extLst>
   </p:cSld>
@@ -722,7 +734,7 @@
     </p:spTree>
     <p:extLst>
       <p:ext uri="{BB962C8B-B14F-4D97-AF65-F5344CB8AC3E}">
-        <p14:creationId xmlns:p14="http://schemas.microsoft.com/office/powerpoint/2010/main" val="1504783482"/>
+        <p14:creationId xmlns:p14="http://schemas.microsoft.com/office/powerpoint/2010/main" val="1335693555"/>
       </p:ext>
     </p:extLst>
   </p:cSld>
@@ -806,7 +818,7 @@
     </p:spTree>
     <p:extLst>
       <p:ext uri="{BB962C8B-B14F-4D97-AF65-F5344CB8AC3E}">
-        <p14:creationId xmlns:p14="http://schemas.microsoft.com/office/powerpoint/2010/main" val="1507791866"/>
+        <p14:creationId xmlns:p14="http://schemas.microsoft.com/office/powerpoint/2010/main" val="1504783482"/>
       </p:ext>
     </p:extLst>
   </p:cSld>
@@ -890,6 +902,90 @@
     </p:spTree>
     <p:extLst>
       <p:ext uri="{BB962C8B-B14F-4D97-AF65-F5344CB8AC3E}">
+        <p14:creationId xmlns:p14="http://schemas.microsoft.com/office/powerpoint/2010/main" val="1507791866"/>
+      </p:ext>
+    </p:extLst>
+  </p:cSld>
+  <p:clrMapOvr>
+    <a:masterClrMapping/>
+  </p:clrMapOvr>
+</p:notes>
+</file>
+
+<file path=ppt/notesSlides/notesSlide14.xml><?xml version="1.0" encoding="utf-8"?>
+<p:notes xmlns:a="http://schemas.openxmlformats.org/drawingml/2006/main" xmlns:r="http://schemas.openxmlformats.org/officeDocument/2006/relationships" xmlns:p="http://schemas.openxmlformats.org/presentationml/2006/main">
+  <p:cSld>
+    <p:spTree>
+      <p:nvGrpSpPr>
+        <p:cNvPr id="1" name=""/>
+        <p:cNvGrpSpPr/>
+        <p:nvPr/>
+      </p:nvGrpSpPr>
+      <p:grpSpPr>
+        <a:xfrm>
+          <a:off x="0" y="0"/>
+          <a:ext cx="0" cy="0"/>
+          <a:chOff x="0" y="0"/>
+          <a:chExt cx="0" cy="0"/>
+        </a:xfrm>
+      </p:grpSpPr>
+      <p:sp>
+        <p:nvSpPr>
+          <p:cNvPr id="2" name="Slide Image Placeholder 1"/>
+          <p:cNvSpPr>
+            <a:spLocks noGrp="1" noRot="1" noChangeAspect="1"/>
+          </p:cNvSpPr>
+          <p:nvPr>
+            <p:ph type="sldImg"/>
+          </p:nvPr>
+        </p:nvSpPr>
+        <p:spPr/>
+      </p:sp>
+      <p:sp>
+        <p:nvSpPr>
+          <p:cNvPr id="3" name="Notes Placeholder 2"/>
+          <p:cNvSpPr>
+            <a:spLocks noGrp="1"/>
+          </p:cNvSpPr>
+          <p:nvPr>
+            <p:ph type="body" idx="1"/>
+          </p:nvPr>
+        </p:nvSpPr>
+        <p:spPr/>
+        <p:txBody>
+          <a:bodyPr/>
+          <a:lstStyle/>
+          <a:p>
+            <a:endParaRPr lang="en-US" dirty="0"/>
+          </a:p>
+        </p:txBody>
+      </p:sp>
+      <p:sp>
+        <p:nvSpPr>
+          <p:cNvPr id="4" name="Slide Number Placeholder 3"/>
+          <p:cNvSpPr>
+            <a:spLocks noGrp="1"/>
+          </p:cNvSpPr>
+          <p:nvPr>
+            <p:ph type="sldNum" sz="quarter" idx="10"/>
+          </p:nvPr>
+        </p:nvSpPr>
+        <p:spPr/>
+        <p:txBody>
+          <a:bodyPr/>
+          <a:lstStyle/>
+          <a:p>
+            <a:fld id="{7F33A50E-2031-D84C-8BCF-4789C0E00AD1}" type="slidenum">
+              <a:rPr lang="en-US" smtClean="0"/>
+              <a:t>16</a:t>
+            </a:fld>
+            <a:endParaRPr lang="en-US"/>
+          </a:p>
+        </p:txBody>
+      </p:sp>
+    </p:spTree>
+    <p:extLst>
+      <p:ext uri="{BB962C8B-B14F-4D97-AF65-F5344CB8AC3E}">
         <p14:creationId xmlns:p14="http://schemas.microsoft.com/office/powerpoint/2010/main" val="1622253294"/>
       </p:ext>
     </p:extLst>
@@ -900,7 +996,7 @@
 </p:notes>
 </file>
 
-<file path=ppt/notesSlides/notesSlide14.xml><?xml version="1.0" encoding="utf-8"?>
+<file path=ppt/notesSlides/notesSlide15.xml><?xml version="1.0" encoding="utf-8"?>
 <p:notes xmlns:a="http://schemas.openxmlformats.org/drawingml/2006/main" xmlns:r="http://schemas.openxmlformats.org/officeDocument/2006/relationships" xmlns:p="http://schemas.openxmlformats.org/presentationml/2006/main">
   <p:cSld>
     <p:spTree>
@@ -965,7 +1061,7 @@
           <a:p>
             <a:fld id="{7F33A50E-2031-D84C-8BCF-4789C0E00AD1}" type="slidenum">
               <a:rPr lang="en-US" smtClean="0"/>
-              <a:t>16</a:t>
+              <a:t>17</a:t>
             </a:fld>
             <a:endParaRPr lang="en-US"/>
           </a:p>
@@ -1646,7 +1742,7 @@
     </p:spTree>
     <p:extLst>
       <p:ext uri="{BB962C8B-B14F-4D97-AF65-F5344CB8AC3E}">
-        <p14:creationId xmlns:p14="http://schemas.microsoft.com/office/powerpoint/2010/main" val="1602094361"/>
+        <p14:creationId xmlns:p14="http://schemas.microsoft.com/office/powerpoint/2010/main" val="848357320"/>
       </p:ext>
     </p:extLst>
   </p:cSld>
@@ -1787,7 +1883,7 @@
           <a:p>
             <a:fld id="{5EC68565-4837-0740-B7CD-1133D191E718}" type="datetime1">
               <a:rPr lang="en-US" smtClean="0"/>
-              <a:t>11/5/16</a:t>
+              <a:t>11/9/16</a:t>
             </a:fld>
             <a:endParaRPr lang="en-US"/>
           </a:p>
@@ -1962,7 +2058,7 @@
           <a:p>
             <a:fld id="{089C9553-3AEC-3A49-9ACD-7ADFACEDB82E}" type="datetime1">
               <a:rPr lang="en-US" smtClean="0"/>
-              <a:t>11/5/16</a:t>
+              <a:t>11/9/16</a:t>
             </a:fld>
             <a:endParaRPr lang="en-US"/>
           </a:p>
@@ -2142,7 +2238,7 @@
           <a:p>
             <a:fld id="{0F43842F-0690-724F-B711-073679E87DB5}" type="datetime1">
               <a:rPr lang="en-US" smtClean="0"/>
-              <a:t>11/5/16</a:t>
+              <a:t>11/9/16</a:t>
             </a:fld>
             <a:endParaRPr lang="en-US"/>
           </a:p>
@@ -2317,7 +2413,7 @@
           <a:p>
             <a:fld id="{4F19D9EB-DB25-7148-8E91-A7BABDDF239A}" type="datetime1">
               <a:rPr lang="en-US" smtClean="0"/>
-              <a:t>11/5/16</a:t>
+              <a:t>11/9/16</a:t>
             </a:fld>
             <a:endParaRPr lang="en-US"/>
           </a:p>
@@ -2563,7 +2659,7 @@
           <a:p>
             <a:fld id="{ADAF9234-424E-AB4A-B1A0-DB014190B08F}" type="datetime1">
               <a:rPr lang="en-US" smtClean="0"/>
-              <a:t>11/5/16</a:t>
+              <a:t>11/9/16</a:t>
             </a:fld>
             <a:endParaRPr lang="en-US"/>
           </a:p>
@@ -2800,7 +2896,7 @@
           <a:p>
             <a:fld id="{0FBAE0FB-EDB3-254B-9B26-B9538BD98561}" type="datetime1">
               <a:rPr lang="en-US" smtClean="0"/>
-              <a:t>11/5/16</a:t>
+              <a:t>11/9/16</a:t>
             </a:fld>
             <a:endParaRPr lang="en-US"/>
           </a:p>
@@ -3172,7 +3268,7 @@
           <a:p>
             <a:fld id="{10E78C5A-69AE-F74A-B02A-8ACBE8070675}" type="datetime1">
               <a:rPr lang="en-US" smtClean="0"/>
-              <a:t>11/5/16</a:t>
+              <a:t>11/9/16</a:t>
             </a:fld>
             <a:endParaRPr lang="en-US"/>
           </a:p>
@@ -3295,7 +3391,7 @@
           <a:p>
             <a:fld id="{A170E149-D22C-1345-89DD-4A2EF2DAD422}" type="datetime1">
               <a:rPr lang="en-US" smtClean="0"/>
-              <a:t>11/5/16</a:t>
+              <a:t>11/9/16</a:t>
             </a:fld>
             <a:endParaRPr lang="en-US"/>
           </a:p>
@@ -3390,7 +3486,7 @@
           <a:p>
             <a:fld id="{96492222-E4E8-3D46-97D8-D789A06C926F}" type="datetime1">
               <a:rPr lang="en-US" smtClean="0"/>
-              <a:t>11/5/16</a:t>
+              <a:t>11/9/16</a:t>
             </a:fld>
             <a:endParaRPr lang="en-US"/>
           </a:p>
@@ -3672,7 +3768,7 @@
           <a:p>
             <a:fld id="{07692881-0D79-7142-820F-050E63FD3060}" type="datetime1">
               <a:rPr lang="en-US" smtClean="0"/>
-              <a:t>11/5/16</a:t>
+              <a:t>11/9/16</a:t>
             </a:fld>
             <a:endParaRPr lang="en-US"/>
           </a:p>
@@ -3934,7 +4030,7 @@
           <a:p>
             <a:fld id="{C616A964-561C-6C47-A5C0-F3FC9573F371}" type="datetime1">
               <a:rPr lang="en-US" smtClean="0"/>
-              <a:t>11/5/16</a:t>
+              <a:t>11/9/16</a:t>
             </a:fld>
             <a:endParaRPr lang="en-US"/>
           </a:p>
@@ -4178,7 +4274,7 @@
           <a:p>
             <a:fld id="{1EA266D7-8054-8745-BEE2-F6F073CF0E97}" type="datetime1">
               <a:rPr lang="en-US" smtClean="0"/>
-              <a:t>11/5/16</a:t>
+              <a:t>11/9/16</a:t>
             </a:fld>
             <a:endParaRPr lang="en-US"/>
           </a:p>
@@ -4748,7 +4844,7 @@
           <a:p>
             <a:fld id="{D1F65E59-80BB-1845-8D07-CF316C47FFA9}" type="datetime1">
               <a:rPr lang="en-US" smtClean="0"/>
-              <a:t>11/6/16</a:t>
+              <a:t>11/9/16</a:t>
             </a:fld>
             <a:endParaRPr lang="en-US"/>
           </a:p>
@@ -4814,8 +4910,8 @@
           <a:chExt cx="0" cy="0"/>
         </a:xfrm>
       </p:grpSpPr>
-      <mc:AlternateContent xmlns:mc="http://schemas.openxmlformats.org/markup-compatibility/2006">
-        <mc:Choice xmlns:a14="http://schemas.microsoft.com/office/drawing/2010/main" Requires="a14">
+      <mc:AlternateContent xmlns:mc="http://schemas.openxmlformats.org/markup-compatibility/2006" xmlns:a14="http://schemas.microsoft.com/office/drawing/2010/main">
+        <mc:Choice Requires="a14">
           <p:sp>
             <p:nvSpPr>
               <p:cNvPr id="3" name="Subtitle 2"/>
@@ -4834,7 +4930,7 @@
             </p:spPr>
             <p:txBody>
               <a:bodyPr>
-                <a:normAutofit fontScale="85000" lnSpcReduction="20000"/>
+                <a:normAutofit fontScale="92500" lnSpcReduction="20000"/>
               </a:bodyPr>
               <a:lstStyle/>
               <a:p>
@@ -4864,14 +4960,6 @@
                   <a:t>analysis.</a:t>
                 </a:r>
                 <a:endParaRPr lang="en-US" dirty="0">
-                  <a:solidFill>
-                    <a:srgbClr val="0070C0"/>
-                  </a:solidFill>
-                </a:endParaRPr>
-              </a:p>
-              <a:p>
-                <a:pPr algn="l"/>
-                <a:endParaRPr lang="en-US" dirty="0" smtClean="0">
                   <a:solidFill>
                     <a:srgbClr val="0070C0"/>
                   </a:solidFill>
@@ -5297,12 +5385,20 @@
               <a:p>
                 <a:pPr algn="l"/>
                 <a:r>
+                  <a:rPr lang="en-US" dirty="0">
+                    <a:solidFill>
+                      <a:srgbClr val="0070C0"/>
+                    </a:solidFill>
+                  </a:rPr>
+                  <a:t>w</a:t>
+                </a:r>
+                <a:r>
                   <a:rPr lang="en-US" dirty="0" smtClean="0">
                     <a:solidFill>
                       <a:srgbClr val="0070C0"/>
                     </a:solidFill>
                   </a:rPr>
-                  <a:t>Where</a:t>
+                  <a:t>here</a:t>
                 </a:r>
               </a:p>
               <a:p>
@@ -5372,6 +5468,15 @@
                 </a:r>
                 <a14:m>
                   <m:oMath xmlns:m="http://schemas.openxmlformats.org/officeDocument/2006/math">
+                    <m:r>
+                      <a:rPr lang="en-US" b="0" i="0" smtClean="0">
+                        <a:solidFill>
+                          <a:schemeClr val="tx1"/>
+                        </a:solidFill>
+                        <a:latin typeface="Cambria Math"/>
+                      </a:rPr>
+                      <m:t>  </m:t>
+                    </m:r>
                     <m:r>
                       <a:rPr lang="en-US" i="1">
                         <a:solidFill>
@@ -5483,7 +5588,7 @@
                       <a:schemeClr val="tx1"/>
                     </a:solidFill>
                   </a:rPr>
-                  <a:t>, </a:t>
+                  <a:t>,      </a:t>
                 </a:r>
                 <a14:m>
                   <m:oMath xmlns:m="http://schemas.openxmlformats.org/officeDocument/2006/math">
@@ -5642,19 +5747,14 @@
                     </m:sSup>
                   </m:oMath>
                 </a14:m>
-                <a:endParaRPr lang="en-US" dirty="0" smtClean="0">
-                  <a:solidFill>
-                    <a:srgbClr val="0070C0"/>
-                  </a:solidFill>
-                </a:endParaRPr>
-              </a:p>
-              <a:p>
-                <a:pPr algn="l"/>
-                <a:endParaRPr lang="en-US" dirty="0">
-                  <a:solidFill>
-                    <a:srgbClr val="0070C0"/>
-                  </a:solidFill>
-                </a:endParaRPr>
+                <a:r>
+                  <a:rPr lang="en-US" dirty="0" smtClean="0">
+                    <a:solidFill>
+                      <a:srgbClr val="0070C0"/>
+                    </a:solidFill>
+                  </a:rPr>
+                  <a:t> .</a:t>
+                </a:r>
               </a:p>
               <a:p>
                 <a:pPr algn="l"/>
@@ -5664,7 +5764,54 @@
                       <a:srgbClr val="0070C0"/>
                     </a:solidFill>
                   </a:rPr>
-                  <a:t>Solve </a:t>
+                  <a:t>We regard </a:t>
+                </a:r>
+                <a:r>
+                  <a:rPr lang="en-US" i="1" dirty="0" smtClean="0">
+                    <a:solidFill>
+                      <a:srgbClr val="0070C0"/>
+                    </a:solidFill>
+                    <a:latin typeface="Times New Roman" panose="02020603050405020304" pitchFamily="18" charset="0"/>
+                    <a:cs typeface="Times New Roman" panose="02020603050405020304" pitchFamily="18" charset="0"/>
+                  </a:rPr>
+                  <a:t>x</a:t>
+                </a:r>
+                <a:r>
+                  <a:rPr lang="en-US" dirty="0" smtClean="0">
+                    <a:solidFill>
+                      <a:srgbClr val="0070C0"/>
+                    </a:solidFill>
+                  </a:rPr>
+                  <a:t> as the slow variables, and </a:t>
+                </a:r>
+                <a:r>
+                  <a:rPr lang="en-US" i="1" dirty="0" smtClean="0">
+                    <a:solidFill>
+                      <a:srgbClr val="0070C0"/>
+                    </a:solidFill>
+                    <a:latin typeface="Times New Roman" panose="02020603050405020304" pitchFamily="18" charset="0"/>
+                    <a:cs typeface="Times New Roman" panose="02020603050405020304" pitchFamily="18" charset="0"/>
+                  </a:rPr>
+                  <a:t>y</a:t>
+                </a:r>
+                <a:r>
+                  <a:rPr lang="en-US" dirty="0" smtClean="0">
+                    <a:solidFill>
+                      <a:srgbClr val="0070C0"/>
+                    </a:solidFill>
+                  </a:rPr>
+                  <a:t> as the fast variables.</a:t>
+                </a:r>
+              </a:p>
+              <a:p>
+                <a:pPr algn="l"/>
+                <a:r>
+                  <a:rPr lang="en-US" dirty="0" smtClean="0">
+                    <a:solidFill>
+                      <a:srgbClr val="0070C0"/>
+                    </a:solidFill>
+                  </a:rPr>
+                  <a:t>We solve </a:t>
                 </a:r>
                 <a14:m>
                   <m:oMath xmlns:m="http://schemas.openxmlformats.org/officeDocument/2006/math">
@@ -5756,7 +5903,7 @@
                       <a:srgbClr val="0070C0"/>
                     </a:solidFill>
                   </a:rPr>
-                  <a:t>  yields </a:t>
+                  <a:t>  (temporary equilibrium points of the fast dynamics), which yields </a:t>
                 </a:r>
               </a:p>
               <a:p>
@@ -6754,6 +6901,1761 @@
                         </m:m>
                       </m:e>
                     </m:d>
+                  </m:oMath>
+                </a14:m>
+                <a:endParaRPr lang="en-US" dirty="0">
+                  <a:solidFill>
+                    <a:srgbClr val="0070C0"/>
+                  </a:solidFill>
+                </a:endParaRPr>
+              </a:p>
+              <a:p>
+                <a:pPr algn="l"/>
+                <a:endParaRPr lang="en-US" dirty="0">
+                  <a:solidFill>
+                    <a:srgbClr val="0070C0"/>
+                  </a:solidFill>
+                </a:endParaRPr>
+              </a:p>
+            </p:txBody>
+          </p:sp>
+        </mc:Choice>
+        <mc:Fallback xmlns="">
+          <p:sp>
+            <p:nvSpPr>
+              <p:cNvPr id="3" name="Subtitle 2"/>
+              <p:cNvSpPr>
+                <a:spLocks noGrp="1" noRot="1" noChangeAspect="1" noMove="1" noResize="1" noEditPoints="1" noAdjustHandles="1" noChangeArrowheads="1" noChangeShapeType="1" noTextEdit="1"/>
+              </p:cNvSpPr>
+              <p:nvPr>
+                <p:ph type="subTitle" idx="1"/>
+              </p:nvPr>
+            </p:nvSpPr>
+            <p:spPr>
+              <a:xfrm>
+                <a:off x="402680" y="1042563"/>
+                <a:ext cx="11789319" cy="5313787"/>
+              </a:xfrm>
+              <a:blipFill rotWithShape="0">
+                <a:blip r:embed="rId3"/>
+                <a:stretch>
+                  <a:fillRect l="-672" t="-2408"/>
+                </a:stretch>
+              </a:blipFill>
+            </p:spPr>
+            <p:txBody>
+              <a:bodyPr/>
+              <a:lstStyle/>
+              <a:p>
+                <a:r>
+                  <a:rPr lang="en-US">
+                    <a:noFill/>
+                  </a:rPr>
+                  <a:t> </a:t>
+                </a:r>
+              </a:p>
+            </p:txBody>
+          </p:sp>
+        </mc:Fallback>
+      </mc:AlternateContent>
+      <p:sp>
+        <p:nvSpPr>
+          <p:cNvPr id="2" name="Date Placeholder 1"/>
+          <p:cNvSpPr>
+            <a:spLocks noGrp="1"/>
+          </p:cNvSpPr>
+          <p:nvPr>
+            <p:ph type="dt" sz="half" idx="10"/>
+          </p:nvPr>
+        </p:nvSpPr>
+        <p:spPr/>
+        <p:txBody>
+          <a:bodyPr/>
+          <a:lstStyle/>
+          <a:p>
+            <a:fld id="{E6D62C9B-6E50-2044-B814-BED118E6558C}" type="datetime1">
+              <a:rPr lang="en-US" smtClean="0"/>
+              <a:t>11/9/16</a:t>
+            </a:fld>
+            <a:endParaRPr lang="en-US"/>
+          </a:p>
+        </p:txBody>
+      </p:sp>
+      <p:sp>
+        <p:nvSpPr>
+          <p:cNvPr id="4" name="Slide Number Placeholder 3"/>
+          <p:cNvSpPr>
+            <a:spLocks noGrp="1"/>
+          </p:cNvSpPr>
+          <p:nvPr>
+            <p:ph type="sldNum" sz="quarter" idx="12"/>
+          </p:nvPr>
+        </p:nvSpPr>
+        <p:spPr/>
+        <p:txBody>
+          <a:bodyPr/>
+          <a:lstStyle/>
+          <a:p>
+            <a:fld id="{A0C36A82-E5BE-8249-B8F1-B4855CDE2C8C}" type="slidenum">
+              <a:rPr lang="en-US" smtClean="0"/>
+              <a:t>10</a:t>
+            </a:fld>
+            <a:endParaRPr lang="en-US"/>
+          </a:p>
+        </p:txBody>
+      </p:sp>
+      <p:sp>
+        <p:nvSpPr>
+          <p:cNvPr id="5" name="Title 1"/>
+          <p:cNvSpPr>
+            <a:spLocks noGrp="1"/>
+          </p:cNvSpPr>
+          <p:nvPr>
+            <p:ph type="ctrTitle"/>
+          </p:nvPr>
+        </p:nvSpPr>
+        <p:spPr>
+          <a:xfrm>
+            <a:off x="402681" y="206204"/>
+            <a:ext cx="11555957" cy="830180"/>
+          </a:xfrm>
+        </p:spPr>
+        <p:txBody>
+          <a:bodyPr>
+            <a:normAutofit/>
+          </a:bodyPr>
+          <a:lstStyle/>
+          <a:p>
+            <a:pPr algn="l"/>
+            <a:r>
+              <a:rPr lang="en-US" sz="4800" b="1" dirty="0" smtClean="0">
+                <a:solidFill>
+                  <a:srgbClr val="002060"/>
+                </a:solidFill>
+              </a:rPr>
+              <a:t>Model reduction</a:t>
+            </a:r>
+            <a:endParaRPr lang="en-US" sz="4800" b="1" dirty="0">
+              <a:solidFill>
+                <a:srgbClr val="002060"/>
+              </a:solidFill>
+            </a:endParaRPr>
+          </a:p>
+        </p:txBody>
+      </p:sp>
+    </p:spTree>
+    <p:extLst>
+      <p:ext uri="{BB962C8B-B14F-4D97-AF65-F5344CB8AC3E}">
+        <p14:creationId xmlns:p14="http://schemas.microsoft.com/office/powerpoint/2010/main" val="361670166"/>
+      </p:ext>
+    </p:extLst>
+  </p:cSld>
+  <p:clrMapOvr>
+    <a:masterClrMapping/>
+  </p:clrMapOvr>
+  <p:timing>
+    <p:tnLst>
+      <p:par>
+        <p:cTn id="1" dur="indefinite" restart="never" nodeType="tmRoot">
+          <p:childTnLst>
+            <p:seq concurrent="1" nextAc="seek">
+              <p:cTn id="2" dur="indefinite" nodeType="mainSeq">
+                <p:childTnLst>
+                  <p:par>
+                    <p:cTn id="3" fill="hold">
+                      <p:stCondLst>
+                        <p:cond delay="indefinite"/>
+                      </p:stCondLst>
+                      <p:childTnLst>
+                        <p:par>
+                          <p:cTn id="4" fill="hold">
+                            <p:stCondLst>
+                              <p:cond delay="0"/>
+                            </p:stCondLst>
+                            <p:childTnLst>
+                              <p:par>
+                                <p:cTn id="5" presetID="1" presetClass="entr" presetSubtype="0" fill="hold" nodeType="clickEffect">
+                                  <p:stCondLst>
+                                    <p:cond delay="0"/>
+                                  </p:stCondLst>
+                                  <p:childTnLst>
+                                    <p:set>
+                                      <p:cBhvr>
+                                        <p:cTn id="6" dur="1" fill="hold">
+                                          <p:stCondLst>
+                                            <p:cond delay="0"/>
+                                          </p:stCondLst>
+                                        </p:cTn>
+                                        <p:tgtEl>
+                                          <p:spTgt spid="3">
+                                            <p:txEl>
+                                              <p:pRg st="1" end="1"/>
+                                            </p:txEl>
+                                          </p:spTgt>
+                                        </p:tgtEl>
+                                        <p:attrNameLst>
+                                          <p:attrName>style.visibility</p:attrName>
+                                        </p:attrNameLst>
+                                      </p:cBhvr>
+                                      <p:to>
+                                        <p:strVal val="visible"/>
+                                      </p:to>
+                                    </p:set>
+                                  </p:childTnLst>
+                                </p:cTn>
+                              </p:par>
+                              <p:par>
+                                <p:cTn id="7" presetID="1" presetClass="entr" presetSubtype="0" fill="hold" nodeType="withEffect">
+                                  <p:stCondLst>
+                                    <p:cond delay="0"/>
+                                  </p:stCondLst>
+                                  <p:childTnLst>
+                                    <p:set>
+                                      <p:cBhvr>
+                                        <p:cTn id="8" dur="1" fill="hold">
+                                          <p:stCondLst>
+                                            <p:cond delay="0"/>
+                                          </p:stCondLst>
+                                        </p:cTn>
+                                        <p:tgtEl>
+                                          <p:spTgt spid="3">
+                                            <p:txEl>
+                                              <p:pRg st="2" end="2"/>
+                                            </p:txEl>
+                                          </p:spTgt>
+                                        </p:tgtEl>
+                                        <p:attrNameLst>
+                                          <p:attrName>style.visibility</p:attrName>
+                                        </p:attrNameLst>
+                                      </p:cBhvr>
+                                      <p:to>
+                                        <p:strVal val="visible"/>
+                                      </p:to>
+                                    </p:set>
+                                  </p:childTnLst>
+                                </p:cTn>
+                              </p:par>
+                            </p:childTnLst>
+                          </p:cTn>
+                        </p:par>
+                      </p:childTnLst>
+                    </p:cTn>
+                  </p:par>
+                  <p:par>
+                    <p:cTn id="9" fill="hold">
+                      <p:stCondLst>
+                        <p:cond delay="indefinite"/>
+                      </p:stCondLst>
+                      <p:childTnLst>
+                        <p:par>
+                          <p:cTn id="10" fill="hold">
+                            <p:stCondLst>
+                              <p:cond delay="0"/>
+                            </p:stCondLst>
+                            <p:childTnLst>
+                              <p:par>
+                                <p:cTn id="11" presetID="1" presetClass="entr" presetSubtype="0" fill="hold" nodeType="clickEffect">
+                                  <p:stCondLst>
+                                    <p:cond delay="0"/>
+                                  </p:stCondLst>
+                                  <p:childTnLst>
+                                    <p:set>
+                                      <p:cBhvr>
+                                        <p:cTn id="12" dur="1" fill="hold">
+                                          <p:stCondLst>
+                                            <p:cond delay="0"/>
+                                          </p:stCondLst>
+                                        </p:cTn>
+                                        <p:tgtEl>
+                                          <p:spTgt spid="3">
+                                            <p:txEl>
+                                              <p:pRg st="3" end="3"/>
+                                            </p:txEl>
+                                          </p:spTgt>
+                                        </p:tgtEl>
+                                        <p:attrNameLst>
+                                          <p:attrName>style.visibility</p:attrName>
+                                        </p:attrNameLst>
+                                      </p:cBhvr>
+                                      <p:to>
+                                        <p:strVal val="visible"/>
+                                      </p:to>
+                                    </p:set>
+                                  </p:childTnLst>
+                                </p:cTn>
+                              </p:par>
+                              <p:par>
+                                <p:cTn id="13" presetID="1" presetClass="entr" presetSubtype="0" fill="hold" nodeType="withEffect">
+                                  <p:stCondLst>
+                                    <p:cond delay="0"/>
+                                  </p:stCondLst>
+                                  <p:childTnLst>
+                                    <p:set>
+                                      <p:cBhvr>
+                                        <p:cTn id="14" dur="1" fill="hold">
+                                          <p:stCondLst>
+                                            <p:cond delay="0"/>
+                                          </p:stCondLst>
+                                        </p:cTn>
+                                        <p:tgtEl>
+                                          <p:spTgt spid="3">
+                                            <p:txEl>
+                                              <p:pRg st="4" end="4"/>
+                                            </p:txEl>
+                                          </p:spTgt>
+                                        </p:tgtEl>
+                                        <p:attrNameLst>
+                                          <p:attrName>style.visibility</p:attrName>
+                                        </p:attrNameLst>
+                                      </p:cBhvr>
+                                      <p:to>
+                                        <p:strVal val="visible"/>
+                                      </p:to>
+                                    </p:set>
+                                  </p:childTnLst>
+                                </p:cTn>
+                              </p:par>
+                            </p:childTnLst>
+                          </p:cTn>
+                        </p:par>
+                      </p:childTnLst>
+                    </p:cTn>
+                  </p:par>
+                  <p:par>
+                    <p:cTn id="15" fill="hold">
+                      <p:stCondLst>
+                        <p:cond delay="indefinite"/>
+                      </p:stCondLst>
+                      <p:childTnLst>
+                        <p:par>
+                          <p:cTn id="16" fill="hold">
+                            <p:stCondLst>
+                              <p:cond delay="0"/>
+                            </p:stCondLst>
+                            <p:childTnLst>
+                              <p:par>
+                                <p:cTn id="17" presetID="1" presetClass="entr" presetSubtype="0" fill="hold" nodeType="clickEffect">
+                                  <p:stCondLst>
+                                    <p:cond delay="0"/>
+                                  </p:stCondLst>
+                                  <p:childTnLst>
+                                    <p:set>
+                                      <p:cBhvr>
+                                        <p:cTn id="18" dur="1" fill="hold">
+                                          <p:stCondLst>
+                                            <p:cond delay="0"/>
+                                          </p:stCondLst>
+                                        </p:cTn>
+                                        <p:tgtEl>
+                                          <p:spTgt spid="3">
+                                            <p:txEl>
+                                              <p:pRg st="5" end="5"/>
+                                            </p:txEl>
+                                          </p:spTgt>
+                                        </p:tgtEl>
+                                        <p:attrNameLst>
+                                          <p:attrName>style.visibility</p:attrName>
+                                        </p:attrNameLst>
+                                      </p:cBhvr>
+                                      <p:to>
+                                        <p:strVal val="visible"/>
+                                      </p:to>
+                                    </p:set>
+                                  </p:childTnLst>
+                                </p:cTn>
+                              </p:par>
+                              <p:par>
+                                <p:cTn id="19" presetID="1" presetClass="entr" presetSubtype="0" fill="hold" nodeType="withEffect">
+                                  <p:stCondLst>
+                                    <p:cond delay="0"/>
+                                  </p:stCondLst>
+                                  <p:childTnLst>
+                                    <p:set>
+                                      <p:cBhvr>
+                                        <p:cTn id="20" dur="1" fill="hold">
+                                          <p:stCondLst>
+                                            <p:cond delay="0"/>
+                                          </p:stCondLst>
+                                        </p:cTn>
+                                        <p:tgtEl>
+                                          <p:spTgt spid="3">
+                                            <p:txEl>
+                                              <p:pRg st="6" end="6"/>
+                                            </p:txEl>
+                                          </p:spTgt>
+                                        </p:tgtEl>
+                                        <p:attrNameLst>
+                                          <p:attrName>style.visibility</p:attrName>
+                                        </p:attrNameLst>
+                                      </p:cBhvr>
+                                      <p:to>
+                                        <p:strVal val="visible"/>
+                                      </p:to>
+                                    </p:set>
+                                  </p:childTnLst>
+                                </p:cTn>
+                              </p:par>
+                            </p:childTnLst>
+                          </p:cTn>
+                        </p:par>
+                      </p:childTnLst>
+                    </p:cTn>
+                  </p:par>
+                  <p:par>
+                    <p:cTn id="21" fill="hold">
+                      <p:stCondLst>
+                        <p:cond delay="indefinite"/>
+                      </p:stCondLst>
+                      <p:childTnLst>
+                        <p:par>
+                          <p:cTn id="22" fill="hold">
+                            <p:stCondLst>
+                              <p:cond delay="0"/>
+                            </p:stCondLst>
+                            <p:childTnLst>
+                              <p:par>
+                                <p:cTn id="23" presetID="1" presetClass="entr" presetSubtype="0" fill="hold" nodeType="clickEffect">
+                                  <p:stCondLst>
+                                    <p:cond delay="0"/>
+                                  </p:stCondLst>
+                                  <p:childTnLst>
+                                    <p:set>
+                                      <p:cBhvr>
+                                        <p:cTn id="24" dur="1" fill="hold">
+                                          <p:stCondLst>
+                                            <p:cond delay="0"/>
+                                          </p:stCondLst>
+                                        </p:cTn>
+                                        <p:tgtEl>
+                                          <p:spTgt spid="3">
+                                            <p:txEl>
+                                              <p:pRg st="7" end="7"/>
+                                            </p:txEl>
+                                          </p:spTgt>
+                                        </p:tgtEl>
+                                        <p:attrNameLst>
+                                          <p:attrName>style.visibility</p:attrName>
+                                        </p:attrNameLst>
+                                      </p:cBhvr>
+                                      <p:to>
+                                        <p:strVal val="visible"/>
+                                      </p:to>
+                                    </p:set>
+                                  </p:childTnLst>
+                                </p:cTn>
+                              </p:par>
+                              <p:par>
+                                <p:cTn id="25" presetID="1" presetClass="entr" presetSubtype="0" fill="hold" nodeType="withEffect">
+                                  <p:stCondLst>
+                                    <p:cond delay="0"/>
+                                  </p:stCondLst>
+                                  <p:childTnLst>
+                                    <p:set>
+                                      <p:cBhvr>
+                                        <p:cTn id="26" dur="1" fill="hold">
+                                          <p:stCondLst>
+                                            <p:cond delay="0"/>
+                                          </p:stCondLst>
+                                        </p:cTn>
+                                        <p:tgtEl>
+                                          <p:spTgt spid="3">
+                                            <p:txEl>
+                                              <p:pRg st="8" end="8"/>
+                                            </p:txEl>
+                                          </p:spTgt>
+                                        </p:tgtEl>
+                                        <p:attrNameLst>
+                                          <p:attrName>style.visibility</p:attrName>
+                                        </p:attrNameLst>
+                                      </p:cBhvr>
+                                      <p:to>
+                                        <p:strVal val="visible"/>
+                                      </p:to>
+                                    </p:set>
+                                  </p:childTnLst>
+                                </p:cTn>
+                              </p:par>
+                              <p:par>
+                                <p:cTn id="27" presetID="1" presetClass="entr" presetSubtype="0" fill="hold" nodeType="withEffect">
+                                  <p:stCondLst>
+                                    <p:cond delay="0"/>
+                                  </p:stCondLst>
+                                  <p:childTnLst>
+                                    <p:set>
+                                      <p:cBhvr>
+                                        <p:cTn id="28" dur="1" fill="hold">
+                                          <p:stCondLst>
+                                            <p:cond delay="0"/>
+                                          </p:stCondLst>
+                                        </p:cTn>
+                                        <p:tgtEl>
+                                          <p:spTgt spid="3">
+                                            <p:txEl>
+                                              <p:pRg st="10" end="10"/>
+                                            </p:txEl>
+                                          </p:spTgt>
+                                        </p:tgtEl>
+                                        <p:attrNameLst>
+                                          <p:attrName>style.visibility</p:attrName>
+                                        </p:attrNameLst>
+                                      </p:cBhvr>
+                                      <p:to>
+                                        <p:strVal val="visible"/>
+                                      </p:to>
+                                    </p:set>
+                                  </p:childTnLst>
+                                </p:cTn>
+                              </p:par>
+                            </p:childTnLst>
+                          </p:cTn>
+                        </p:par>
+                      </p:childTnLst>
+                    </p:cTn>
+                  </p:par>
+                </p:childTnLst>
+              </p:cTn>
+              <p:prevCondLst>
+                <p:cond evt="onPrev" delay="0">
+                  <p:tgtEl>
+                    <p:sldTgt/>
+                  </p:tgtEl>
+                </p:cond>
+              </p:prevCondLst>
+              <p:nextCondLst>
+                <p:cond evt="onNext" delay="0">
+                  <p:tgtEl>
+                    <p:sldTgt/>
+                  </p:tgtEl>
+                </p:cond>
+              </p:nextCondLst>
+            </p:seq>
+          </p:childTnLst>
+        </p:cTn>
+      </p:par>
+    </p:tnLst>
+  </p:timing>
+</p:sld>
+</file>
+
+<file path=ppt/slides/slide11.xml><?xml version="1.0" encoding="utf-8"?>
+<p:sld xmlns:a="http://schemas.openxmlformats.org/drawingml/2006/main" xmlns:r="http://schemas.openxmlformats.org/officeDocument/2006/relationships" xmlns:p="http://schemas.openxmlformats.org/presentationml/2006/main">
+  <p:cSld>
+    <p:spTree>
+      <p:nvGrpSpPr>
+        <p:cNvPr id="1" name=""/>
+        <p:cNvGrpSpPr/>
+        <p:nvPr/>
+      </p:nvGrpSpPr>
+      <p:grpSpPr>
+        <a:xfrm>
+          <a:off x="0" y="0"/>
+          <a:ext cx="0" cy="0"/>
+          <a:chOff x="0" y="0"/>
+          <a:chExt cx="0" cy="0"/>
+        </a:xfrm>
+      </p:grpSpPr>
+      <mc:AlternateContent xmlns:mc="http://schemas.openxmlformats.org/markup-compatibility/2006" xmlns:a14="http://schemas.microsoft.com/office/drawing/2010/main">
+        <mc:Choice Requires="a14">
+          <p:sp>
+            <p:nvSpPr>
+              <p:cNvPr id="3" name="Subtitle 2"/>
+              <p:cNvSpPr>
+                <a:spLocks noGrp="1"/>
+              </p:cNvSpPr>
+              <p:nvPr>
+                <p:ph type="subTitle" idx="1"/>
+              </p:nvPr>
+            </p:nvSpPr>
+            <p:spPr>
+              <a:xfrm>
+                <a:off x="402680" y="1042563"/>
+                <a:ext cx="11789319" cy="5313787"/>
+              </a:xfrm>
+            </p:spPr>
+            <p:txBody>
+              <a:bodyPr>
+                <a:normAutofit fontScale="92500" lnSpcReduction="20000"/>
+              </a:bodyPr>
+              <a:lstStyle/>
+              <a:p>
+                <a:pPr algn="l"/>
+                <a:r>
+                  <a:rPr lang="en-US" dirty="0" smtClean="0">
+                    <a:solidFill>
+                      <a:srgbClr val="0070C0"/>
+                    </a:solidFill>
+                  </a:rPr>
+                  <a:t>In order to show the relation between the ISE model and the FOM model, we derive the ISE model from the FOM model by applying  </a:t>
+                </a:r>
+                <a:r>
+                  <a:rPr lang="en-US" dirty="0">
+                    <a:solidFill>
+                      <a:srgbClr val="0070C0"/>
+                    </a:solidFill>
+                  </a:rPr>
+                  <a:t>ideas from singular perturbation </a:t>
+                </a:r>
+                <a:r>
+                  <a:rPr lang="en-US" dirty="0" smtClean="0">
+                    <a:solidFill>
+                      <a:srgbClr val="0070C0"/>
+                    </a:solidFill>
+                  </a:rPr>
+                  <a:t>analysis.</a:t>
+                </a:r>
+                <a:endParaRPr lang="en-US" dirty="0">
+                  <a:solidFill>
+                    <a:srgbClr val="0070C0"/>
+                  </a:solidFill>
+                </a:endParaRPr>
+              </a:p>
+              <a:p>
+                <a:pPr algn="l"/>
+                <a:r>
+                  <a:rPr lang="en-US" dirty="0" smtClean="0">
+                    <a:solidFill>
+                      <a:srgbClr val="0070C0"/>
+                    </a:solidFill>
+                  </a:rPr>
+                  <a:t>The FOM structure</a:t>
+                </a:r>
+                <a:r>
+                  <a:rPr lang="en-US" dirty="0" smtClean="0">
+                    <a:solidFill>
+                      <a:srgbClr val="0070C0"/>
+                    </a:solidFill>
+                    <a:latin typeface="Cambria Math" charset="0"/>
+                  </a:rPr>
+                  <a:t>:</a:t>
+                </a:r>
+                <a:endParaRPr lang="en-US" i="1" dirty="0" smtClean="0">
+                  <a:solidFill>
+                    <a:srgbClr val="0070C0"/>
+                  </a:solidFill>
+                  <a:latin typeface="Cambria Math" charset="0"/>
+                </a:endParaRPr>
+              </a:p>
+              <a:p>
+                <a:pPr algn="l"/>
+                <a14:m>
+                  <m:oMathPara xmlns:m="http://schemas.openxmlformats.org/officeDocument/2006/math">
+                    <m:oMathParaPr>
+                      <m:jc m:val="centerGroup"/>
+                    </m:oMathParaPr>
+                    <m:oMath xmlns:m="http://schemas.openxmlformats.org/officeDocument/2006/math">
+                      <m:r>
+                        <m:rPr>
+                          <m:sty m:val="p"/>
+                        </m:rPr>
+                        <a:rPr lang="en-US" b="0" i="0" smtClean="0">
+                          <a:solidFill>
+                            <a:schemeClr val="tx1"/>
+                          </a:solidFill>
+                          <a:latin typeface="Cambria Math" charset="0"/>
+                        </a:rPr>
+                        <m:t>Λ</m:t>
+                      </m:r>
+                      <m:acc>
+                        <m:accPr>
+                          <m:chr m:val="̇"/>
+                          <m:ctrlPr>
+                            <a:rPr lang="en-US" b="0" i="1" smtClean="0">
+                              <a:solidFill>
+                                <a:schemeClr val="tx1"/>
+                              </a:solidFill>
+                              <a:latin typeface="Cambria Math" charset="0"/>
+                            </a:rPr>
+                          </m:ctrlPr>
+                        </m:accPr>
+                        <m:e>
+                          <m:r>
+                            <a:rPr lang="en-US" b="0" i="1" smtClean="0">
+                              <a:solidFill>
+                                <a:schemeClr val="tx1"/>
+                              </a:solidFill>
+                              <a:latin typeface="Cambria Math" charset="0"/>
+                            </a:rPr>
+                            <m:t>𝑧</m:t>
+                          </m:r>
+                        </m:e>
+                      </m:acc>
+                      <m:r>
+                        <a:rPr lang="en-US" b="0" i="1" smtClean="0">
+                          <a:solidFill>
+                            <a:schemeClr val="tx1"/>
+                          </a:solidFill>
+                          <a:latin typeface="Cambria Math" charset="0"/>
+                        </a:rPr>
+                        <m:t>=</m:t>
+                      </m:r>
+                      <m:r>
+                        <a:rPr lang="en-US" b="0" i="1" smtClean="0">
+                          <a:solidFill>
+                            <a:schemeClr val="tx1"/>
+                          </a:solidFill>
+                          <a:latin typeface="Cambria Math" charset="0"/>
+                        </a:rPr>
+                        <m:t>𝐹</m:t>
+                      </m:r>
+                      <m:d>
+                        <m:dPr>
+                          <m:ctrlPr>
+                            <a:rPr lang="en-US" b="0" i="1" smtClean="0">
+                              <a:solidFill>
+                                <a:schemeClr val="tx1"/>
+                              </a:solidFill>
+                              <a:latin typeface="Cambria Math" charset="0"/>
+                            </a:rPr>
+                          </m:ctrlPr>
+                        </m:dPr>
+                        <m:e>
+                          <m:r>
+                            <a:rPr lang="en-US" b="0" i="1" smtClean="0">
+                              <a:solidFill>
+                                <a:schemeClr val="tx1"/>
+                              </a:solidFill>
+                              <a:latin typeface="Cambria Math" charset="0"/>
+                            </a:rPr>
+                            <m:t>𝑧</m:t>
+                          </m:r>
+                        </m:e>
+                      </m:d>
+                    </m:oMath>
+                  </m:oMathPara>
+                </a14:m>
+                <a:endParaRPr lang="en-US" b="0" dirty="0" smtClean="0">
+                  <a:solidFill>
+                    <a:srgbClr val="0070C0"/>
+                  </a:solidFill>
+                </a:endParaRPr>
+              </a:p>
+              <a:p>
+                <a:pPr algn="l"/>
+                <a:r>
+                  <a:rPr lang="en-US" dirty="0" smtClean="0">
+                    <a:solidFill>
+                      <a:srgbClr val="0070C0"/>
+                    </a:solidFill>
+                  </a:rPr>
+                  <a:t>It can be rewritten as:</a:t>
+                </a:r>
+              </a:p>
+              <a:p>
+                <a:pPr algn="l"/>
+                <a14:m>
+                  <m:oMathPara xmlns:m="http://schemas.openxmlformats.org/officeDocument/2006/math">
+                    <m:oMathParaPr>
+                      <m:jc m:val="centerGroup"/>
+                    </m:oMathParaPr>
+                    <m:oMath xmlns:m="http://schemas.openxmlformats.org/officeDocument/2006/math">
+                      <m:d>
+                        <m:dPr>
+                          <m:begChr m:val="{"/>
+                          <m:endChr m:val=""/>
+                          <m:ctrlPr>
+                            <a:rPr lang="en-US" i="1" smtClean="0">
+                              <a:solidFill>
+                                <a:schemeClr val="tx1"/>
+                              </a:solidFill>
+                              <a:latin typeface="Cambria Math" charset="0"/>
+                            </a:rPr>
+                          </m:ctrlPr>
+                        </m:dPr>
+                        <m:e>
+                          <m:m>
+                            <m:mPr>
+                              <m:mcs>
+                                <m:mc>
+                                  <m:mcPr>
+                                    <m:count m:val="1"/>
+                                    <m:mcJc m:val="center"/>
+                                  </m:mcPr>
+                                </m:mc>
+                              </m:mcs>
+                              <m:ctrlPr>
+                                <a:rPr lang="cs-CZ" i="1" smtClean="0">
+                                  <a:solidFill>
+                                    <a:schemeClr val="tx1"/>
+                                  </a:solidFill>
+                                  <a:latin typeface="Cambria Math" charset="0"/>
+                                </a:rPr>
+                              </m:ctrlPr>
+                            </m:mPr>
+                            <m:mr>
+                              <m:e>
+                                <m:acc>
+                                  <m:accPr>
+                                    <m:chr m:val="̇"/>
+                                    <m:ctrlPr>
+                                      <a:rPr lang="en-US" b="0" i="1" smtClean="0">
+                                        <a:solidFill>
+                                          <a:schemeClr val="tx1"/>
+                                        </a:solidFill>
+                                        <a:latin typeface="Cambria Math" charset="0"/>
+                                      </a:rPr>
+                                    </m:ctrlPr>
+                                  </m:accPr>
+                                  <m:e>
+                                    <m:r>
+                                      <a:rPr lang="en-US" b="0" i="1" smtClean="0">
+                                        <a:solidFill>
+                                          <a:schemeClr val="tx1"/>
+                                        </a:solidFill>
+                                        <a:latin typeface="Cambria Math" charset="0"/>
+                                      </a:rPr>
+                                      <m:t>𝑥</m:t>
+                                    </m:r>
+                                  </m:e>
+                                </m:acc>
+                                <m:r>
+                                  <m:rPr>
+                                    <m:brk m:alnAt="7"/>
+                                  </m:rPr>
+                                  <a:rPr lang="en-US" b="0" i="1" smtClean="0">
+                                    <a:solidFill>
+                                      <a:schemeClr val="tx1"/>
+                                    </a:solidFill>
+                                    <a:latin typeface="Cambria Math" charset="0"/>
+                                  </a:rPr>
+                                  <m:t>=</m:t>
+                                </m:r>
+                                <m:r>
+                                  <a:rPr lang="en-US" b="0" i="1" smtClean="0">
+                                    <a:solidFill>
+                                      <a:schemeClr val="tx1"/>
+                                    </a:solidFill>
+                                    <a:latin typeface="Cambria Math" charset="0"/>
+                                  </a:rPr>
+                                  <m:t>𝑓</m:t>
+                                </m:r>
+                                <m:r>
+                                  <a:rPr lang="en-US" b="0" i="1" smtClean="0">
+                                    <a:solidFill>
+                                      <a:schemeClr val="tx1"/>
+                                    </a:solidFill>
+                                    <a:latin typeface="Cambria Math" charset="0"/>
+                                  </a:rPr>
+                                  <m:t>(</m:t>
+                                </m:r>
+                                <m:r>
+                                  <a:rPr lang="en-US" b="0" i="1" smtClean="0">
+                                    <a:solidFill>
+                                      <a:schemeClr val="tx1"/>
+                                    </a:solidFill>
+                                    <a:latin typeface="Cambria Math" charset="0"/>
+                                  </a:rPr>
+                                  <m:t>𝑥</m:t>
+                                </m:r>
+                                <m:r>
+                                  <a:rPr lang="en-US" b="0" i="1" smtClean="0">
+                                    <a:solidFill>
+                                      <a:schemeClr val="tx1"/>
+                                    </a:solidFill>
+                                    <a:latin typeface="Cambria Math" charset="0"/>
+                                  </a:rPr>
+                                  <m:t>,</m:t>
+                                </m:r>
+                                <m:r>
+                                  <a:rPr lang="en-US" b="0" i="1" smtClean="0">
+                                    <a:solidFill>
+                                      <a:schemeClr val="tx1"/>
+                                    </a:solidFill>
+                                    <a:latin typeface="Cambria Math" charset="0"/>
+                                  </a:rPr>
+                                  <m:t>𝑦</m:t>
+                                </m:r>
+                                <m:r>
+                                  <a:rPr lang="en-US" b="0" i="1" smtClean="0">
+                                    <a:solidFill>
+                                      <a:schemeClr val="tx1"/>
+                                    </a:solidFill>
+                                    <a:latin typeface="Cambria Math" charset="0"/>
+                                  </a:rPr>
+                                  <m:t>,</m:t>
+                                </m:r>
+                                <m:r>
+                                  <a:rPr lang="en-US" b="0" i="1" smtClean="0">
+                                    <a:solidFill>
+                                      <a:schemeClr val="tx1"/>
+                                    </a:solidFill>
+                                    <a:latin typeface="Cambria Math" charset="0"/>
+                                  </a:rPr>
+                                  <m:t>𝜖</m:t>
+                                </m:r>
+                                <m:r>
+                                  <a:rPr lang="en-US" b="0" i="1" smtClean="0">
+                                    <a:solidFill>
+                                      <a:schemeClr val="tx1"/>
+                                    </a:solidFill>
+                                    <a:latin typeface="Cambria Math" charset="0"/>
+                                  </a:rPr>
+                                  <m:t>)</m:t>
+                                </m:r>
+                              </m:e>
+                            </m:mr>
+                            <m:mr>
+                              <m:e>
+                                <m:r>
+                                  <a:rPr lang="en-US" i="1">
+                                    <a:solidFill>
+                                      <a:schemeClr val="tx1"/>
+                                    </a:solidFill>
+                                    <a:latin typeface="Cambria Math" charset="0"/>
+                                  </a:rPr>
+                                  <m:t>𝜖</m:t>
+                                </m:r>
+                                <m:acc>
+                                  <m:accPr>
+                                    <m:chr m:val="̇"/>
+                                    <m:ctrlPr>
+                                      <a:rPr lang="en-US" i="1">
+                                        <a:solidFill>
+                                          <a:schemeClr val="tx1"/>
+                                        </a:solidFill>
+                                        <a:latin typeface="Cambria Math" charset="0"/>
+                                      </a:rPr>
+                                    </m:ctrlPr>
+                                  </m:accPr>
+                                  <m:e>
+                                    <m:r>
+                                      <a:rPr lang="en-US" b="0" i="1" smtClean="0">
+                                        <a:solidFill>
+                                          <a:schemeClr val="tx1"/>
+                                        </a:solidFill>
+                                        <a:latin typeface="Cambria Math" charset="0"/>
+                                      </a:rPr>
+                                      <m:t>𝑦</m:t>
+                                    </m:r>
+                                  </m:e>
+                                </m:acc>
+                                <m:r>
+                                  <m:rPr>
+                                    <m:brk m:alnAt="7"/>
+                                  </m:rPr>
+                                  <a:rPr lang="en-US" i="1">
+                                    <a:solidFill>
+                                      <a:schemeClr val="tx1"/>
+                                    </a:solidFill>
+                                    <a:latin typeface="Cambria Math" charset="0"/>
+                                  </a:rPr>
+                                  <m:t>=</m:t>
+                                </m:r>
+                                <m:r>
+                                  <a:rPr lang="en-US" b="0" i="1" smtClean="0">
+                                    <a:solidFill>
+                                      <a:schemeClr val="tx1"/>
+                                    </a:solidFill>
+                                    <a:latin typeface="Cambria Math" charset="0"/>
+                                  </a:rPr>
+                                  <m:t>𝑔</m:t>
+                                </m:r>
+                                <m:r>
+                                  <a:rPr lang="en-US" i="1">
+                                    <a:solidFill>
+                                      <a:schemeClr val="tx1"/>
+                                    </a:solidFill>
+                                    <a:latin typeface="Cambria Math" charset="0"/>
+                                  </a:rPr>
+                                  <m:t>(</m:t>
+                                </m:r>
+                                <m:r>
+                                  <a:rPr lang="en-US" i="1">
+                                    <a:solidFill>
+                                      <a:schemeClr val="tx1"/>
+                                    </a:solidFill>
+                                    <a:latin typeface="Cambria Math" charset="0"/>
+                                  </a:rPr>
+                                  <m:t>𝑥</m:t>
+                                </m:r>
+                                <m:r>
+                                  <a:rPr lang="en-US" i="1">
+                                    <a:solidFill>
+                                      <a:schemeClr val="tx1"/>
+                                    </a:solidFill>
+                                    <a:latin typeface="Cambria Math" charset="0"/>
+                                  </a:rPr>
+                                  <m:t>,</m:t>
+                                </m:r>
+                                <m:r>
+                                  <a:rPr lang="en-US" i="1">
+                                    <a:solidFill>
+                                      <a:schemeClr val="tx1"/>
+                                    </a:solidFill>
+                                    <a:latin typeface="Cambria Math" charset="0"/>
+                                  </a:rPr>
+                                  <m:t>𝑦</m:t>
+                                </m:r>
+                                <m:r>
+                                  <a:rPr lang="en-US" i="1">
+                                    <a:solidFill>
+                                      <a:schemeClr val="tx1"/>
+                                    </a:solidFill>
+                                    <a:latin typeface="Cambria Math" charset="0"/>
+                                  </a:rPr>
+                                  <m:t>,</m:t>
+                                </m:r>
+                                <m:r>
+                                  <a:rPr lang="en-US" i="1">
+                                    <a:solidFill>
+                                      <a:schemeClr val="tx1"/>
+                                    </a:solidFill>
+                                    <a:latin typeface="Cambria Math" charset="0"/>
+                                  </a:rPr>
+                                  <m:t>𝜖</m:t>
+                                </m:r>
+                                <m:r>
+                                  <a:rPr lang="en-US" i="1">
+                                    <a:solidFill>
+                                      <a:schemeClr val="tx1"/>
+                                    </a:solidFill>
+                                    <a:latin typeface="Cambria Math" charset="0"/>
+                                  </a:rPr>
+                                  <m:t>)</m:t>
+                                </m:r>
+                              </m:e>
+                            </m:mr>
+                          </m:m>
+                        </m:e>
+                      </m:d>
+                    </m:oMath>
+                  </m:oMathPara>
+                </a14:m>
+                <a:endParaRPr lang="en-US" dirty="0" smtClean="0">
+                  <a:solidFill>
+                    <a:srgbClr val="0070C0"/>
+                  </a:solidFill>
+                </a:endParaRPr>
+              </a:p>
+              <a:p>
+                <a:pPr algn="l"/>
+                <a:r>
+                  <a:rPr lang="en-US" dirty="0">
+                    <a:solidFill>
+                      <a:srgbClr val="0070C0"/>
+                    </a:solidFill>
+                  </a:rPr>
+                  <a:t>w</a:t>
+                </a:r>
+                <a:r>
+                  <a:rPr lang="en-US" dirty="0" smtClean="0">
+                    <a:solidFill>
+                      <a:srgbClr val="0070C0"/>
+                    </a:solidFill>
+                  </a:rPr>
+                  <a:t>here</a:t>
+                </a:r>
+              </a:p>
+              <a:p>
+                <a14:m>
+                  <m:oMath xmlns:m="http://schemas.openxmlformats.org/officeDocument/2006/math">
+                    <m:r>
+                      <a:rPr lang="en-US" i="1" smtClean="0">
+                        <a:solidFill>
+                          <a:schemeClr val="tx1"/>
+                        </a:solidFill>
+                        <a:latin typeface="Cambria Math" charset="0"/>
+                      </a:rPr>
+                      <m:t>𝜖</m:t>
+                    </m:r>
+                    <m:r>
+                      <a:rPr lang="en-US" b="0" i="1" smtClean="0">
+                        <a:solidFill>
+                          <a:schemeClr val="tx1"/>
+                        </a:solidFill>
+                        <a:latin typeface="Cambria Math" charset="0"/>
+                      </a:rPr>
+                      <m:t>=</m:t>
+                    </m:r>
+                    <m:sSub>
+                      <m:sSubPr>
+                        <m:ctrlPr>
+                          <a:rPr lang="en-US" b="0" i="1" smtClean="0">
+                            <a:solidFill>
+                              <a:schemeClr val="tx1"/>
+                            </a:solidFill>
+                            <a:latin typeface="Cambria Math" charset="0"/>
+                          </a:rPr>
+                        </m:ctrlPr>
+                      </m:sSubPr>
+                      <m:e>
+                        <m:r>
+                          <a:rPr lang="en-US" b="0" i="1" smtClean="0">
+                            <a:solidFill>
+                              <a:schemeClr val="tx1"/>
+                            </a:solidFill>
+                            <a:latin typeface="Cambria Math" charset="0"/>
+                          </a:rPr>
+                          <m:t>𝐿</m:t>
+                        </m:r>
+                      </m:e>
+                      <m:sub>
+                        <m:r>
+                          <a:rPr lang="en-US" b="0" i="1" smtClean="0">
+                            <a:solidFill>
+                              <a:schemeClr val="tx1"/>
+                            </a:solidFill>
+                            <a:latin typeface="Cambria Math" charset="0"/>
+                          </a:rPr>
+                          <m:t>𝑠</m:t>
+                        </m:r>
+                      </m:sub>
+                    </m:sSub>
+                  </m:oMath>
+                </a14:m>
+                <a:r>
+                  <a:rPr lang="en-US" dirty="0" smtClean="0">
+                    <a:solidFill>
+                      <a:schemeClr val="tx1"/>
+                    </a:solidFill>
+                  </a:rPr>
+                  <a:t>,   </a:t>
+                </a:r>
+                <a14:m>
+                  <m:oMath xmlns:m="http://schemas.openxmlformats.org/officeDocument/2006/math">
+                    <m:r>
+                      <a:rPr lang="en-US" b="0" i="0" smtClean="0">
+                        <a:solidFill>
+                          <a:schemeClr val="tx1"/>
+                        </a:solidFill>
+                        <a:latin typeface="Cambria Math"/>
+                      </a:rPr>
+                      <m:t>  </m:t>
+                    </m:r>
+                    <m:r>
+                      <a:rPr lang="en-US" i="1">
+                        <a:solidFill>
+                          <a:schemeClr val="tx1"/>
+                        </a:solidFill>
+                        <a:latin typeface="Cambria Math" charset="0"/>
+                      </a:rPr>
+                      <m:t>𝑥</m:t>
+                    </m:r>
+                    <m:r>
+                      <a:rPr lang="en-US" b="0" i="0" smtClean="0">
+                        <a:solidFill>
+                          <a:schemeClr val="tx1"/>
+                        </a:solidFill>
+                        <a:latin typeface="Cambria Math" charset="0"/>
+                      </a:rPr>
+                      <m:t>=</m:t>
+                    </m:r>
+                    <m:sSup>
+                      <m:sSupPr>
+                        <m:ctrlPr>
+                          <a:rPr lang="en-US" b="0" i="1" smtClean="0">
+                            <a:solidFill>
+                              <a:schemeClr val="tx1"/>
+                            </a:solidFill>
+                            <a:latin typeface="Cambria Math" charset="0"/>
+                          </a:rPr>
+                        </m:ctrlPr>
+                      </m:sSupPr>
+                      <m:e>
+                        <m:d>
+                          <m:dPr>
+                            <m:begChr m:val="["/>
+                            <m:endChr m:val="]"/>
+                            <m:ctrlPr>
+                              <a:rPr lang="pt-BR" b="0" i="1" smtClean="0">
+                                <a:solidFill>
+                                  <a:schemeClr val="tx1"/>
+                                </a:solidFill>
+                                <a:latin typeface="Cambria Math" charset="0"/>
+                              </a:rPr>
+                            </m:ctrlPr>
+                          </m:dPr>
+                          <m:e>
+                            <m:m>
+                              <m:mPr>
+                                <m:mcs>
+                                  <m:mc>
+                                    <m:mcPr>
+                                      <m:count m:val="2"/>
+                                      <m:mcJc m:val="center"/>
+                                    </m:mcPr>
+                                  </m:mc>
+                                </m:mcs>
+                                <m:ctrlPr>
+                                  <a:rPr lang="uk-UA" b="0" i="1" smtClean="0">
+                                    <a:solidFill>
+                                      <a:schemeClr val="tx1"/>
+                                    </a:solidFill>
+                                    <a:latin typeface="Cambria Math" charset="0"/>
+                                  </a:rPr>
+                                </m:ctrlPr>
+                              </m:mPr>
+                              <m:mr>
+                                <m:e>
+                                  <m:r>
+                                    <a:rPr lang="en-US" b="0" i="1" smtClean="0">
+                                      <a:solidFill>
+                                        <a:schemeClr val="tx1"/>
+                                      </a:solidFill>
+                                      <a:latin typeface="Cambria Math" charset="0"/>
+                                    </a:rPr>
+                                    <m:t>𝜔</m:t>
+                                  </m:r>
+                                </m:e>
+                                <m:e>
+                                  <m:r>
+                                    <a:rPr lang="en-US" b="0" i="1" smtClean="0">
+                                      <a:solidFill>
+                                        <a:schemeClr val="tx1"/>
+                                      </a:solidFill>
+                                      <a:latin typeface="Cambria Math" charset="0"/>
+                                    </a:rPr>
+                                    <m:t>𝛿</m:t>
+                                  </m:r>
+                                </m:e>
+                              </m:mr>
+                            </m:m>
+                          </m:e>
+                        </m:d>
+                      </m:e>
+                      <m:sup>
+                        <m:r>
+                          <a:rPr lang="en-US" b="0" i="1" smtClean="0">
+                            <a:solidFill>
+                              <a:schemeClr val="tx1"/>
+                            </a:solidFill>
+                            <a:latin typeface="Cambria Math" charset="0"/>
+                          </a:rPr>
+                          <m:t>𝑇</m:t>
+                        </m:r>
+                      </m:sup>
+                    </m:sSup>
+                  </m:oMath>
+                </a14:m>
+                <a:r>
+                  <a:rPr lang="en-US" dirty="0" smtClean="0">
+                    <a:solidFill>
+                      <a:schemeClr val="tx1"/>
+                    </a:solidFill>
+                  </a:rPr>
+                  <a:t>,      </a:t>
+                </a:r>
+                <a14:m>
+                  <m:oMath xmlns:m="http://schemas.openxmlformats.org/officeDocument/2006/math">
+                    <m:r>
+                      <a:rPr lang="en-US" b="0" i="1" smtClean="0">
+                        <a:solidFill>
+                          <a:schemeClr val="tx1"/>
+                        </a:solidFill>
+                        <a:latin typeface="Cambria Math" charset="0"/>
+                      </a:rPr>
+                      <m:t>𝑦</m:t>
+                    </m:r>
+                    <m:r>
+                      <a:rPr lang="en-US">
+                        <a:solidFill>
+                          <a:schemeClr val="tx1"/>
+                        </a:solidFill>
+                        <a:latin typeface="Cambria Math" charset="0"/>
+                      </a:rPr>
+                      <m:t>=</m:t>
+                    </m:r>
+                    <m:sSup>
+                      <m:sSupPr>
+                        <m:ctrlPr>
+                          <a:rPr lang="en-US" i="1">
+                            <a:solidFill>
+                              <a:schemeClr val="tx1"/>
+                            </a:solidFill>
+                            <a:latin typeface="Cambria Math" charset="0"/>
+                          </a:rPr>
+                        </m:ctrlPr>
+                      </m:sSupPr>
+                      <m:e>
+                        <m:d>
+                          <m:dPr>
+                            <m:begChr m:val="["/>
+                            <m:endChr m:val="]"/>
+                            <m:ctrlPr>
+                              <a:rPr lang="pt-BR" i="1">
+                                <a:solidFill>
+                                  <a:schemeClr val="tx1"/>
+                                </a:solidFill>
+                                <a:latin typeface="Cambria Math" charset="0"/>
+                              </a:rPr>
+                            </m:ctrlPr>
+                          </m:dPr>
+                          <m:e>
+                            <m:m>
+                              <m:mPr>
+                                <m:mcs>
+                                  <m:mc>
+                                    <m:mcPr>
+                                      <m:count m:val="2"/>
+                                      <m:mcJc m:val="center"/>
+                                    </m:mcPr>
+                                  </m:mc>
+                                </m:mcs>
+                                <m:ctrlPr>
+                                  <a:rPr lang="uk-UA" i="1">
+                                    <a:solidFill>
+                                      <a:schemeClr val="tx1"/>
+                                    </a:solidFill>
+                                    <a:latin typeface="Cambria Math" charset="0"/>
+                                  </a:rPr>
+                                </m:ctrlPr>
+                              </m:mPr>
+                              <m:mr>
+                                <m:e>
+                                  <m:sSub>
+                                    <m:sSubPr>
+                                      <m:ctrlPr>
+                                        <a:rPr lang="en-US" b="0" i="1" smtClean="0">
+                                          <a:solidFill>
+                                            <a:schemeClr val="tx1"/>
+                                          </a:solidFill>
+                                          <a:latin typeface="Cambria Math" charset="0"/>
+                                        </a:rPr>
+                                      </m:ctrlPr>
+                                    </m:sSubPr>
+                                    <m:e>
+                                      <m:r>
+                                        <a:rPr lang="en-US" b="0" i="1" smtClean="0">
+                                          <a:solidFill>
+                                            <a:schemeClr val="tx1"/>
+                                          </a:solidFill>
+                                          <a:latin typeface="Cambria Math" charset="0"/>
+                                        </a:rPr>
+                                        <m:t>𝑖</m:t>
+                                      </m:r>
+                                    </m:e>
+                                    <m:sub>
+                                      <m:r>
+                                        <a:rPr lang="en-US" b="0" i="1" smtClean="0">
+                                          <a:solidFill>
+                                            <a:schemeClr val="tx1"/>
+                                          </a:solidFill>
+                                          <a:latin typeface="Cambria Math" charset="0"/>
+                                        </a:rPr>
+                                        <m:t>𝑑</m:t>
+                                      </m:r>
+                                    </m:sub>
+                                  </m:sSub>
+                                </m:e>
+                                <m:e>
+                                  <m:sSub>
+                                    <m:sSubPr>
+                                      <m:ctrlPr>
+                                        <a:rPr lang="en-US" b="0" i="1" smtClean="0">
+                                          <a:solidFill>
+                                            <a:schemeClr val="tx1"/>
+                                          </a:solidFill>
+                                          <a:latin typeface="Cambria Math" charset="0"/>
+                                        </a:rPr>
+                                      </m:ctrlPr>
+                                    </m:sSubPr>
+                                    <m:e>
+                                      <m:r>
+                                        <a:rPr lang="en-US" b="0" i="1" smtClean="0">
+                                          <a:solidFill>
+                                            <a:schemeClr val="tx1"/>
+                                          </a:solidFill>
+                                          <a:latin typeface="Cambria Math" charset="0"/>
+                                        </a:rPr>
+                                        <m:t>𝑖</m:t>
+                                      </m:r>
+                                    </m:e>
+                                    <m:sub>
+                                      <m:r>
+                                        <a:rPr lang="en-US" b="0" i="1" smtClean="0">
+                                          <a:solidFill>
+                                            <a:schemeClr val="tx1"/>
+                                          </a:solidFill>
+                                          <a:latin typeface="Cambria Math" charset="0"/>
+                                        </a:rPr>
+                                        <m:t>𝑞</m:t>
+                                      </m:r>
+                                    </m:sub>
+                                  </m:sSub>
+                                </m:e>
+                              </m:mr>
+                            </m:m>
+                          </m:e>
+                        </m:d>
+                      </m:e>
+                      <m:sup>
+                        <m:r>
+                          <a:rPr lang="en-US" i="1">
+                            <a:solidFill>
+                              <a:schemeClr val="tx1"/>
+                            </a:solidFill>
+                            <a:latin typeface="Cambria Math" charset="0"/>
+                          </a:rPr>
+                          <m:t>𝑇</m:t>
+                        </m:r>
+                      </m:sup>
+                    </m:sSup>
+                  </m:oMath>
+                </a14:m>
+                <a:r>
+                  <a:rPr lang="en-US" dirty="0" smtClean="0">
+                    <a:solidFill>
+                      <a:srgbClr val="0070C0"/>
+                    </a:solidFill>
+                  </a:rPr>
+                  <a:t> .</a:t>
+                </a:r>
+              </a:p>
+              <a:p>
+                <a:pPr algn="l"/>
+                <a:r>
+                  <a:rPr lang="en-US" dirty="0" smtClean="0">
+                    <a:solidFill>
+                      <a:srgbClr val="0070C0"/>
+                    </a:solidFill>
+                  </a:rPr>
+                  <a:t>We regard </a:t>
+                </a:r>
+                <a:r>
+                  <a:rPr lang="en-US" i="1" dirty="0" smtClean="0">
+                    <a:solidFill>
+                      <a:srgbClr val="0070C0"/>
+                    </a:solidFill>
+                    <a:latin typeface="Times New Roman" panose="02020603050405020304" pitchFamily="18" charset="0"/>
+                    <a:cs typeface="Times New Roman" panose="02020603050405020304" pitchFamily="18" charset="0"/>
+                  </a:rPr>
+                  <a:t>x</a:t>
+                </a:r>
+                <a:r>
+                  <a:rPr lang="en-US" dirty="0" smtClean="0">
+                    <a:solidFill>
+                      <a:srgbClr val="0070C0"/>
+                    </a:solidFill>
+                  </a:rPr>
+                  <a:t> as the slow variables, and </a:t>
+                </a:r>
+                <a:r>
+                  <a:rPr lang="en-US" i="1" dirty="0" smtClean="0">
+                    <a:solidFill>
+                      <a:srgbClr val="0070C0"/>
+                    </a:solidFill>
+                    <a:latin typeface="Times New Roman" panose="02020603050405020304" pitchFamily="18" charset="0"/>
+                    <a:cs typeface="Times New Roman" panose="02020603050405020304" pitchFamily="18" charset="0"/>
+                  </a:rPr>
+                  <a:t>y</a:t>
+                </a:r>
+                <a:r>
+                  <a:rPr lang="en-US" dirty="0" smtClean="0">
+                    <a:solidFill>
+                      <a:srgbClr val="0070C0"/>
+                    </a:solidFill>
+                  </a:rPr>
+                  <a:t> as the fast variables.</a:t>
+                </a:r>
+              </a:p>
+              <a:p>
+                <a:pPr algn="l"/>
+                <a:r>
+                  <a:rPr lang="en-US" dirty="0" smtClean="0">
+                    <a:solidFill>
+                      <a:srgbClr val="0070C0"/>
+                    </a:solidFill>
+                  </a:rPr>
+                  <a:t>We solve </a:t>
+                </a:r>
+                <a14:m>
+                  <m:oMath xmlns:m="http://schemas.openxmlformats.org/officeDocument/2006/math">
+                    <m:r>
+                      <m:rPr>
+                        <m:brk m:alnAt="7"/>
+                      </m:rPr>
+                      <a:rPr lang="en-US" i="1">
+                        <a:solidFill>
+                          <a:srgbClr val="0070C0"/>
+                        </a:solidFill>
+                        <a:latin typeface="Cambria Math" charset="0"/>
+                      </a:rPr>
+                      <m:t>𝑔</m:t>
+                    </m:r>
+                    <m:d>
+                      <m:dPr>
+                        <m:ctrlPr>
+                          <a:rPr lang="en-US" i="1">
+                            <a:solidFill>
+                              <a:srgbClr val="0070C0"/>
+                            </a:solidFill>
+                            <a:latin typeface="Cambria Math" charset="0"/>
+                          </a:rPr>
+                        </m:ctrlPr>
+                      </m:dPr>
+                      <m:e>
+                        <m:r>
+                          <a:rPr lang="en-US" i="1">
+                            <a:solidFill>
+                              <a:srgbClr val="0070C0"/>
+                            </a:solidFill>
+                            <a:latin typeface="Cambria Math" charset="0"/>
+                          </a:rPr>
+                          <m:t>𝑥</m:t>
+                        </m:r>
+                        <m:r>
+                          <a:rPr lang="en-US" i="1">
+                            <a:solidFill>
+                              <a:srgbClr val="0070C0"/>
+                            </a:solidFill>
+                            <a:latin typeface="Cambria Math" charset="0"/>
+                          </a:rPr>
+                          <m:t>,</m:t>
+                        </m:r>
+                        <m:r>
+                          <a:rPr lang="en-US" i="1">
+                            <a:solidFill>
+                              <a:srgbClr val="0070C0"/>
+                            </a:solidFill>
+                            <a:latin typeface="Cambria Math" charset="0"/>
+                          </a:rPr>
+                          <m:t>𝑦</m:t>
+                        </m:r>
+                        <m:r>
+                          <a:rPr lang="en-US" i="1">
+                            <a:solidFill>
+                              <a:srgbClr val="0070C0"/>
+                            </a:solidFill>
+                            <a:latin typeface="Cambria Math" charset="0"/>
+                          </a:rPr>
+                          <m:t>,</m:t>
+                        </m:r>
+                        <m:r>
+                          <a:rPr lang="en-US" i="1">
+                            <a:solidFill>
+                              <a:srgbClr val="0070C0"/>
+                            </a:solidFill>
+                            <a:latin typeface="Cambria Math" charset="0"/>
+                          </a:rPr>
+                          <m:t>𝜖</m:t>
+                        </m:r>
+                      </m:e>
+                    </m:d>
+                    <m:r>
+                      <a:rPr lang="en-US" b="0" i="1" smtClean="0">
+                        <a:solidFill>
+                          <a:srgbClr val="0070C0"/>
+                        </a:solidFill>
+                        <a:latin typeface="Cambria Math" charset="0"/>
+                      </a:rPr>
+                      <m:t>=0</m:t>
+                    </m:r>
+                  </m:oMath>
+                </a14:m>
+                <a:r>
+                  <a:rPr lang="en-US" dirty="0" smtClean="0">
+                    <a:solidFill>
+                      <a:srgbClr val="0070C0"/>
+                    </a:solidFill>
+                  </a:rPr>
+                  <a:t>  (temporary equilibrium points of the fast dynamics), which yields </a:t>
+                </a:r>
+              </a:p>
+              <a:p>
+                <a:pPr algn="l"/>
+                <a:endParaRPr lang="en-US" dirty="0" smtClean="0">
+                  <a:solidFill>
+                    <a:srgbClr val="0070C0"/>
+                  </a:solidFill>
+                </a:endParaRPr>
+              </a:p>
+              <a:p>
+                <a:r>
+                  <a:rPr lang="en-US" dirty="0" smtClean="0">
+                    <a:solidFill>
+                      <a:srgbClr val="0070C0"/>
+                    </a:solidFill>
+                  </a:rPr>
+                  <a:t> </a:t>
+                </a:r>
+                <a14:m>
+                  <m:oMath xmlns:m="http://schemas.openxmlformats.org/officeDocument/2006/math">
+                    <m:acc>
+                      <m:accPr>
+                        <m:chr m:val="̂"/>
+                        <m:ctrlPr>
+                          <a:rPr lang="en-US" i="1" smtClean="0">
+                            <a:solidFill>
+                              <a:schemeClr val="tx1"/>
+                            </a:solidFill>
+                            <a:latin typeface="Cambria Math" charset="0"/>
+                          </a:rPr>
+                        </m:ctrlPr>
+                      </m:accPr>
+                      <m:e>
+                        <m:r>
+                          <m:rPr>
+                            <m:sty m:val="p"/>
+                          </m:rPr>
+                          <a:rPr lang="en-US" b="0" i="0" smtClean="0">
+                            <a:solidFill>
+                              <a:schemeClr val="tx1"/>
+                            </a:solidFill>
+                            <a:latin typeface="Cambria Math" charset="0"/>
+                          </a:rPr>
+                          <m:t>y</m:t>
+                        </m:r>
+                      </m:e>
+                    </m:acc>
+                    <m:r>
+                      <a:rPr lang="en-US" b="0" i="1" dirty="0" smtClean="0">
+                        <a:solidFill>
+                          <a:schemeClr val="tx1"/>
+                        </a:solidFill>
+                        <a:latin typeface="Cambria Math" charset="0"/>
+                      </a:rPr>
+                      <m:t>=</m:t>
+                    </m:r>
+                    <m:d>
+                      <m:dPr>
+                        <m:begChr m:val="["/>
+                        <m:endChr m:val="]"/>
+                        <m:ctrlPr>
+                          <a:rPr lang="pt-BR" i="1" dirty="0">
+                            <a:solidFill>
+                              <a:schemeClr val="tx1"/>
+                            </a:solidFill>
+                            <a:latin typeface="Cambria Math" charset="0"/>
+                          </a:rPr>
+                        </m:ctrlPr>
+                      </m:dPr>
+                      <m:e>
+                        <m:m>
+                          <m:mPr>
+                            <m:mcs>
+                              <m:mc>
+                                <m:mcPr>
+                                  <m:count m:val="1"/>
+                                  <m:mcJc m:val="center"/>
+                                </m:mcPr>
+                              </m:mc>
+                            </m:mcs>
+                            <m:ctrlPr>
+                              <a:rPr lang="cs-CZ" i="1" dirty="0">
+                                <a:solidFill>
+                                  <a:schemeClr val="tx1"/>
+                                </a:solidFill>
+                                <a:latin typeface="Cambria Math" charset="0"/>
+                              </a:rPr>
+                            </m:ctrlPr>
+                          </m:mPr>
+                          <m:mr>
+                            <m:e>
+                              <m:sSub>
+                                <m:sSubPr>
+                                  <m:ctrlPr>
+                                    <a:rPr lang="en-US" i="1" smtClean="0">
+                                      <a:solidFill>
+                                        <a:schemeClr val="tx1"/>
+                                      </a:solidFill>
+                                      <a:latin typeface="Cambria Math" charset="0"/>
+                                    </a:rPr>
+                                  </m:ctrlPr>
+                                </m:sSubPr>
+                                <m:e>
+                                  <m:acc>
+                                    <m:accPr>
+                                      <m:chr m:val="̂"/>
+                                      <m:ctrlPr>
+                                        <a:rPr lang="en-US" i="1">
+                                          <a:solidFill>
+                                            <a:schemeClr val="tx1"/>
+                                          </a:solidFill>
+                                          <a:latin typeface="Cambria Math" charset="0"/>
+                                        </a:rPr>
+                                      </m:ctrlPr>
+                                    </m:accPr>
+                                    <m:e>
+                                      <m:r>
+                                        <a:rPr lang="en-US" b="0" i="1" smtClean="0">
+                                          <a:solidFill>
+                                            <a:schemeClr val="tx1"/>
+                                          </a:solidFill>
+                                          <a:latin typeface="Cambria Math" charset="0"/>
+                                        </a:rPr>
+                                        <m:t>𝑖</m:t>
+                                      </m:r>
+                                    </m:e>
+                                  </m:acc>
+                                </m:e>
+                                <m:sub>
+                                  <m:r>
+                                    <a:rPr lang="en-US" b="0" i="1" smtClean="0">
+                                      <a:solidFill>
+                                        <a:schemeClr val="tx1"/>
+                                      </a:solidFill>
+                                      <a:latin typeface="Cambria Math" charset="0"/>
+                                    </a:rPr>
+                                    <m:t>𝑑</m:t>
+                                  </m:r>
+                                </m:sub>
+                              </m:sSub>
+                            </m:e>
+                          </m:mr>
+                          <m:mr>
+                            <m:e>
+                              <m:sSub>
+                                <m:sSubPr>
+                                  <m:ctrlPr>
+                                    <a:rPr lang="en-US" i="1">
+                                      <a:solidFill>
+                                        <a:schemeClr val="tx1"/>
+                                      </a:solidFill>
+                                      <a:latin typeface="Cambria Math" charset="0"/>
+                                    </a:rPr>
+                                  </m:ctrlPr>
+                                </m:sSubPr>
+                                <m:e>
+                                  <m:acc>
+                                    <m:accPr>
+                                      <m:chr m:val="̂"/>
+                                      <m:ctrlPr>
+                                        <a:rPr lang="en-US" i="1">
+                                          <a:solidFill>
+                                            <a:schemeClr val="tx1"/>
+                                          </a:solidFill>
+                                          <a:latin typeface="Cambria Math" charset="0"/>
+                                        </a:rPr>
+                                      </m:ctrlPr>
+                                    </m:accPr>
+                                    <m:e>
+                                      <m:r>
+                                        <a:rPr lang="en-US" b="0" i="1">
+                                          <a:solidFill>
+                                            <a:schemeClr val="tx1"/>
+                                          </a:solidFill>
+                                          <a:latin typeface="Cambria Math" charset="0"/>
+                                        </a:rPr>
+                                        <m:t>𝑖</m:t>
+                                      </m:r>
+                                    </m:e>
+                                  </m:acc>
+                                </m:e>
+                                <m:sub>
+                                  <m:r>
+                                    <a:rPr lang="en-US" b="0" i="1" smtClean="0">
+                                      <a:solidFill>
+                                        <a:schemeClr val="tx1"/>
+                                      </a:solidFill>
+                                      <a:latin typeface="Cambria Math" charset="0"/>
+                                    </a:rPr>
+                                    <m:t>𝑞</m:t>
+                                  </m:r>
+                                </m:sub>
+                              </m:sSub>
+                            </m:e>
+                          </m:mr>
+                        </m:m>
+                      </m:e>
+                    </m:d>
+                    <m:r>
+                      <a:rPr lang="en-US" b="0" i="1" dirty="0" smtClean="0">
+                        <a:solidFill>
+                          <a:schemeClr val="tx1"/>
+                        </a:solidFill>
+                        <a:latin typeface="Cambria Math" charset="0"/>
+                      </a:rPr>
+                      <m:t>=</m:t>
+                    </m:r>
                     <m:r>
                       <a:rPr lang="en-US" b="0" i="1" dirty="0" smtClean="0">
                         <a:solidFill>
@@ -7061,7 +8963,7 @@
             </p:txBody>
           </p:sp>
         </mc:Choice>
-        <mc:Fallback>
+        <mc:Fallback xmlns="">
           <p:sp>
             <p:nvSpPr>
               <p:cNvPr id="3" name="Subtitle 2"/>
@@ -7080,7 +8982,7 @@
               <a:blipFill rotWithShape="0">
                 <a:blip r:embed="rId3"/>
                 <a:stretch>
-                  <a:fillRect l="-517" t="-2064"/>
+                  <a:fillRect l="-672" t="-2408"/>
                 </a:stretch>
               </a:blipFill>
             </p:spPr>
@@ -7116,1788 +9018,7 @@
           <a:p>
             <a:fld id="{E6D62C9B-6E50-2044-B814-BED118E6558C}" type="datetime1">
               <a:rPr lang="en-US" smtClean="0"/>
-              <a:t>11/7/16</a:t>
-            </a:fld>
-            <a:endParaRPr lang="en-US"/>
-          </a:p>
-        </p:txBody>
-      </p:sp>
-      <p:sp>
-        <p:nvSpPr>
-          <p:cNvPr id="4" name="Slide Number Placeholder 3"/>
-          <p:cNvSpPr>
-            <a:spLocks noGrp="1"/>
-          </p:cNvSpPr>
-          <p:nvPr>
-            <p:ph type="sldNum" sz="quarter" idx="12"/>
-          </p:nvPr>
-        </p:nvSpPr>
-        <p:spPr/>
-        <p:txBody>
-          <a:bodyPr/>
-          <a:lstStyle/>
-          <a:p>
-            <a:fld id="{A0C36A82-E5BE-8249-B8F1-B4855CDE2C8C}" type="slidenum">
-              <a:rPr lang="en-US" smtClean="0"/>
-              <a:t>10</a:t>
-            </a:fld>
-            <a:endParaRPr lang="en-US"/>
-          </a:p>
-        </p:txBody>
-      </p:sp>
-      <p:sp>
-        <p:nvSpPr>
-          <p:cNvPr id="5" name="Title 1"/>
-          <p:cNvSpPr>
-            <a:spLocks noGrp="1"/>
-          </p:cNvSpPr>
-          <p:nvPr>
-            <p:ph type="ctrTitle"/>
-          </p:nvPr>
-        </p:nvSpPr>
-        <p:spPr>
-          <a:xfrm>
-            <a:off x="402681" y="206204"/>
-            <a:ext cx="11555957" cy="830180"/>
-          </a:xfrm>
-        </p:spPr>
-        <p:txBody>
-          <a:bodyPr>
-            <a:normAutofit/>
-          </a:bodyPr>
-          <a:lstStyle/>
-          <a:p>
-            <a:pPr algn="l"/>
-            <a:r>
-              <a:rPr lang="en-US" sz="4800" b="1" dirty="0" smtClean="0">
-                <a:solidFill>
-                  <a:srgbClr val="002060"/>
-                </a:solidFill>
-              </a:rPr>
-              <a:t>Model reduction</a:t>
-            </a:r>
-            <a:endParaRPr lang="en-US" sz="4800" b="1" dirty="0">
-              <a:solidFill>
-                <a:srgbClr val="002060"/>
-              </a:solidFill>
-            </a:endParaRPr>
-          </a:p>
-        </p:txBody>
-      </p:sp>
-    </p:spTree>
-    <p:extLst>
-      <p:ext uri="{BB962C8B-B14F-4D97-AF65-F5344CB8AC3E}">
-        <p14:creationId xmlns:p14="http://schemas.microsoft.com/office/powerpoint/2010/main" val="361670166"/>
-      </p:ext>
-    </p:extLst>
-  </p:cSld>
-  <p:clrMapOvr>
-    <a:masterClrMapping/>
-  </p:clrMapOvr>
-  <p:timing>
-    <p:tnLst>
-      <p:par>
-        <p:cTn id="1" dur="indefinite" restart="never" nodeType="tmRoot"/>
-      </p:par>
-    </p:tnLst>
-  </p:timing>
-</p:sld>
-</file>
-
-<file path=ppt/slides/slide11.xml><?xml version="1.0" encoding="utf-8"?>
-<p:sld xmlns:a="http://schemas.openxmlformats.org/drawingml/2006/main" xmlns:r="http://schemas.openxmlformats.org/officeDocument/2006/relationships" xmlns:p="http://schemas.openxmlformats.org/presentationml/2006/main" showMasterSp="0">
-  <p:cSld>
-    <p:spTree>
-      <p:nvGrpSpPr>
-        <p:cNvPr id="1" name=""/>
-        <p:cNvGrpSpPr/>
-        <p:nvPr/>
-      </p:nvGrpSpPr>
-      <p:grpSpPr>
-        <a:xfrm>
-          <a:off x="0" y="0"/>
-          <a:ext cx="0" cy="0"/>
-          <a:chOff x="0" y="0"/>
-          <a:chExt cx="0" cy="0"/>
-        </a:xfrm>
-      </p:grpSpPr>
-      <mc:AlternateContent xmlns:mc="http://schemas.openxmlformats.org/markup-compatibility/2006">
-        <mc:Choice xmlns:a14="http://schemas.microsoft.com/office/drawing/2010/main" Requires="a14">
-          <p:sp>
-            <p:nvSpPr>
-              <p:cNvPr id="3" name="Subtitle 2"/>
-              <p:cNvSpPr>
-                <a:spLocks noGrp="1"/>
-              </p:cNvSpPr>
-              <p:nvPr>
-                <p:ph type="subTitle" idx="1"/>
-              </p:nvPr>
-            </p:nvSpPr>
-            <p:spPr>
-              <a:xfrm>
-                <a:off x="402680" y="1036385"/>
-                <a:ext cx="11789319" cy="5319966"/>
-              </a:xfrm>
-            </p:spPr>
-            <p:txBody>
-              <a:bodyPr>
-                <a:normAutofit fontScale="85000" lnSpcReduction="10000"/>
-              </a:bodyPr>
-              <a:lstStyle/>
-              <a:p>
-                <a:pPr algn="l"/>
-                <a:r>
-                  <a:rPr lang="en-US" dirty="0" smtClean="0">
-                    <a:solidFill>
-                      <a:srgbClr val="0070C0"/>
-                    </a:solidFill>
-                  </a:rPr>
-                  <a:t>Substitute it into </a:t>
-                </a:r>
-                <a14:m>
-                  <m:oMath xmlns:m="http://schemas.openxmlformats.org/officeDocument/2006/math">
-                    <m:acc>
-                      <m:accPr>
-                        <m:chr m:val="̇"/>
-                        <m:ctrlPr>
-                          <a:rPr lang="en-US" i="1" smtClean="0">
-                            <a:solidFill>
-                              <a:schemeClr val="tx1"/>
-                            </a:solidFill>
-                          </a:rPr>
-                        </m:ctrlPr>
-                      </m:accPr>
-                      <m:e>
-                        <m:r>
-                          <a:rPr lang="en-US" i="1">
-                            <a:solidFill>
-                              <a:schemeClr val="tx1"/>
-                            </a:solidFill>
-                          </a:rPr>
-                          <m:t>𝑥</m:t>
-                        </m:r>
-                      </m:e>
-                    </m:acc>
-                    <m:r>
-                      <m:rPr>
-                        <m:brk m:alnAt="7"/>
-                      </m:rPr>
-                      <a:rPr lang="en-US" i="1">
-                        <a:solidFill>
-                          <a:schemeClr val="tx1"/>
-                        </a:solidFill>
-                      </a:rPr>
-                      <m:t>=</m:t>
-                    </m:r>
-                    <m:r>
-                      <a:rPr lang="en-US" i="1">
-                        <a:solidFill>
-                          <a:schemeClr val="tx1"/>
-                        </a:solidFill>
-                      </a:rPr>
-                      <m:t>𝑓</m:t>
-                    </m:r>
-                    <m:r>
-                      <a:rPr lang="en-US" i="1">
-                        <a:solidFill>
-                          <a:schemeClr val="tx1"/>
-                        </a:solidFill>
-                      </a:rPr>
-                      <m:t>(</m:t>
-                    </m:r>
-                    <m:r>
-                      <a:rPr lang="en-US" i="1">
-                        <a:solidFill>
-                          <a:schemeClr val="tx1"/>
-                        </a:solidFill>
-                      </a:rPr>
-                      <m:t>𝑥</m:t>
-                    </m:r>
-                    <m:r>
-                      <a:rPr lang="en-US" i="1">
-                        <a:solidFill>
-                          <a:schemeClr val="tx1"/>
-                        </a:solidFill>
-                      </a:rPr>
-                      <m:t>,</m:t>
-                    </m:r>
-                    <m:r>
-                      <a:rPr lang="en-US" i="1">
-                        <a:solidFill>
-                          <a:schemeClr val="tx1"/>
-                        </a:solidFill>
-                      </a:rPr>
-                      <m:t>𝑦</m:t>
-                    </m:r>
-                    <m:r>
-                      <a:rPr lang="en-US" i="1">
-                        <a:solidFill>
-                          <a:schemeClr val="tx1"/>
-                        </a:solidFill>
-                      </a:rPr>
-                      <m:t>,</m:t>
-                    </m:r>
-                    <m:r>
-                      <a:rPr lang="en-US" i="1">
-                        <a:solidFill>
-                          <a:schemeClr val="tx1"/>
-                        </a:solidFill>
-                      </a:rPr>
-                      <m:t>𝜖</m:t>
-                    </m:r>
-                    <m:r>
-                      <a:rPr lang="en-US" i="1">
-                        <a:solidFill>
-                          <a:schemeClr val="tx1"/>
-                        </a:solidFill>
-                      </a:rPr>
-                      <m:t>)</m:t>
-                    </m:r>
-                  </m:oMath>
-                </a14:m>
-                <a:endParaRPr lang="en-US" i="1" dirty="0" smtClean="0">
-                  <a:solidFill>
-                    <a:schemeClr val="tx1"/>
-                  </a:solidFill>
-                </a:endParaRPr>
-              </a:p>
-              <a:p>
-                <a:pPr algn="l"/>
-                <a:endParaRPr lang="en-US" i="1" dirty="0" smtClean="0">
-                  <a:solidFill>
-                    <a:srgbClr val="0070C0"/>
-                  </a:solidFill>
-                </a:endParaRPr>
-              </a:p>
-              <a:p>
-                <a:pPr algn="l"/>
-                <a14:m>
-                  <m:oMathPara xmlns:m="http://schemas.openxmlformats.org/officeDocument/2006/math">
-                    <m:oMathParaPr>
-                      <m:jc m:val="left"/>
-                    </m:oMathParaPr>
-                    <m:oMath xmlns:m="http://schemas.openxmlformats.org/officeDocument/2006/math">
-                      <m:d>
-                        <m:dPr>
-                          <m:begChr m:val="{"/>
-                          <m:endChr m:val=""/>
-                          <m:ctrlPr>
-                            <a:rPr lang="en-US" i="1" smtClean="0">
-                              <a:solidFill>
-                                <a:schemeClr val="tx1"/>
-                              </a:solidFill>
-                            </a:rPr>
-                          </m:ctrlPr>
-                        </m:dPr>
-                        <m:e>
-                          <m:m>
-                            <m:mPr>
-                              <m:mcs>
-                                <m:mc>
-                                  <m:mcPr>
-                                    <m:count m:val="1"/>
-                                    <m:mcJc m:val="center"/>
-                                  </m:mcPr>
-                                </m:mc>
-                              </m:mcs>
-                              <m:ctrlPr>
-                                <a:rPr lang="cs-CZ" i="1" smtClean="0">
-                                  <a:solidFill>
-                                    <a:schemeClr val="tx1"/>
-                                  </a:solidFill>
-                                </a:rPr>
-                              </m:ctrlPr>
-                            </m:mPr>
-                            <m:mr>
-                              <m:e>
-                                <m:r>
-                                  <m:rPr>
-                                    <m:brk m:alnAt="7"/>
-                                  </m:rPr>
-                                  <a:rPr lang="en-US" b="0" i="1" smtClean="0">
-                                    <a:solidFill>
-                                      <a:schemeClr val="tx1"/>
-                                    </a:solidFill>
-                                  </a:rPr>
-                                  <m:t>𝐽</m:t>
-                                </m:r>
-                                <m:acc>
-                                  <m:accPr>
-                                    <m:chr m:val="̇"/>
-                                    <m:ctrlPr>
-                                      <a:rPr lang="en-US" b="0" i="1" smtClean="0">
-                                        <a:solidFill>
-                                          <a:schemeClr val="tx1"/>
-                                        </a:solidFill>
-                                      </a:rPr>
-                                    </m:ctrlPr>
-                                  </m:accPr>
-                                  <m:e>
-                                    <m:r>
-                                      <m:rPr>
-                                        <m:brk m:alnAt="7"/>
-                                      </m:rPr>
-                                      <a:rPr lang="en-US" b="0" i="1" smtClean="0">
-                                        <a:solidFill>
-                                          <a:schemeClr val="tx1"/>
-                                        </a:solidFill>
-                                      </a:rPr>
-                                      <m:t>𝜔</m:t>
-                                    </m:r>
-                                  </m:e>
-                                </m:acc>
-                                <m:r>
-                                  <m:rPr>
-                                    <m:brk m:alnAt="7"/>
-                                  </m:rPr>
-                                  <a:rPr lang="en-US" b="0" i="1" smtClean="0">
-                                    <a:solidFill>
-                                      <a:schemeClr val="tx1"/>
-                                    </a:solidFill>
-                                  </a:rPr>
-                                  <m:t>𝜔</m:t>
-                                </m:r>
-                                <m:r>
-                                  <a:rPr lang="en-US" b="0" i="1" smtClean="0">
-                                    <a:solidFill>
-                                      <a:schemeClr val="tx1"/>
-                                    </a:solidFill>
-                                  </a:rPr>
-                                  <m:t>+</m:t>
-                                </m:r>
-                                <m:sSub>
-                                  <m:sSubPr>
-                                    <m:ctrlPr>
-                                      <a:rPr lang="en-US" b="0" i="1" smtClean="0">
-                                        <a:solidFill>
-                                          <a:schemeClr val="tx1"/>
-                                        </a:solidFill>
-                                      </a:rPr>
-                                    </m:ctrlPr>
-                                  </m:sSubPr>
-                                  <m:e>
-                                    <m:r>
-                                      <m:rPr>
-                                        <m:brk m:alnAt="7"/>
-                                      </m:rPr>
-                                      <a:rPr lang="en-US" b="0" i="1" smtClean="0">
-                                        <a:solidFill>
-                                          <a:schemeClr val="tx1"/>
-                                        </a:solidFill>
-                                      </a:rPr>
-                                      <m:t>𝐷</m:t>
-                                    </m:r>
-                                  </m:e>
-                                  <m:sub>
-                                    <m:r>
-                                      <m:rPr>
-                                        <m:brk m:alnAt="7"/>
-                                      </m:rPr>
-                                      <a:rPr lang="en-US" b="0" i="1" smtClean="0">
-                                        <a:solidFill>
-                                          <a:schemeClr val="tx1"/>
-                                        </a:solidFill>
-                                      </a:rPr>
-                                      <m:t>𝑝</m:t>
-                                    </m:r>
-                                  </m:sub>
-                                </m:sSub>
-                                <m:sSup>
-                                  <m:sSupPr>
-                                    <m:ctrlPr>
-                                      <a:rPr lang="en-US" b="0" i="1" smtClean="0">
-                                        <a:solidFill>
-                                          <a:schemeClr val="tx1"/>
-                                        </a:solidFill>
-                                      </a:rPr>
-                                    </m:ctrlPr>
-                                  </m:sSupPr>
-                                  <m:e>
-                                    <m:r>
-                                      <m:rPr>
-                                        <m:brk m:alnAt="7"/>
-                                      </m:rPr>
-                                      <a:rPr lang="en-US" b="0" i="1" smtClean="0">
-                                        <a:solidFill>
-                                          <a:schemeClr val="tx1"/>
-                                        </a:solidFill>
-                                      </a:rPr>
-                                      <m:t>𝜔</m:t>
-                                    </m:r>
-                                  </m:e>
-                                  <m:sup>
-                                    <m:r>
-                                      <m:rPr>
-                                        <m:brk m:alnAt="7"/>
-                                      </m:rPr>
-                                      <a:rPr lang="en-US" b="0" i="1" smtClean="0">
-                                        <a:solidFill>
-                                          <a:schemeClr val="tx1"/>
-                                        </a:solidFill>
-                                      </a:rPr>
-                                      <m:t>2</m:t>
-                                    </m:r>
-                                  </m:sup>
-                                </m:sSup>
-                                <m:r>
-                                  <m:rPr>
-                                    <m:brk m:alnAt="7"/>
-                                  </m:rPr>
-                                  <a:rPr lang="en-US" b="0" i="1" smtClean="0">
-                                    <a:solidFill>
-                                      <a:schemeClr val="tx1"/>
-                                    </a:solidFill>
-                                  </a:rPr>
-                                  <m:t>=−</m:t>
-                                </m:r>
-                                <m:f>
-                                  <m:fPr>
-                                    <m:ctrlPr>
-                                      <a:rPr lang="bg-BG" i="1" dirty="0">
-                                        <a:solidFill>
-                                          <a:schemeClr val="tx1"/>
-                                        </a:solidFill>
-                                      </a:rPr>
-                                    </m:ctrlPr>
-                                  </m:fPr>
-                                  <m:num>
-                                    <m:r>
-                                      <a:rPr lang="en-US" b="0" i="1" dirty="0" smtClean="0">
-                                        <a:solidFill>
-                                          <a:schemeClr val="tx1"/>
-                                        </a:solidFill>
-                                      </a:rPr>
-                                      <m:t>𝑚</m:t>
-                                    </m:r>
-                                    <m:sSub>
-                                      <m:sSubPr>
-                                        <m:ctrlPr>
-                                          <a:rPr lang="en-US" b="0" i="1" dirty="0" smtClean="0">
-                                            <a:solidFill>
-                                              <a:schemeClr val="tx1"/>
-                                            </a:solidFill>
-                                          </a:rPr>
-                                        </m:ctrlPr>
-                                      </m:sSubPr>
-                                      <m:e>
-                                        <m:r>
-                                          <a:rPr lang="en-US" b="0" i="1" dirty="0" smtClean="0">
-                                            <a:solidFill>
-                                              <a:schemeClr val="tx1"/>
-                                            </a:solidFill>
-                                          </a:rPr>
-                                          <m:t>𝑖</m:t>
-                                        </m:r>
-                                      </m:e>
-                                      <m:sub>
-                                        <m:r>
-                                          <a:rPr lang="en-US" b="0" i="1" dirty="0" smtClean="0">
-                                            <a:solidFill>
-                                              <a:schemeClr val="tx1"/>
-                                            </a:solidFill>
-                                          </a:rPr>
-                                          <m:t>𝑓</m:t>
-                                        </m:r>
-                                      </m:sub>
-                                    </m:sSub>
-                                    <m:r>
-                                      <a:rPr lang="en-US" b="0" i="1" dirty="0" smtClean="0">
-                                        <a:solidFill>
-                                          <a:schemeClr val="tx1"/>
-                                        </a:solidFill>
-                                      </a:rPr>
-                                      <m:t>𝑉</m:t>
-                                    </m:r>
-                                    <m:r>
-                                      <a:rPr lang="en-US" b="0" i="1" dirty="0">
-                                        <a:solidFill>
-                                          <a:schemeClr val="tx1"/>
-                                        </a:solidFill>
-                                      </a:rPr>
-                                      <m:t>𝑠𝑖𝑛</m:t>
-                                    </m:r>
-                                    <m:r>
-                                      <a:rPr lang="en-US" b="0" i="1" dirty="0">
-                                        <a:solidFill>
-                                          <a:schemeClr val="tx1"/>
-                                        </a:solidFill>
-                                      </a:rPr>
-                                      <m:t>𝛿</m:t>
-                                    </m:r>
-                                  </m:num>
-                                  <m:den>
-                                    <m:sSub>
-                                      <m:sSubPr>
-                                        <m:ctrlPr>
-                                          <a:rPr lang="en-US" i="1" dirty="0">
-                                            <a:solidFill>
-                                              <a:schemeClr val="tx1"/>
-                                            </a:solidFill>
-                                          </a:rPr>
-                                        </m:ctrlPr>
-                                      </m:sSubPr>
-                                      <m:e>
-                                        <m:r>
-                                          <a:rPr lang="en-US" b="0" i="1" dirty="0">
-                                            <a:solidFill>
-                                              <a:schemeClr val="tx1"/>
-                                            </a:solidFill>
-                                          </a:rPr>
-                                          <m:t>𝐿</m:t>
-                                        </m:r>
-                                      </m:e>
-                                      <m:sub>
-                                        <m:r>
-                                          <a:rPr lang="en-US" b="0" i="1" dirty="0">
-                                            <a:solidFill>
-                                              <a:schemeClr val="tx1"/>
-                                            </a:solidFill>
-                                          </a:rPr>
-                                          <m:t>𝑠</m:t>
-                                        </m:r>
-                                      </m:sub>
-                                    </m:sSub>
-                                  </m:den>
-                                </m:f>
-                                <m:r>
-                                  <a:rPr lang="en-US" b="0" i="1" dirty="0" smtClean="0">
-                                    <a:solidFill>
-                                      <a:schemeClr val="tx1"/>
-                                    </a:solidFill>
-                                  </a:rPr>
-                                  <m:t>+</m:t>
-                                </m:r>
-                                <m:sSub>
-                                  <m:sSubPr>
-                                    <m:ctrlPr>
-                                      <a:rPr lang="en-US" b="0" i="1" dirty="0" smtClean="0">
-                                        <a:solidFill>
-                                          <a:schemeClr val="tx1"/>
-                                        </a:solidFill>
-                                      </a:rPr>
-                                    </m:ctrlPr>
-                                  </m:sSubPr>
-                                  <m:e>
-                                    <m:r>
-                                      <a:rPr lang="en-US" b="0" i="1" dirty="0" smtClean="0">
-                                        <a:solidFill>
-                                          <a:schemeClr val="tx1"/>
-                                        </a:solidFill>
-                                      </a:rPr>
-                                      <m:t>𝑇</m:t>
-                                    </m:r>
-                                  </m:e>
-                                  <m:sub>
-                                    <m:r>
-                                      <a:rPr lang="en-US" b="0" i="1" dirty="0" smtClean="0">
-                                        <a:solidFill>
-                                          <a:schemeClr val="tx1"/>
-                                        </a:solidFill>
-                                      </a:rPr>
-                                      <m:t>𝑚</m:t>
-                                    </m:r>
-                                  </m:sub>
-                                </m:sSub>
-                                <m:r>
-                                  <a:rPr lang="en-US" b="0" i="1" dirty="0" smtClean="0">
-                                    <a:solidFill>
-                                      <a:schemeClr val="tx1"/>
-                                    </a:solidFill>
-                                  </a:rPr>
-                                  <m:t>𝜔</m:t>
-                                </m:r>
-                              </m:e>
-                            </m:mr>
-                            <m:mr>
-                              <m:e>
-                                <m:acc>
-                                  <m:accPr>
-                                    <m:chr m:val="̇"/>
-                                    <m:ctrlPr>
-                                      <a:rPr lang="en-US" i="1">
-                                        <a:solidFill>
-                                          <a:schemeClr val="tx1"/>
-                                        </a:solidFill>
-                                      </a:rPr>
-                                    </m:ctrlPr>
-                                  </m:accPr>
-                                  <m:e>
-                                    <m:r>
-                                      <a:rPr lang="en-US" b="0" i="1" smtClean="0">
-                                        <a:solidFill>
-                                          <a:schemeClr val="tx1"/>
-                                        </a:solidFill>
-                                      </a:rPr>
-                                      <m:t>𝛿</m:t>
-                                    </m:r>
-                                  </m:e>
-                                </m:acc>
-                                <m:r>
-                                  <m:rPr>
-                                    <m:brk m:alnAt="7"/>
-                                  </m:rPr>
-                                  <a:rPr lang="en-US" i="1">
-                                    <a:solidFill>
-                                      <a:schemeClr val="tx1"/>
-                                    </a:solidFill>
-                                  </a:rPr>
-                                  <m:t>=</m:t>
-                                </m:r>
-                                <m:r>
-                                  <a:rPr lang="en-US" b="0" i="1" smtClean="0">
-                                    <a:solidFill>
-                                      <a:schemeClr val="tx1"/>
-                                    </a:solidFill>
-                                  </a:rPr>
-                                  <m:t>𝜔</m:t>
-                                </m:r>
-                                <m:r>
-                                  <a:rPr lang="en-US" b="0" i="1" smtClean="0">
-                                    <a:solidFill>
-                                      <a:schemeClr val="tx1"/>
-                                    </a:solidFill>
-                                  </a:rPr>
-                                  <m:t>−</m:t>
-                                </m:r>
-                                <m:sSub>
-                                  <m:sSubPr>
-                                    <m:ctrlPr>
-                                      <a:rPr lang="en-US" b="0" i="1" smtClean="0">
-                                        <a:solidFill>
-                                          <a:schemeClr val="tx1"/>
-                                        </a:solidFill>
-                                      </a:rPr>
-                                    </m:ctrlPr>
-                                  </m:sSubPr>
-                                  <m:e>
-                                    <m:r>
-                                      <a:rPr lang="en-US" b="0" i="1" smtClean="0">
-                                        <a:solidFill>
-                                          <a:schemeClr val="tx1"/>
-                                        </a:solidFill>
-                                      </a:rPr>
-                                      <m:t>𝜔</m:t>
-                                    </m:r>
-                                  </m:e>
-                                  <m:sub>
-                                    <m:r>
-                                      <a:rPr lang="en-US" b="0" i="1" smtClean="0">
-                                        <a:solidFill>
-                                          <a:schemeClr val="tx1"/>
-                                        </a:solidFill>
-                                      </a:rPr>
-                                      <m:t>𝑔</m:t>
-                                    </m:r>
-                                  </m:sub>
-                                </m:sSub>
-                              </m:e>
-                            </m:mr>
-                          </m:m>
-                        </m:e>
-                      </m:d>
-                    </m:oMath>
-                  </m:oMathPara>
-                </a14:m>
-                <a:endParaRPr lang="en-US" dirty="0" smtClean="0">
-                  <a:solidFill>
-                    <a:srgbClr val="0070C0"/>
-                  </a:solidFill>
-                </a:endParaRPr>
-              </a:p>
-              <a:p>
-                <a:pPr algn="l"/>
-                <a:endParaRPr lang="en-US" dirty="0">
-                  <a:solidFill>
-                    <a:srgbClr val="0070C0"/>
-                  </a:solidFill>
-                </a:endParaRPr>
-              </a:p>
-              <a:p>
-                <a:pPr algn="l"/>
-                <a14:m>
-                  <m:oMathPara xmlns:m="http://schemas.openxmlformats.org/officeDocument/2006/math">
-                    <m:oMathParaPr>
-                      <m:jc m:val="left"/>
-                    </m:oMathParaPr>
-                    <m:oMath xmlns:m="http://schemas.openxmlformats.org/officeDocument/2006/math">
-                      <m:r>
-                        <m:rPr>
-                          <m:sty m:val="p"/>
-                        </m:rPr>
-                        <a:rPr lang="en-US" b="0" i="0">
-                          <a:solidFill>
-                            <a:srgbClr val="0070C0"/>
-                          </a:solidFill>
-                        </a:rPr>
-                        <m:t>The</m:t>
-                      </m:r>
-                      <m:r>
-                        <a:rPr lang="en-US" b="0" i="0">
-                          <a:solidFill>
-                            <a:srgbClr val="0070C0"/>
-                          </a:solidFill>
-                        </a:rPr>
-                        <m:t> </m:t>
-                      </m:r>
-                      <m:r>
-                        <m:rPr>
-                          <m:sty m:val="p"/>
-                        </m:rPr>
-                        <a:rPr lang="en-US" b="0" i="0">
-                          <a:solidFill>
-                            <a:srgbClr val="0070C0"/>
-                          </a:solidFill>
-                        </a:rPr>
-                        <m:t>power</m:t>
-                      </m:r>
-                      <m:r>
-                        <a:rPr lang="en-US" b="0" i="0">
-                          <a:solidFill>
-                            <a:srgbClr val="0070C0"/>
-                          </a:solidFill>
-                        </a:rPr>
-                        <m:t> </m:t>
-                      </m:r>
-                      <m:r>
-                        <m:rPr>
-                          <m:sty m:val="p"/>
-                        </m:rPr>
-                        <a:rPr lang="en-US" b="0" i="0">
-                          <a:solidFill>
-                            <a:srgbClr val="0070C0"/>
-                          </a:solidFill>
-                        </a:rPr>
-                        <m:t>absorbed</m:t>
-                      </m:r>
-                      <m:r>
-                        <a:rPr lang="en-US" b="0" i="0">
-                          <a:solidFill>
-                            <a:srgbClr val="0070C0"/>
-                          </a:solidFill>
-                        </a:rPr>
-                        <m:t> </m:t>
-                      </m:r>
-                      <m:r>
-                        <m:rPr>
-                          <m:sty m:val="p"/>
-                        </m:rPr>
-                        <a:rPr lang="en-US" b="0" i="0">
-                          <a:solidFill>
-                            <a:srgbClr val="0070C0"/>
-                          </a:solidFill>
-                        </a:rPr>
-                        <m:t>from</m:t>
-                      </m:r>
-                      <m:r>
-                        <a:rPr lang="en-US" b="0" i="0">
-                          <a:solidFill>
-                            <a:srgbClr val="0070C0"/>
-                          </a:solidFill>
-                        </a:rPr>
-                        <m:t> </m:t>
-                      </m:r>
-                      <m:r>
-                        <m:rPr>
-                          <m:sty m:val="p"/>
-                        </m:rPr>
-                        <a:rPr lang="en-US" b="0" i="0">
-                          <a:solidFill>
-                            <a:srgbClr val="0070C0"/>
-                          </a:solidFill>
-                        </a:rPr>
-                        <m:t>the</m:t>
-                      </m:r>
-                      <m:r>
-                        <a:rPr lang="en-US" b="0" i="0">
-                          <a:solidFill>
-                            <a:srgbClr val="0070C0"/>
-                          </a:solidFill>
-                        </a:rPr>
-                        <m:t> </m:t>
-                      </m:r>
-                      <m:r>
-                        <m:rPr>
-                          <m:sty m:val="p"/>
-                        </m:rPr>
-                        <a:rPr lang="en-US" b="0" i="0">
-                          <a:solidFill>
-                            <a:srgbClr val="0070C0"/>
-                          </a:solidFill>
-                        </a:rPr>
-                        <m:t>prime</m:t>
-                      </m:r>
-                      <m:r>
-                        <a:rPr lang="en-US" b="0" i="0">
-                          <a:solidFill>
-                            <a:srgbClr val="0070C0"/>
-                          </a:solidFill>
-                        </a:rPr>
-                        <m:t> </m:t>
-                      </m:r>
-                      <m:r>
-                        <m:rPr>
-                          <m:sty m:val="p"/>
-                        </m:rPr>
-                        <a:rPr lang="en-US" b="0" i="0">
-                          <a:solidFill>
-                            <a:srgbClr val="0070C0"/>
-                          </a:solidFill>
-                        </a:rPr>
-                        <m:t>mover</m:t>
-                      </m:r>
-                      <m:r>
-                        <a:rPr lang="en-US" b="0" i="0">
-                          <a:solidFill>
-                            <a:srgbClr val="0070C0"/>
-                          </a:solidFill>
-                        </a:rPr>
-                        <m:t> </m:t>
-                      </m:r>
-                      <m:r>
-                        <m:rPr>
-                          <m:sty m:val="p"/>
-                        </m:rPr>
-                        <a:rPr lang="en-US" b="0" i="0">
-                          <a:solidFill>
-                            <a:srgbClr val="0070C0"/>
-                          </a:solidFill>
-                        </a:rPr>
-                        <m:t>can</m:t>
-                      </m:r>
-                      <m:r>
-                        <a:rPr lang="en-US" b="0" i="0">
-                          <a:solidFill>
-                            <a:srgbClr val="0070C0"/>
-                          </a:solidFill>
-                        </a:rPr>
-                        <m:t> </m:t>
-                      </m:r>
-                      <m:r>
-                        <m:rPr>
-                          <m:sty m:val="p"/>
-                        </m:rPr>
-                        <a:rPr lang="en-US" b="0" i="0">
-                          <a:solidFill>
-                            <a:srgbClr val="0070C0"/>
-                          </a:solidFill>
-                        </a:rPr>
-                        <m:t>be</m:t>
-                      </m:r>
-                      <m:r>
-                        <a:rPr lang="en-US" b="0" i="0">
-                          <a:solidFill>
-                            <a:srgbClr val="0070C0"/>
-                          </a:solidFill>
-                        </a:rPr>
-                        <m:t> </m:t>
-                      </m:r>
-                      <m:r>
-                        <m:rPr>
-                          <m:sty m:val="p"/>
-                        </m:rPr>
-                        <a:rPr lang="en-US" b="0" i="0">
-                          <a:solidFill>
-                            <a:srgbClr val="0070C0"/>
-                          </a:solidFill>
-                        </a:rPr>
-                        <m:t>expressed</m:t>
-                      </m:r>
-                      <m:r>
-                        <a:rPr lang="en-US" b="0" i="0">
-                          <a:solidFill>
-                            <a:srgbClr val="0070C0"/>
-                          </a:solidFill>
-                        </a:rPr>
-                        <m:t> </m:t>
-                      </m:r>
-                      <m:r>
-                        <m:rPr>
-                          <m:sty m:val="p"/>
-                        </m:rPr>
-                        <a:rPr lang="en-US" b="0" i="0">
-                          <a:solidFill>
-                            <a:srgbClr val="0070C0"/>
-                          </a:solidFill>
-                        </a:rPr>
-                        <m:t>approximately</m:t>
-                      </m:r>
-                      <m:r>
-                        <a:rPr lang="en-US" b="0" i="0">
-                          <a:solidFill>
-                            <a:srgbClr val="0070C0"/>
-                          </a:solidFill>
-                        </a:rPr>
-                        <m:t> </m:t>
-                      </m:r>
-                      <m:r>
-                        <m:rPr>
-                          <m:sty m:val="p"/>
-                        </m:rPr>
-                        <a:rPr lang="en-US" b="0" i="0">
-                          <a:solidFill>
-                            <a:srgbClr val="0070C0"/>
-                          </a:solidFill>
-                        </a:rPr>
-                        <m:t>as</m:t>
-                      </m:r>
-                      <m:r>
-                        <a:rPr lang="en-US" b="0" i="0" smtClean="0">
-                          <a:solidFill>
-                            <a:srgbClr val="0070C0"/>
-                          </a:solidFill>
-                        </a:rPr>
-                        <m:t>:</m:t>
-                      </m:r>
-                    </m:oMath>
-                  </m:oMathPara>
-                </a14:m>
-                <a:endParaRPr lang="en-US" dirty="0" smtClean="0">
-                  <a:solidFill>
-                    <a:srgbClr val="0070C0"/>
-                  </a:solidFill>
-                </a:endParaRPr>
-              </a:p>
-              <a:p>
-                <a:pPr algn="l"/>
-                <a:endParaRPr lang="en-US" dirty="0" smtClean="0">
-                  <a:solidFill>
-                    <a:srgbClr val="0070C0"/>
-                  </a:solidFill>
-                </a:endParaRPr>
-              </a:p>
-              <a:p>
-                <a:pPr algn="l"/>
-                <a14:m>
-                  <m:oMathPara xmlns:m="http://schemas.openxmlformats.org/officeDocument/2006/math">
-                    <m:oMathParaPr>
-                      <m:jc m:val="left"/>
-                    </m:oMathParaPr>
-                    <m:oMath xmlns:m="http://schemas.openxmlformats.org/officeDocument/2006/math">
-                      <m:sSub>
-                        <m:sSubPr>
-                          <m:ctrlPr>
-                            <a:rPr lang="en-US" b="0" i="1" smtClean="0">
-                              <a:solidFill>
-                                <a:schemeClr val="tx1"/>
-                              </a:solidFill>
-                            </a:rPr>
-                          </m:ctrlPr>
-                        </m:sSubPr>
-                        <m:e>
-                          <m:r>
-                            <a:rPr lang="en-US" b="0" i="1" smtClean="0">
-                              <a:solidFill>
-                                <a:schemeClr val="tx1"/>
-                              </a:solidFill>
-                            </a:rPr>
-                            <m:t>𝑃</m:t>
-                          </m:r>
-                        </m:e>
-                        <m:sub>
-                          <m:r>
-                            <a:rPr lang="en-US" b="0" i="1" smtClean="0">
-                              <a:solidFill>
-                                <a:schemeClr val="tx1"/>
-                              </a:solidFill>
-                            </a:rPr>
-                            <m:t>𝑚</m:t>
-                          </m:r>
-                        </m:sub>
-                      </m:sSub>
-                      <m:r>
-                        <a:rPr lang="en-US" b="0" i="1" smtClean="0">
-                          <a:solidFill>
-                            <a:schemeClr val="tx1"/>
-                          </a:solidFill>
-                        </a:rPr>
-                        <m:t>=</m:t>
-                      </m:r>
-                      <m:d>
-                        <m:dPr>
-                          <m:ctrlPr>
-                            <a:rPr lang="en-US" b="0" i="1" smtClean="0">
-                              <a:solidFill>
-                                <a:schemeClr val="tx1"/>
-                              </a:solidFill>
-                            </a:rPr>
-                          </m:ctrlPr>
-                        </m:dPr>
-                        <m:e>
-                          <m:sSub>
-                            <m:sSubPr>
-                              <m:ctrlPr>
-                                <a:rPr lang="en-US" b="0" i="1" smtClean="0">
-                                  <a:solidFill>
-                                    <a:schemeClr val="tx1"/>
-                                  </a:solidFill>
-                                </a:rPr>
-                              </m:ctrlPr>
-                            </m:sSubPr>
-                            <m:e>
-                              <m:r>
-                                <a:rPr lang="en-US" b="0" i="1" smtClean="0">
-                                  <a:solidFill>
-                                    <a:schemeClr val="tx1"/>
-                                  </a:solidFill>
-                                </a:rPr>
-                                <m:t>𝑇</m:t>
-                              </m:r>
-                            </m:e>
-                            <m:sub>
-                              <m:r>
-                                <a:rPr lang="en-US" b="0" i="1" smtClean="0">
-                                  <a:solidFill>
-                                    <a:schemeClr val="tx1"/>
-                                  </a:solidFill>
-                                </a:rPr>
-                                <m:t>𝑚</m:t>
-                              </m:r>
-                            </m:sub>
-                          </m:sSub>
-                          <m:r>
-                            <a:rPr lang="en-US" b="0" i="1" smtClean="0">
-                              <a:solidFill>
-                                <a:schemeClr val="tx1"/>
-                              </a:solidFill>
-                            </a:rPr>
-                            <m:t>−</m:t>
-                          </m:r>
-                          <m:sSub>
-                            <m:sSubPr>
-                              <m:ctrlPr>
-                                <a:rPr lang="en-US" b="0" i="1" smtClean="0">
-                                  <a:solidFill>
-                                    <a:schemeClr val="tx1"/>
-                                  </a:solidFill>
-                                </a:rPr>
-                              </m:ctrlPr>
-                            </m:sSubPr>
-                            <m:e>
-                              <m:r>
-                                <a:rPr lang="en-US" b="0" i="1" smtClean="0">
-                                  <a:solidFill>
-                                    <a:schemeClr val="tx1"/>
-                                  </a:solidFill>
-                                </a:rPr>
-                                <m:t>𝐷</m:t>
-                              </m:r>
-                            </m:e>
-                            <m:sub>
-                              <m:r>
-                                <a:rPr lang="en-US" b="0" i="1" smtClean="0">
-                                  <a:solidFill>
-                                    <a:schemeClr val="tx1"/>
-                                  </a:solidFill>
-                                </a:rPr>
-                                <m:t>𝑝</m:t>
-                              </m:r>
-                            </m:sub>
-                          </m:sSub>
-                          <m:sSub>
-                            <m:sSubPr>
-                              <m:ctrlPr>
-                                <a:rPr lang="en-US" b="0" i="1" smtClean="0">
-                                  <a:solidFill>
-                                    <a:schemeClr val="tx1"/>
-                                  </a:solidFill>
-                                </a:rPr>
-                              </m:ctrlPr>
-                            </m:sSubPr>
-                            <m:e>
-                              <m:r>
-                                <a:rPr lang="en-US" b="0" i="1" smtClean="0">
-                                  <a:solidFill>
-                                    <a:schemeClr val="tx1"/>
-                                  </a:solidFill>
-                                </a:rPr>
-                                <m:t>𝜔</m:t>
-                              </m:r>
-                            </m:e>
-                            <m:sub>
-                              <m:r>
-                                <a:rPr lang="en-US" b="0" i="1" smtClean="0">
-                                  <a:solidFill>
-                                    <a:schemeClr val="tx1"/>
-                                  </a:solidFill>
-                                </a:rPr>
-                                <m:t>𝑔</m:t>
-                              </m:r>
-                            </m:sub>
-                          </m:sSub>
-                        </m:e>
-                      </m:d>
-                      <m:r>
-                        <a:rPr lang="en-US" b="0" i="1" smtClean="0">
-                          <a:solidFill>
-                            <a:schemeClr val="tx1"/>
-                          </a:solidFill>
-                        </a:rPr>
-                        <m:t>𝜔</m:t>
-                      </m:r>
-                    </m:oMath>
-                  </m:oMathPara>
-                </a14:m>
-                <a:endParaRPr lang="en-US" dirty="0" smtClean="0">
-                  <a:solidFill>
-                    <a:schemeClr val="tx1"/>
-                  </a:solidFill>
-                </a:endParaRPr>
-              </a:p>
-              <a:p>
-                <a:pPr algn="l"/>
-                <a:endParaRPr lang="en-US" dirty="0">
-                  <a:solidFill>
-                    <a:schemeClr val="tx1"/>
-                  </a:solidFill>
-                </a:endParaRPr>
-              </a:p>
-              <a:p>
-                <a:pPr algn="l"/>
-                <a14:m>
-                  <m:oMathPara xmlns:m="http://schemas.openxmlformats.org/officeDocument/2006/math">
-                    <m:oMathParaPr>
-                      <m:jc m:val="left"/>
-                    </m:oMathParaPr>
-                    <m:oMath xmlns:m="http://schemas.openxmlformats.org/officeDocument/2006/math">
-                      <m:d>
-                        <m:dPr>
-                          <m:begChr m:val="{"/>
-                          <m:endChr m:val=""/>
-                          <m:ctrlPr>
-                            <a:rPr lang="en-US" i="1">
-                              <a:solidFill>
-                                <a:schemeClr val="tx1"/>
-                              </a:solidFill>
-                            </a:rPr>
-                          </m:ctrlPr>
-                        </m:dPr>
-                        <m:e>
-                          <m:m>
-                            <m:mPr>
-                              <m:mcs>
-                                <m:mc>
-                                  <m:mcPr>
-                                    <m:count m:val="1"/>
-                                    <m:mcJc m:val="center"/>
-                                  </m:mcPr>
-                                </m:mc>
-                              </m:mcs>
-                              <m:ctrlPr>
-                                <a:rPr lang="cs-CZ" i="1">
-                                  <a:solidFill>
-                                    <a:schemeClr val="tx1"/>
-                                  </a:solidFill>
-                                </a:rPr>
-                              </m:ctrlPr>
-                            </m:mPr>
-                            <m:mr>
-                              <m:e>
-                                <m:r>
-                                  <m:rPr>
-                                    <m:brk m:alnAt="7"/>
-                                  </m:rPr>
-                                  <a:rPr lang="en-US" i="1">
-                                    <a:solidFill>
-                                      <a:schemeClr val="tx1"/>
-                                    </a:solidFill>
-                                  </a:rPr>
-                                  <m:t>𝐽</m:t>
-                                </m:r>
-                                <m:acc>
-                                  <m:accPr>
-                                    <m:chr m:val="̇"/>
-                                    <m:ctrlPr>
-                                      <a:rPr lang="en-US" i="1">
-                                        <a:solidFill>
-                                          <a:schemeClr val="tx1"/>
-                                        </a:solidFill>
-                                      </a:rPr>
-                                    </m:ctrlPr>
-                                  </m:accPr>
-                                  <m:e>
-                                    <m:r>
-                                      <m:rPr>
-                                        <m:brk m:alnAt="7"/>
-                                      </m:rPr>
-                                      <a:rPr lang="en-US" i="1">
-                                        <a:solidFill>
-                                          <a:schemeClr val="tx1"/>
-                                        </a:solidFill>
-                                      </a:rPr>
-                                      <m:t>𝜔</m:t>
-                                    </m:r>
-                                  </m:e>
-                                </m:acc>
-                                <m:r>
-                                  <m:rPr>
-                                    <m:brk m:alnAt="7"/>
-                                  </m:rPr>
-                                  <a:rPr lang="en-US" i="1">
-                                    <a:solidFill>
-                                      <a:schemeClr val="tx1"/>
-                                    </a:solidFill>
-                                  </a:rPr>
-                                  <m:t>𝜔</m:t>
-                                </m:r>
-                                <m:r>
-                                  <a:rPr lang="en-US" i="1">
-                                    <a:solidFill>
-                                      <a:schemeClr val="tx1"/>
-                                    </a:solidFill>
-                                  </a:rPr>
-                                  <m:t>+</m:t>
-                                </m:r>
-                                <m:sSub>
-                                  <m:sSubPr>
-                                    <m:ctrlPr>
-                                      <a:rPr lang="en-US" i="1">
-                                        <a:solidFill>
-                                          <a:schemeClr val="tx1"/>
-                                        </a:solidFill>
-                                      </a:rPr>
-                                    </m:ctrlPr>
-                                  </m:sSubPr>
-                                  <m:e>
-                                    <m:r>
-                                      <m:rPr>
-                                        <m:brk m:alnAt="7"/>
-                                      </m:rPr>
-                                      <a:rPr lang="en-US" i="1">
-                                        <a:solidFill>
-                                          <a:schemeClr val="tx1"/>
-                                        </a:solidFill>
-                                      </a:rPr>
-                                      <m:t>𝐷</m:t>
-                                    </m:r>
-                                  </m:e>
-                                  <m:sub>
-                                    <m:r>
-                                      <m:rPr>
-                                        <m:brk m:alnAt="7"/>
-                                      </m:rPr>
-                                      <a:rPr lang="en-US" i="1">
-                                        <a:solidFill>
-                                          <a:schemeClr val="tx1"/>
-                                        </a:solidFill>
-                                      </a:rPr>
-                                      <m:t>𝑝</m:t>
-                                    </m:r>
-                                  </m:sub>
-                                </m:sSub>
-                                <m:r>
-                                  <m:rPr>
-                                    <m:brk m:alnAt="7"/>
-                                  </m:rPr>
-                                  <a:rPr lang="en-US" b="0" i="1" smtClean="0">
-                                    <a:solidFill>
-                                      <a:schemeClr val="tx1"/>
-                                    </a:solidFill>
-                                  </a:rPr>
-                                  <m:t>𝜔</m:t>
-                                </m:r>
-                                <m:r>
-                                  <a:rPr lang="en-US" b="0" i="1" smtClean="0">
-                                    <a:solidFill>
-                                      <a:schemeClr val="tx1"/>
-                                    </a:solidFill>
-                                  </a:rPr>
-                                  <m:t>(</m:t>
-                                </m:r>
-                                <m:r>
-                                  <a:rPr lang="en-US" b="0" i="1" smtClean="0">
-                                    <a:solidFill>
-                                      <a:schemeClr val="tx1"/>
-                                    </a:solidFill>
-                                  </a:rPr>
-                                  <m:t>𝜔</m:t>
-                                </m:r>
-                                <m:r>
-                                  <a:rPr lang="en-US" b="0" i="1" smtClean="0">
-                                    <a:solidFill>
-                                      <a:schemeClr val="tx1"/>
-                                    </a:solidFill>
-                                  </a:rPr>
-                                  <m:t>−</m:t>
-                                </m:r>
-                                <m:sSub>
-                                  <m:sSubPr>
-                                    <m:ctrlPr>
-                                      <a:rPr lang="en-US" b="0" i="1" smtClean="0">
-                                        <a:solidFill>
-                                          <a:schemeClr val="tx1"/>
-                                        </a:solidFill>
-                                      </a:rPr>
-                                    </m:ctrlPr>
-                                  </m:sSubPr>
-                                  <m:e>
-                                    <m:r>
-                                      <m:rPr>
-                                        <m:brk m:alnAt="7"/>
-                                      </m:rPr>
-                                      <a:rPr lang="en-US" b="0" i="1" smtClean="0">
-                                        <a:solidFill>
-                                          <a:schemeClr val="tx1"/>
-                                        </a:solidFill>
-                                      </a:rPr>
-                                      <m:t>𝜔</m:t>
-                                    </m:r>
-                                  </m:e>
-                                  <m:sub>
-                                    <m:r>
-                                      <m:rPr>
-                                        <m:brk m:alnAt="7"/>
-                                      </m:rPr>
-                                      <a:rPr lang="en-US" b="0" i="1" smtClean="0">
-                                        <a:solidFill>
-                                          <a:schemeClr val="tx1"/>
-                                        </a:solidFill>
-                                      </a:rPr>
-                                      <m:t>𝑔</m:t>
-                                    </m:r>
-                                  </m:sub>
-                                </m:sSub>
-                                <m:r>
-                                  <m:rPr>
-                                    <m:brk m:alnAt="7"/>
-                                  </m:rPr>
-                                  <a:rPr lang="en-US" b="0" i="1" smtClean="0">
-                                    <a:solidFill>
-                                      <a:schemeClr val="tx1"/>
-                                    </a:solidFill>
-                                  </a:rPr>
-                                  <m:t>)</m:t>
-                                </m:r>
-                                <m:r>
-                                  <a:rPr lang="en-US" i="1">
-                                    <a:solidFill>
-                                      <a:schemeClr val="tx1"/>
-                                    </a:solidFill>
-                                  </a:rPr>
-                                  <m:t>=</m:t>
-                                </m:r>
-                                <m:sSub>
-                                  <m:sSubPr>
-                                    <m:ctrlPr>
-                                      <a:rPr lang="en-US" b="0" i="1" smtClean="0">
-                                        <a:solidFill>
-                                          <a:schemeClr val="tx1"/>
-                                        </a:solidFill>
-                                      </a:rPr>
-                                    </m:ctrlPr>
-                                  </m:sSubPr>
-                                  <m:e>
-                                    <m:r>
-                                      <m:rPr>
-                                        <m:brk m:alnAt="7"/>
-                                      </m:rPr>
-                                      <a:rPr lang="en-US" b="0" i="1" smtClean="0">
-                                        <a:solidFill>
-                                          <a:schemeClr val="tx1"/>
-                                        </a:solidFill>
-                                      </a:rPr>
-                                      <m:t>𝑃</m:t>
-                                    </m:r>
-                                  </m:e>
-                                  <m:sub>
-                                    <m:r>
-                                      <m:rPr>
-                                        <m:brk m:alnAt="7"/>
-                                      </m:rPr>
-                                      <a:rPr lang="en-US" b="0" i="1" smtClean="0">
-                                        <a:solidFill>
-                                          <a:schemeClr val="tx1"/>
-                                        </a:solidFill>
-                                      </a:rPr>
-                                      <m:t>𝑚</m:t>
-                                    </m:r>
-                                  </m:sub>
-                                </m:sSub>
-                                <m:r>
-                                  <a:rPr lang="en-US" i="1">
-                                    <a:solidFill>
-                                      <a:schemeClr val="tx1"/>
-                                    </a:solidFill>
-                                  </a:rPr>
-                                  <m:t>−</m:t>
-                                </m:r>
-                                <m:f>
-                                  <m:fPr>
-                                    <m:ctrlPr>
-                                      <a:rPr lang="bg-BG" i="1" dirty="0">
-                                        <a:solidFill>
-                                          <a:schemeClr val="tx1"/>
-                                        </a:solidFill>
-                                      </a:rPr>
-                                    </m:ctrlPr>
-                                  </m:fPr>
-                                  <m:num>
-                                    <m:r>
-                                      <a:rPr lang="en-US" i="1" dirty="0">
-                                        <a:solidFill>
-                                          <a:schemeClr val="tx1"/>
-                                        </a:solidFill>
-                                      </a:rPr>
-                                      <m:t>𝑚</m:t>
-                                    </m:r>
-                                    <m:sSub>
-                                      <m:sSubPr>
-                                        <m:ctrlPr>
-                                          <a:rPr lang="en-US" i="1" dirty="0">
-                                            <a:solidFill>
-                                              <a:schemeClr val="tx1"/>
-                                            </a:solidFill>
-                                          </a:rPr>
-                                        </m:ctrlPr>
-                                      </m:sSubPr>
-                                      <m:e>
-                                        <m:r>
-                                          <a:rPr lang="en-US" i="1" dirty="0">
-                                            <a:solidFill>
-                                              <a:schemeClr val="tx1"/>
-                                            </a:solidFill>
-                                          </a:rPr>
-                                          <m:t>𝑖</m:t>
-                                        </m:r>
-                                      </m:e>
-                                      <m:sub>
-                                        <m:r>
-                                          <a:rPr lang="en-US" i="1" dirty="0">
-                                            <a:solidFill>
-                                              <a:schemeClr val="tx1"/>
-                                            </a:solidFill>
-                                          </a:rPr>
-                                          <m:t>𝑓</m:t>
-                                        </m:r>
-                                      </m:sub>
-                                    </m:sSub>
-                                    <m:r>
-                                      <a:rPr lang="en-US" i="1" dirty="0">
-                                        <a:solidFill>
-                                          <a:schemeClr val="tx1"/>
-                                        </a:solidFill>
-                                      </a:rPr>
-                                      <m:t>𝑉</m:t>
-                                    </m:r>
-                                    <m:r>
-                                      <a:rPr lang="en-US" i="1" dirty="0">
-                                        <a:solidFill>
-                                          <a:schemeClr val="tx1"/>
-                                        </a:solidFill>
-                                      </a:rPr>
-                                      <m:t>𝑠𝑖𝑛</m:t>
-                                    </m:r>
-                                    <m:r>
-                                      <a:rPr lang="en-US" i="1" dirty="0">
-                                        <a:solidFill>
-                                          <a:schemeClr val="tx1"/>
-                                        </a:solidFill>
-                                      </a:rPr>
-                                      <m:t>𝛿</m:t>
-                                    </m:r>
-                                  </m:num>
-                                  <m:den>
-                                    <m:sSub>
-                                      <m:sSubPr>
-                                        <m:ctrlPr>
-                                          <a:rPr lang="en-US" i="1" dirty="0">
-                                            <a:solidFill>
-                                              <a:schemeClr val="tx1"/>
-                                            </a:solidFill>
-                                          </a:rPr>
-                                        </m:ctrlPr>
-                                      </m:sSubPr>
-                                      <m:e>
-                                        <m:r>
-                                          <a:rPr lang="en-US" i="1" dirty="0">
-                                            <a:solidFill>
-                                              <a:schemeClr val="tx1"/>
-                                            </a:solidFill>
-                                          </a:rPr>
-                                          <m:t>𝐿</m:t>
-                                        </m:r>
-                                      </m:e>
-                                      <m:sub>
-                                        <m:r>
-                                          <a:rPr lang="en-US" i="1" dirty="0">
-                                            <a:solidFill>
-                                              <a:schemeClr val="tx1"/>
-                                            </a:solidFill>
-                                          </a:rPr>
-                                          <m:t>𝑠</m:t>
-                                        </m:r>
-                                      </m:sub>
-                                    </m:sSub>
-                                  </m:den>
-                                </m:f>
-                              </m:e>
-                            </m:mr>
-                            <m:mr>
-                              <m:e>
-                                <m:acc>
-                                  <m:accPr>
-                                    <m:chr m:val="̇"/>
-                                    <m:ctrlPr>
-                                      <a:rPr lang="en-US" i="1">
-                                        <a:solidFill>
-                                          <a:schemeClr val="tx1"/>
-                                        </a:solidFill>
-                                      </a:rPr>
-                                    </m:ctrlPr>
-                                  </m:accPr>
-                                  <m:e>
-                                    <m:r>
-                                      <a:rPr lang="en-US" i="1">
-                                        <a:solidFill>
-                                          <a:schemeClr val="tx1"/>
-                                        </a:solidFill>
-                                      </a:rPr>
-                                      <m:t>𝛿</m:t>
-                                    </m:r>
-                                  </m:e>
-                                </m:acc>
-                                <m:r>
-                                  <m:rPr>
-                                    <m:brk m:alnAt="7"/>
-                                  </m:rPr>
-                                  <a:rPr lang="en-US" i="1">
-                                    <a:solidFill>
-                                      <a:schemeClr val="tx1"/>
-                                    </a:solidFill>
-                                  </a:rPr>
-                                  <m:t>=</m:t>
-                                </m:r>
-                                <m:r>
-                                  <a:rPr lang="en-US" i="1">
-                                    <a:solidFill>
-                                      <a:schemeClr val="tx1"/>
-                                    </a:solidFill>
-                                  </a:rPr>
-                                  <m:t>𝜔</m:t>
-                                </m:r>
-                                <m:r>
-                                  <a:rPr lang="en-US" i="1">
-                                    <a:solidFill>
-                                      <a:schemeClr val="tx1"/>
-                                    </a:solidFill>
-                                  </a:rPr>
-                                  <m:t>−</m:t>
-                                </m:r>
-                                <m:sSub>
-                                  <m:sSubPr>
-                                    <m:ctrlPr>
-                                      <a:rPr lang="en-US" i="1">
-                                        <a:solidFill>
-                                          <a:schemeClr val="tx1"/>
-                                        </a:solidFill>
-                                      </a:rPr>
-                                    </m:ctrlPr>
-                                  </m:sSubPr>
-                                  <m:e>
-                                    <m:r>
-                                      <a:rPr lang="en-US" i="1">
-                                        <a:solidFill>
-                                          <a:schemeClr val="tx1"/>
-                                        </a:solidFill>
-                                      </a:rPr>
-                                      <m:t>𝜔</m:t>
-                                    </m:r>
-                                  </m:e>
-                                  <m:sub>
-                                    <m:r>
-                                      <a:rPr lang="en-US" i="1">
-                                        <a:solidFill>
-                                          <a:schemeClr val="tx1"/>
-                                        </a:solidFill>
-                                      </a:rPr>
-                                      <m:t>𝑔</m:t>
-                                    </m:r>
-                                  </m:sub>
-                                </m:sSub>
-                              </m:e>
-                            </m:mr>
-                          </m:m>
-                        </m:e>
-                      </m:d>
-                    </m:oMath>
-                  </m:oMathPara>
-                </a14:m>
-                <a:endParaRPr lang="en-US" dirty="0" smtClean="0">
-                  <a:solidFill>
-                    <a:srgbClr val="0070C0"/>
-                  </a:solidFill>
-                </a:endParaRPr>
-              </a:p>
-              <a:p>
-                <a:pPr algn="l"/>
-                <a:endParaRPr lang="en-US" dirty="0" smtClean="0">
-                  <a:solidFill>
-                    <a:srgbClr val="0070C0"/>
-                  </a:solidFill>
-                </a:endParaRPr>
-              </a:p>
-              <a:p>
-                <a:pPr algn="l"/>
-                <a:r>
-                  <a:rPr lang="en-US" dirty="0">
-                    <a:solidFill>
-                      <a:srgbClr val="0070C0"/>
-                    </a:solidFill>
-                  </a:rPr>
-                  <a:t>This model is known as the </a:t>
-                </a:r>
-                <a:r>
-                  <a:rPr lang="en-US" i="1" dirty="0">
-                    <a:solidFill>
-                      <a:srgbClr val="0070C0"/>
-                    </a:solidFill>
-                  </a:rPr>
-                  <a:t>improved swing equation </a:t>
-                </a:r>
-                <a:r>
-                  <a:rPr lang="en-US" dirty="0">
-                    <a:solidFill>
-                      <a:srgbClr val="0070C0"/>
-                    </a:solidFill>
-                  </a:rPr>
-                  <a:t>(ISE), </a:t>
-                </a:r>
-                <a:r>
-                  <a:rPr lang="en-US" dirty="0" smtClean="0">
-                    <a:solidFill>
-                      <a:srgbClr val="0070C0"/>
-                    </a:solidFill>
-                  </a:rPr>
-                  <a:t>(</a:t>
-                </a:r>
-                <a:r>
-                  <a:rPr lang="en-US" dirty="0" err="1" smtClean="0">
-                    <a:solidFill>
-                      <a:srgbClr val="0070C0"/>
-                    </a:solidFill>
-                  </a:rPr>
-                  <a:t>Monshizadeh</a:t>
-                </a:r>
-                <a:r>
-                  <a:rPr lang="en-US" dirty="0" smtClean="0">
-                    <a:solidFill>
-                      <a:srgbClr val="0070C0"/>
-                    </a:solidFill>
-                  </a:rPr>
-                  <a:t> </a:t>
-                </a:r>
-                <a:r>
-                  <a:rPr lang="en-US" dirty="0">
-                    <a:solidFill>
-                      <a:srgbClr val="0070C0"/>
-                    </a:solidFill>
-                  </a:rPr>
-                  <a:t>e</a:t>
-                </a:r>
-                <a:r>
-                  <a:rPr lang="en-US" dirty="0" smtClean="0">
-                    <a:solidFill>
-                      <a:srgbClr val="0070C0"/>
-                    </a:solidFill>
-                  </a:rPr>
-                  <a:t>t al(2016), </a:t>
-                </a:r>
-                <a:r>
-                  <a:rPr lang="en-US" dirty="0">
-                    <a:solidFill>
-                      <a:srgbClr val="0070C0"/>
-                    </a:solidFill>
-                  </a:rPr>
-                  <a:t>Zhou and </a:t>
-                </a:r>
-                <a:r>
-                  <a:rPr lang="en-US" dirty="0" smtClean="0">
-                    <a:solidFill>
-                      <a:srgbClr val="0070C0"/>
-                    </a:solidFill>
-                  </a:rPr>
-                  <a:t> </a:t>
-                </a:r>
-                <a:r>
-                  <a:rPr lang="en-US" dirty="0" err="1" smtClean="0">
-                    <a:solidFill>
-                      <a:srgbClr val="0070C0"/>
-                    </a:solidFill>
-                  </a:rPr>
-                  <a:t>Ohsawa</a:t>
-                </a:r>
-                <a:r>
-                  <a:rPr lang="en-US" dirty="0" smtClean="0">
-                    <a:solidFill>
-                      <a:srgbClr val="0070C0"/>
-                    </a:solidFill>
-                  </a:rPr>
-                  <a:t> (2009).</a:t>
-                </a:r>
-                <a:endParaRPr lang="en-US" dirty="0">
-                  <a:solidFill>
-                    <a:srgbClr val="0070C0"/>
-                  </a:solidFill>
-                </a:endParaRPr>
-              </a:p>
-            </p:txBody>
-          </p:sp>
-        </mc:Choice>
-        <mc:Fallback>
-          <p:sp>
-            <p:nvSpPr>
-              <p:cNvPr id="3" name="Subtitle 2"/>
-              <p:cNvSpPr>
-                <a:spLocks noGrp="1" noRot="1" noChangeAspect="1" noMove="1" noResize="1" noEditPoints="1" noAdjustHandles="1" noChangeArrowheads="1" noChangeShapeType="1" noTextEdit="1"/>
-              </p:cNvSpPr>
-              <p:nvPr>
-                <p:ph type="subTitle" idx="1"/>
-              </p:nvPr>
-            </p:nvSpPr>
-            <p:spPr>
-              <a:xfrm>
-                <a:off x="402680" y="1036385"/>
-                <a:ext cx="11789319" cy="5319966"/>
-              </a:xfrm>
-              <a:blipFill rotWithShape="0">
-                <a:blip r:embed="rId3"/>
-                <a:stretch>
-                  <a:fillRect l="-517" t="-1604" b="-229"/>
-                </a:stretch>
-              </a:blipFill>
-            </p:spPr>
-            <p:txBody>
-              <a:bodyPr/>
-              <a:lstStyle/>
-              <a:p>
-                <a:r>
-                  <a:rPr lang="en-US">
-                    <a:noFill/>
-                  </a:rPr>
-                  <a:t> </a:t>
-                </a:r>
-              </a:p>
-            </p:txBody>
-          </p:sp>
-        </mc:Fallback>
-      </mc:AlternateContent>
-      <p:sp>
-        <p:nvSpPr>
-          <p:cNvPr id="2" name="Date Placeholder 1"/>
-          <p:cNvSpPr>
-            <a:spLocks noGrp="1"/>
-          </p:cNvSpPr>
-          <p:nvPr>
-            <p:ph type="dt" sz="half" idx="10"/>
-          </p:nvPr>
-        </p:nvSpPr>
-        <p:spPr/>
-        <p:txBody>
-          <a:bodyPr/>
-          <a:lstStyle/>
-          <a:p>
-            <a:fld id="{9BEA1E36-7D09-EB4D-ADF1-B27CF42222FE}" type="datetime1">
-              <a:rPr lang="en-US" smtClean="0"/>
-              <a:t>11/5/16</a:t>
+              <a:t>11/9/16</a:t>
             </a:fld>
             <a:endParaRPr lang="en-US"/>
           </a:p>
@@ -8968,6 +9089,1953 @@
     </p:spTree>
     <p:extLst>
       <p:ext uri="{BB962C8B-B14F-4D97-AF65-F5344CB8AC3E}">
+        <p14:creationId xmlns:p14="http://schemas.microsoft.com/office/powerpoint/2010/main" val="1586865459"/>
+      </p:ext>
+    </p:extLst>
+  </p:cSld>
+  <p:clrMapOvr>
+    <a:masterClrMapping/>
+  </p:clrMapOvr>
+  <p:timing>
+    <p:tnLst>
+      <p:par>
+        <p:cTn id="1" dur="indefinite" restart="never" nodeType="tmRoot"/>
+      </p:par>
+    </p:tnLst>
+  </p:timing>
+</p:sld>
+</file>
+
+<file path=ppt/slides/slide12.xml><?xml version="1.0" encoding="utf-8"?>
+<p:sld xmlns:a="http://schemas.openxmlformats.org/drawingml/2006/main" xmlns:r="http://schemas.openxmlformats.org/officeDocument/2006/relationships" xmlns:p="http://schemas.openxmlformats.org/presentationml/2006/main" showMasterSp="0">
+  <p:cSld>
+    <p:spTree>
+      <p:nvGrpSpPr>
+        <p:cNvPr id="1" name=""/>
+        <p:cNvGrpSpPr/>
+        <p:nvPr/>
+      </p:nvGrpSpPr>
+      <p:grpSpPr>
+        <a:xfrm>
+          <a:off x="0" y="0"/>
+          <a:ext cx="0" cy="0"/>
+          <a:chOff x="0" y="0"/>
+          <a:chExt cx="0" cy="0"/>
+        </a:xfrm>
+      </p:grpSpPr>
+      <mc:AlternateContent xmlns:mc="http://schemas.openxmlformats.org/markup-compatibility/2006" xmlns:a14="http://schemas.microsoft.com/office/drawing/2010/main">
+        <mc:Choice Requires="a14">
+          <p:sp>
+            <p:nvSpPr>
+              <p:cNvPr id="3" name="Subtitle 2"/>
+              <p:cNvSpPr>
+                <a:spLocks noGrp="1"/>
+              </p:cNvSpPr>
+              <p:nvPr>
+                <p:ph type="subTitle" idx="1"/>
+              </p:nvPr>
+            </p:nvSpPr>
+            <p:spPr>
+              <a:xfrm>
+                <a:off x="402680" y="1036385"/>
+                <a:ext cx="11789319" cy="5319966"/>
+              </a:xfrm>
+            </p:spPr>
+            <p:txBody>
+              <a:bodyPr>
+                <a:normAutofit fontScale="85000" lnSpcReduction="10000"/>
+              </a:bodyPr>
+              <a:lstStyle/>
+              <a:p>
+                <a:pPr algn="l"/>
+                <a:r>
+                  <a:rPr lang="en-US" dirty="0" smtClean="0">
+                    <a:solidFill>
+                      <a:srgbClr val="0070C0"/>
+                    </a:solidFill>
+                  </a:rPr>
+                  <a:t>Substitute it into   </a:t>
+                </a:r>
+                <a14:m>
+                  <m:oMath xmlns:m="http://schemas.openxmlformats.org/officeDocument/2006/math">
+                    <m:acc>
+                      <m:accPr>
+                        <m:chr m:val="̇"/>
+                        <m:ctrlPr>
+                          <a:rPr lang="en-US" i="1" smtClean="0">
+                            <a:solidFill>
+                              <a:schemeClr val="tx1"/>
+                            </a:solidFill>
+                            <a:latin typeface="Cambria Math" charset="0"/>
+                          </a:rPr>
+                        </m:ctrlPr>
+                      </m:accPr>
+                      <m:e>
+                        <m:r>
+                          <a:rPr lang="en-US" i="1">
+                            <a:solidFill>
+                              <a:schemeClr val="tx1"/>
+                            </a:solidFill>
+                            <a:latin typeface="Cambria Math"/>
+                          </a:rPr>
+                          <m:t>𝑥</m:t>
+                        </m:r>
+                      </m:e>
+                    </m:acc>
+                    <m:r>
+                      <m:rPr>
+                        <m:brk m:alnAt="7"/>
+                      </m:rPr>
+                      <a:rPr lang="en-US" i="1">
+                        <a:solidFill>
+                          <a:schemeClr val="tx1"/>
+                        </a:solidFill>
+                        <a:latin typeface="Cambria Math"/>
+                      </a:rPr>
+                      <m:t>=</m:t>
+                    </m:r>
+                    <m:r>
+                      <a:rPr lang="en-US" i="1">
+                        <a:solidFill>
+                          <a:schemeClr val="tx1"/>
+                        </a:solidFill>
+                        <a:latin typeface="Cambria Math"/>
+                      </a:rPr>
+                      <m:t>𝑓</m:t>
+                    </m:r>
+                    <m:r>
+                      <a:rPr lang="en-US" i="1">
+                        <a:solidFill>
+                          <a:schemeClr val="tx1"/>
+                        </a:solidFill>
+                        <a:latin typeface="Cambria Math"/>
+                      </a:rPr>
+                      <m:t>(</m:t>
+                    </m:r>
+                    <m:r>
+                      <a:rPr lang="en-US" i="1">
+                        <a:solidFill>
+                          <a:schemeClr val="tx1"/>
+                        </a:solidFill>
+                        <a:latin typeface="Cambria Math"/>
+                      </a:rPr>
+                      <m:t>𝑥</m:t>
+                    </m:r>
+                    <m:r>
+                      <a:rPr lang="en-US" i="1">
+                        <a:solidFill>
+                          <a:schemeClr val="tx1"/>
+                        </a:solidFill>
+                        <a:latin typeface="Cambria Math"/>
+                      </a:rPr>
+                      <m:t>,</m:t>
+                    </m:r>
+                    <m:r>
+                      <a:rPr lang="en-US" i="1">
+                        <a:solidFill>
+                          <a:schemeClr val="tx1"/>
+                        </a:solidFill>
+                        <a:latin typeface="Cambria Math"/>
+                      </a:rPr>
+                      <m:t>𝑦</m:t>
+                    </m:r>
+                    <m:r>
+                      <a:rPr lang="en-US" i="1">
+                        <a:solidFill>
+                          <a:schemeClr val="tx1"/>
+                        </a:solidFill>
+                        <a:latin typeface="Cambria Math"/>
+                      </a:rPr>
+                      <m:t>,</m:t>
+                    </m:r>
+                    <m:r>
+                      <a:rPr lang="en-US" i="1">
+                        <a:solidFill>
+                          <a:schemeClr val="tx1"/>
+                        </a:solidFill>
+                        <a:latin typeface="Cambria Math"/>
+                      </a:rPr>
+                      <m:t>𝜖</m:t>
+                    </m:r>
+                    <m:r>
+                      <a:rPr lang="en-US" i="1">
+                        <a:solidFill>
+                          <a:schemeClr val="tx1"/>
+                        </a:solidFill>
+                        <a:latin typeface="Cambria Math"/>
+                      </a:rPr>
+                      <m:t>)</m:t>
+                    </m:r>
+                  </m:oMath>
+                </a14:m>
+                <a:r>
+                  <a:rPr lang="en-US" i="1" dirty="0" smtClean="0">
+                    <a:solidFill>
+                      <a:schemeClr val="tx1"/>
+                    </a:solidFill>
+                  </a:rPr>
+                  <a:t>  </a:t>
+                </a:r>
+                <a:r>
+                  <a:rPr lang="en-US" dirty="0" smtClean="0">
+                    <a:solidFill>
+                      <a:schemeClr val="accent4"/>
+                    </a:solidFill>
+                  </a:rPr>
+                  <a:t>to obtain</a:t>
+                </a:r>
+              </a:p>
+              <a:p>
+                <a:pPr algn="l"/>
+                <a:endParaRPr lang="en-US" i="1" dirty="0" smtClean="0">
+                  <a:solidFill>
+                    <a:srgbClr val="0070C0"/>
+                  </a:solidFill>
+                </a:endParaRPr>
+              </a:p>
+              <a:p>
+                <a:pPr algn="l"/>
+                <a14:m>
+                  <m:oMathPara xmlns:m="http://schemas.openxmlformats.org/officeDocument/2006/math">
+                    <m:oMathParaPr>
+                      <m:jc m:val="center"/>
+                    </m:oMathParaPr>
+                    <m:oMath xmlns:m="http://schemas.openxmlformats.org/officeDocument/2006/math">
+                      <m:d>
+                        <m:dPr>
+                          <m:begChr m:val="{"/>
+                          <m:endChr m:val=""/>
+                          <m:ctrlPr>
+                            <a:rPr lang="en-US" i="1" smtClean="0">
+                              <a:solidFill>
+                                <a:schemeClr val="tx1"/>
+                              </a:solidFill>
+                              <a:latin typeface="Cambria Math" charset="0"/>
+                            </a:rPr>
+                          </m:ctrlPr>
+                        </m:dPr>
+                        <m:e>
+                          <m:m>
+                            <m:mPr>
+                              <m:mcs>
+                                <m:mc>
+                                  <m:mcPr>
+                                    <m:count m:val="1"/>
+                                    <m:mcJc m:val="center"/>
+                                  </m:mcPr>
+                                </m:mc>
+                              </m:mcs>
+                              <m:ctrlPr>
+                                <a:rPr lang="cs-CZ" i="1" smtClean="0">
+                                  <a:solidFill>
+                                    <a:schemeClr val="tx1"/>
+                                  </a:solidFill>
+                                  <a:latin typeface="Cambria Math" charset="0"/>
+                                </a:rPr>
+                              </m:ctrlPr>
+                            </m:mPr>
+                            <m:mr>
+                              <m:e>
+                                <m:r>
+                                  <m:rPr>
+                                    <m:brk m:alnAt="7"/>
+                                  </m:rPr>
+                                  <a:rPr lang="en-US" b="0" i="1" smtClean="0">
+                                    <a:solidFill>
+                                      <a:schemeClr val="tx1"/>
+                                    </a:solidFill>
+                                    <a:latin typeface="Cambria Math"/>
+                                  </a:rPr>
+                                  <m:t>𝐽</m:t>
+                                </m:r>
+                                <m:acc>
+                                  <m:accPr>
+                                    <m:chr m:val="̇"/>
+                                    <m:ctrlPr>
+                                      <a:rPr lang="en-US" b="0" i="1" smtClean="0">
+                                        <a:solidFill>
+                                          <a:schemeClr val="tx1"/>
+                                        </a:solidFill>
+                                        <a:latin typeface="Cambria Math" charset="0"/>
+                                      </a:rPr>
+                                    </m:ctrlPr>
+                                  </m:accPr>
+                                  <m:e>
+                                    <m:r>
+                                      <m:rPr>
+                                        <m:brk m:alnAt="7"/>
+                                      </m:rPr>
+                                      <a:rPr lang="en-US" b="0" i="1" smtClean="0">
+                                        <a:solidFill>
+                                          <a:schemeClr val="tx1"/>
+                                        </a:solidFill>
+                                        <a:latin typeface="Cambria Math"/>
+                                      </a:rPr>
+                                      <m:t>𝜔</m:t>
+                                    </m:r>
+                                  </m:e>
+                                </m:acc>
+                                <m:r>
+                                  <m:rPr>
+                                    <m:brk m:alnAt="7"/>
+                                  </m:rPr>
+                                  <a:rPr lang="en-US" b="0" i="1" smtClean="0">
+                                    <a:solidFill>
+                                      <a:schemeClr val="tx1"/>
+                                    </a:solidFill>
+                                    <a:latin typeface="Cambria Math"/>
+                                  </a:rPr>
+                                  <m:t>𝜔</m:t>
+                                </m:r>
+                                <m:r>
+                                  <a:rPr lang="en-US" b="0" i="1" smtClean="0">
+                                    <a:solidFill>
+                                      <a:schemeClr val="tx1"/>
+                                    </a:solidFill>
+                                    <a:latin typeface="Cambria Math"/>
+                                  </a:rPr>
+                                  <m:t>+</m:t>
+                                </m:r>
+                                <m:sSub>
+                                  <m:sSubPr>
+                                    <m:ctrlPr>
+                                      <a:rPr lang="en-US" b="0" i="1" smtClean="0">
+                                        <a:solidFill>
+                                          <a:schemeClr val="tx1"/>
+                                        </a:solidFill>
+                                        <a:latin typeface="Cambria Math" charset="0"/>
+                                      </a:rPr>
+                                    </m:ctrlPr>
+                                  </m:sSubPr>
+                                  <m:e>
+                                    <m:r>
+                                      <m:rPr>
+                                        <m:brk m:alnAt="7"/>
+                                      </m:rPr>
+                                      <a:rPr lang="en-US" b="0" i="1" smtClean="0">
+                                        <a:solidFill>
+                                          <a:schemeClr val="tx1"/>
+                                        </a:solidFill>
+                                        <a:latin typeface="Cambria Math"/>
+                                      </a:rPr>
+                                      <m:t>𝐷</m:t>
+                                    </m:r>
+                                  </m:e>
+                                  <m:sub>
+                                    <m:r>
+                                      <m:rPr>
+                                        <m:brk m:alnAt="7"/>
+                                      </m:rPr>
+                                      <a:rPr lang="en-US" b="0" i="1" smtClean="0">
+                                        <a:solidFill>
+                                          <a:schemeClr val="tx1"/>
+                                        </a:solidFill>
+                                        <a:latin typeface="Cambria Math"/>
+                                      </a:rPr>
+                                      <m:t>𝑝</m:t>
+                                    </m:r>
+                                  </m:sub>
+                                </m:sSub>
+                                <m:sSup>
+                                  <m:sSupPr>
+                                    <m:ctrlPr>
+                                      <a:rPr lang="en-US" b="0" i="1" smtClean="0">
+                                        <a:solidFill>
+                                          <a:schemeClr val="tx1"/>
+                                        </a:solidFill>
+                                        <a:latin typeface="Cambria Math" charset="0"/>
+                                      </a:rPr>
+                                    </m:ctrlPr>
+                                  </m:sSupPr>
+                                  <m:e>
+                                    <m:r>
+                                      <m:rPr>
+                                        <m:brk m:alnAt="7"/>
+                                      </m:rPr>
+                                      <a:rPr lang="en-US" b="0" i="1" smtClean="0">
+                                        <a:solidFill>
+                                          <a:schemeClr val="tx1"/>
+                                        </a:solidFill>
+                                        <a:latin typeface="Cambria Math"/>
+                                      </a:rPr>
+                                      <m:t>𝜔</m:t>
+                                    </m:r>
+                                  </m:e>
+                                  <m:sup>
+                                    <m:r>
+                                      <m:rPr>
+                                        <m:brk m:alnAt="7"/>
+                                      </m:rPr>
+                                      <a:rPr lang="en-US" b="0" i="1" smtClean="0">
+                                        <a:solidFill>
+                                          <a:schemeClr val="tx1"/>
+                                        </a:solidFill>
+                                        <a:latin typeface="Cambria Math"/>
+                                      </a:rPr>
+                                      <m:t>2</m:t>
+                                    </m:r>
+                                  </m:sup>
+                                </m:sSup>
+                                <m:r>
+                                  <m:rPr>
+                                    <m:brk m:alnAt="7"/>
+                                  </m:rPr>
+                                  <a:rPr lang="en-US" b="0" i="1" smtClean="0">
+                                    <a:solidFill>
+                                      <a:schemeClr val="tx1"/>
+                                    </a:solidFill>
+                                    <a:latin typeface="Cambria Math"/>
+                                  </a:rPr>
+                                  <m:t>=</m:t>
+                                </m:r>
+                                <m:r>
+                                  <a:rPr lang="en-US" b="0" i="1" smtClean="0">
+                                    <a:solidFill>
+                                      <a:schemeClr val="tx1"/>
+                                    </a:solidFill>
+                                    <a:latin typeface="Cambria Math"/>
+                                  </a:rPr>
+                                  <m:t>−</m:t>
+                                </m:r>
+                                <m:f>
+                                  <m:fPr>
+                                    <m:ctrlPr>
+                                      <a:rPr lang="bg-BG" i="1" dirty="0">
+                                        <a:solidFill>
+                                          <a:schemeClr val="tx1"/>
+                                        </a:solidFill>
+                                        <a:latin typeface="Cambria Math" charset="0"/>
+                                      </a:rPr>
+                                    </m:ctrlPr>
+                                  </m:fPr>
+                                  <m:num>
+                                    <m:r>
+                                      <a:rPr lang="en-US" b="0" i="1" dirty="0" smtClean="0">
+                                        <a:solidFill>
+                                          <a:schemeClr val="tx1"/>
+                                        </a:solidFill>
+                                        <a:latin typeface="Cambria Math"/>
+                                      </a:rPr>
+                                      <m:t>𝑚</m:t>
+                                    </m:r>
+                                    <m:sSub>
+                                      <m:sSubPr>
+                                        <m:ctrlPr>
+                                          <a:rPr lang="en-US" b="0" i="1" dirty="0" smtClean="0">
+                                            <a:solidFill>
+                                              <a:schemeClr val="tx1"/>
+                                            </a:solidFill>
+                                            <a:latin typeface="Cambria Math" charset="0"/>
+                                          </a:rPr>
+                                        </m:ctrlPr>
+                                      </m:sSubPr>
+                                      <m:e>
+                                        <m:r>
+                                          <a:rPr lang="en-US" b="0" i="1" dirty="0" smtClean="0">
+                                            <a:solidFill>
+                                              <a:schemeClr val="tx1"/>
+                                            </a:solidFill>
+                                            <a:latin typeface="Cambria Math"/>
+                                          </a:rPr>
+                                          <m:t>𝑖</m:t>
+                                        </m:r>
+                                      </m:e>
+                                      <m:sub>
+                                        <m:r>
+                                          <a:rPr lang="en-US" b="0" i="1" dirty="0" smtClean="0">
+                                            <a:solidFill>
+                                              <a:schemeClr val="tx1"/>
+                                            </a:solidFill>
+                                            <a:latin typeface="Cambria Math"/>
+                                          </a:rPr>
+                                          <m:t>𝑓</m:t>
+                                        </m:r>
+                                      </m:sub>
+                                    </m:sSub>
+                                    <m:r>
+                                      <a:rPr lang="en-US" b="0" i="1" dirty="0" smtClean="0">
+                                        <a:solidFill>
+                                          <a:schemeClr val="tx1"/>
+                                        </a:solidFill>
+                                        <a:latin typeface="Cambria Math"/>
+                                      </a:rPr>
+                                      <m:t>𝑉</m:t>
+                                    </m:r>
+                                    <m:r>
+                                      <a:rPr lang="en-US" b="0" i="1" dirty="0">
+                                        <a:solidFill>
+                                          <a:schemeClr val="tx1"/>
+                                        </a:solidFill>
+                                        <a:latin typeface="Cambria Math"/>
+                                      </a:rPr>
+                                      <m:t>𝑠𝑖𝑛</m:t>
+                                    </m:r>
+                                    <m:r>
+                                      <a:rPr lang="en-US" b="0" i="1" dirty="0">
+                                        <a:solidFill>
+                                          <a:schemeClr val="tx1"/>
+                                        </a:solidFill>
+                                        <a:latin typeface="Cambria Math"/>
+                                      </a:rPr>
+                                      <m:t>𝛿</m:t>
+                                    </m:r>
+                                  </m:num>
+                                  <m:den>
+                                    <m:sSub>
+                                      <m:sSubPr>
+                                        <m:ctrlPr>
+                                          <a:rPr lang="en-US" i="1" dirty="0">
+                                            <a:solidFill>
+                                              <a:schemeClr val="tx1"/>
+                                            </a:solidFill>
+                                            <a:latin typeface="Cambria Math" charset="0"/>
+                                          </a:rPr>
+                                        </m:ctrlPr>
+                                      </m:sSubPr>
+                                      <m:e>
+                                        <m:r>
+                                          <a:rPr lang="en-US" b="0" i="1" dirty="0">
+                                            <a:solidFill>
+                                              <a:schemeClr val="tx1"/>
+                                            </a:solidFill>
+                                            <a:latin typeface="Cambria Math"/>
+                                          </a:rPr>
+                                          <m:t>𝐿</m:t>
+                                        </m:r>
+                                      </m:e>
+                                      <m:sub>
+                                        <m:r>
+                                          <a:rPr lang="en-US" b="0" i="1" dirty="0">
+                                            <a:solidFill>
+                                              <a:schemeClr val="tx1"/>
+                                            </a:solidFill>
+                                            <a:latin typeface="Cambria Math"/>
+                                          </a:rPr>
+                                          <m:t>𝑠</m:t>
+                                        </m:r>
+                                      </m:sub>
+                                    </m:sSub>
+                                  </m:den>
+                                </m:f>
+                                <m:r>
+                                  <a:rPr lang="en-US" b="0" i="1" dirty="0" smtClean="0">
+                                    <a:solidFill>
+                                      <a:schemeClr val="tx1"/>
+                                    </a:solidFill>
+                                    <a:latin typeface="Cambria Math"/>
+                                  </a:rPr>
+                                  <m:t>+</m:t>
+                                </m:r>
+                                <m:sSub>
+                                  <m:sSubPr>
+                                    <m:ctrlPr>
+                                      <a:rPr lang="en-US" b="0" i="1" dirty="0" smtClean="0">
+                                        <a:solidFill>
+                                          <a:schemeClr val="tx1"/>
+                                        </a:solidFill>
+                                        <a:latin typeface="Cambria Math" charset="0"/>
+                                      </a:rPr>
+                                    </m:ctrlPr>
+                                  </m:sSubPr>
+                                  <m:e>
+                                    <m:r>
+                                      <a:rPr lang="en-US" b="0" i="1" dirty="0" smtClean="0">
+                                        <a:solidFill>
+                                          <a:schemeClr val="tx1"/>
+                                        </a:solidFill>
+                                        <a:latin typeface="Cambria Math"/>
+                                      </a:rPr>
+                                      <m:t>𝑇</m:t>
+                                    </m:r>
+                                  </m:e>
+                                  <m:sub>
+                                    <m:r>
+                                      <a:rPr lang="en-US" b="0" i="1" dirty="0" smtClean="0">
+                                        <a:solidFill>
+                                          <a:schemeClr val="tx1"/>
+                                        </a:solidFill>
+                                        <a:latin typeface="Cambria Math"/>
+                                      </a:rPr>
+                                      <m:t>𝑚</m:t>
+                                    </m:r>
+                                  </m:sub>
+                                </m:sSub>
+                                <m:r>
+                                  <a:rPr lang="en-US" b="0" i="1" dirty="0" smtClean="0">
+                                    <a:solidFill>
+                                      <a:schemeClr val="tx1"/>
+                                    </a:solidFill>
+                                    <a:latin typeface="Cambria Math"/>
+                                  </a:rPr>
+                                  <m:t>𝜔</m:t>
+                                </m:r>
+                              </m:e>
+                            </m:mr>
+                            <m:mr>
+                              <m:e>
+                                <m:acc>
+                                  <m:accPr>
+                                    <m:chr m:val="̇"/>
+                                    <m:ctrlPr>
+                                      <a:rPr lang="en-US" i="1">
+                                        <a:solidFill>
+                                          <a:schemeClr val="tx1"/>
+                                        </a:solidFill>
+                                        <a:latin typeface="Cambria Math" charset="0"/>
+                                      </a:rPr>
+                                    </m:ctrlPr>
+                                  </m:accPr>
+                                  <m:e>
+                                    <m:r>
+                                      <a:rPr lang="en-US" b="0" i="1" smtClean="0">
+                                        <a:solidFill>
+                                          <a:schemeClr val="tx1"/>
+                                        </a:solidFill>
+                                        <a:latin typeface="Cambria Math"/>
+                                      </a:rPr>
+                                      <m:t>𝛿</m:t>
+                                    </m:r>
+                                  </m:e>
+                                </m:acc>
+                                <m:r>
+                                  <m:rPr>
+                                    <m:brk m:alnAt="7"/>
+                                  </m:rPr>
+                                  <a:rPr lang="en-US" i="1">
+                                    <a:solidFill>
+                                      <a:schemeClr val="tx1"/>
+                                    </a:solidFill>
+                                    <a:latin typeface="Cambria Math"/>
+                                  </a:rPr>
+                                  <m:t>=</m:t>
+                                </m:r>
+                                <m:r>
+                                  <a:rPr lang="en-US" b="0" i="1" smtClean="0">
+                                    <a:solidFill>
+                                      <a:schemeClr val="tx1"/>
+                                    </a:solidFill>
+                                    <a:latin typeface="Cambria Math"/>
+                                  </a:rPr>
+                                  <m:t>𝜔</m:t>
+                                </m:r>
+                                <m:r>
+                                  <a:rPr lang="en-US" b="0" i="1" smtClean="0">
+                                    <a:solidFill>
+                                      <a:schemeClr val="tx1"/>
+                                    </a:solidFill>
+                                    <a:latin typeface="Cambria Math"/>
+                                  </a:rPr>
+                                  <m:t>−</m:t>
+                                </m:r>
+                                <m:sSub>
+                                  <m:sSubPr>
+                                    <m:ctrlPr>
+                                      <a:rPr lang="en-US" b="0" i="1" smtClean="0">
+                                        <a:solidFill>
+                                          <a:schemeClr val="tx1"/>
+                                        </a:solidFill>
+                                        <a:latin typeface="Cambria Math" charset="0"/>
+                                      </a:rPr>
+                                    </m:ctrlPr>
+                                  </m:sSubPr>
+                                  <m:e>
+                                    <m:r>
+                                      <a:rPr lang="en-US" b="0" i="1" smtClean="0">
+                                        <a:solidFill>
+                                          <a:schemeClr val="tx1"/>
+                                        </a:solidFill>
+                                        <a:latin typeface="Cambria Math"/>
+                                      </a:rPr>
+                                      <m:t>𝜔</m:t>
+                                    </m:r>
+                                  </m:e>
+                                  <m:sub>
+                                    <m:r>
+                                      <a:rPr lang="en-US" b="0" i="1" smtClean="0">
+                                        <a:solidFill>
+                                          <a:schemeClr val="tx1"/>
+                                        </a:solidFill>
+                                        <a:latin typeface="Cambria Math"/>
+                                      </a:rPr>
+                                      <m:t>𝑔</m:t>
+                                    </m:r>
+                                  </m:sub>
+                                </m:sSub>
+                              </m:e>
+                            </m:mr>
+                          </m:m>
+                        </m:e>
+                      </m:d>
+                    </m:oMath>
+                  </m:oMathPara>
+                </a14:m>
+                <a:endParaRPr lang="en-US" dirty="0" smtClean="0">
+                  <a:solidFill>
+                    <a:srgbClr val="0070C0"/>
+                  </a:solidFill>
+                </a:endParaRPr>
+              </a:p>
+              <a:p>
+                <a:pPr algn="l"/>
+                <a:endParaRPr lang="en-US" dirty="0">
+                  <a:solidFill>
+                    <a:srgbClr val="0070C0"/>
+                  </a:solidFill>
+                </a:endParaRPr>
+              </a:p>
+              <a:p>
+                <a:pPr algn="l"/>
+                <a14:m>
+                  <m:oMathPara xmlns:m="http://schemas.openxmlformats.org/officeDocument/2006/math">
+                    <m:oMathParaPr>
+                      <m:jc m:val="left"/>
+                    </m:oMathParaPr>
+                    <m:oMath xmlns:m="http://schemas.openxmlformats.org/officeDocument/2006/math">
+                      <m:r>
+                        <m:rPr>
+                          <m:sty m:val="p"/>
+                        </m:rPr>
+                        <a:rPr lang="en-US" b="0" i="0">
+                          <a:solidFill>
+                            <a:srgbClr val="0070C0"/>
+                          </a:solidFill>
+                          <a:latin typeface="Cambria Math"/>
+                        </a:rPr>
+                        <m:t>The</m:t>
+                      </m:r>
+                      <m:r>
+                        <a:rPr lang="en-US" b="0" i="0">
+                          <a:solidFill>
+                            <a:srgbClr val="0070C0"/>
+                          </a:solidFill>
+                          <a:latin typeface="Cambria Math"/>
+                        </a:rPr>
+                        <m:t> </m:t>
+                      </m:r>
+                      <m:r>
+                        <m:rPr>
+                          <m:sty m:val="p"/>
+                        </m:rPr>
+                        <a:rPr lang="en-US" b="0" i="0">
+                          <a:solidFill>
+                            <a:srgbClr val="0070C0"/>
+                          </a:solidFill>
+                          <a:latin typeface="Cambria Math"/>
+                        </a:rPr>
+                        <m:t>power</m:t>
+                      </m:r>
+                      <m:r>
+                        <a:rPr lang="en-US" b="0" i="0">
+                          <a:solidFill>
+                            <a:srgbClr val="0070C0"/>
+                          </a:solidFill>
+                          <a:latin typeface="Cambria Math"/>
+                        </a:rPr>
+                        <m:t> </m:t>
+                      </m:r>
+                      <m:r>
+                        <m:rPr>
+                          <m:sty m:val="p"/>
+                        </m:rPr>
+                        <a:rPr lang="en-US" b="0" i="0">
+                          <a:solidFill>
+                            <a:srgbClr val="0070C0"/>
+                          </a:solidFill>
+                          <a:latin typeface="Cambria Math"/>
+                        </a:rPr>
+                        <m:t>absorbed</m:t>
+                      </m:r>
+                      <m:r>
+                        <a:rPr lang="en-US" b="0" i="0">
+                          <a:solidFill>
+                            <a:srgbClr val="0070C0"/>
+                          </a:solidFill>
+                          <a:latin typeface="Cambria Math"/>
+                        </a:rPr>
+                        <m:t> </m:t>
+                      </m:r>
+                      <m:r>
+                        <m:rPr>
+                          <m:sty m:val="p"/>
+                        </m:rPr>
+                        <a:rPr lang="en-US" b="0" i="0">
+                          <a:solidFill>
+                            <a:srgbClr val="0070C0"/>
+                          </a:solidFill>
+                          <a:latin typeface="Cambria Math"/>
+                        </a:rPr>
+                        <m:t>from</m:t>
+                      </m:r>
+                      <m:r>
+                        <a:rPr lang="en-US" b="0" i="0">
+                          <a:solidFill>
+                            <a:srgbClr val="0070C0"/>
+                          </a:solidFill>
+                          <a:latin typeface="Cambria Math"/>
+                        </a:rPr>
+                        <m:t> </m:t>
+                      </m:r>
+                      <m:r>
+                        <m:rPr>
+                          <m:sty m:val="p"/>
+                        </m:rPr>
+                        <a:rPr lang="en-US" b="0" i="0">
+                          <a:solidFill>
+                            <a:srgbClr val="0070C0"/>
+                          </a:solidFill>
+                          <a:latin typeface="Cambria Math"/>
+                        </a:rPr>
+                        <m:t>the</m:t>
+                      </m:r>
+                      <m:r>
+                        <a:rPr lang="en-US" b="0" i="0">
+                          <a:solidFill>
+                            <a:srgbClr val="0070C0"/>
+                          </a:solidFill>
+                          <a:latin typeface="Cambria Math"/>
+                        </a:rPr>
+                        <m:t> </m:t>
+                      </m:r>
+                      <m:r>
+                        <m:rPr>
+                          <m:sty m:val="p"/>
+                        </m:rPr>
+                        <a:rPr lang="en-US" b="0" i="0">
+                          <a:solidFill>
+                            <a:srgbClr val="0070C0"/>
+                          </a:solidFill>
+                          <a:latin typeface="Cambria Math"/>
+                        </a:rPr>
+                        <m:t>prime</m:t>
+                      </m:r>
+                      <m:r>
+                        <a:rPr lang="en-US" b="0" i="0">
+                          <a:solidFill>
+                            <a:srgbClr val="0070C0"/>
+                          </a:solidFill>
+                          <a:latin typeface="Cambria Math"/>
+                        </a:rPr>
+                        <m:t> </m:t>
+                      </m:r>
+                      <m:r>
+                        <m:rPr>
+                          <m:sty m:val="p"/>
+                        </m:rPr>
+                        <a:rPr lang="en-US" b="0" i="0">
+                          <a:solidFill>
+                            <a:srgbClr val="0070C0"/>
+                          </a:solidFill>
+                          <a:latin typeface="Cambria Math"/>
+                        </a:rPr>
+                        <m:t>mover</m:t>
+                      </m:r>
+                      <m:r>
+                        <a:rPr lang="en-US" b="0" i="0">
+                          <a:solidFill>
+                            <a:srgbClr val="0070C0"/>
+                          </a:solidFill>
+                          <a:latin typeface="Cambria Math"/>
+                        </a:rPr>
+                        <m:t> </m:t>
+                      </m:r>
+                      <m:r>
+                        <m:rPr>
+                          <m:sty m:val="p"/>
+                        </m:rPr>
+                        <a:rPr lang="en-US" b="0" i="0">
+                          <a:solidFill>
+                            <a:srgbClr val="0070C0"/>
+                          </a:solidFill>
+                          <a:latin typeface="Cambria Math"/>
+                        </a:rPr>
+                        <m:t>can</m:t>
+                      </m:r>
+                      <m:r>
+                        <a:rPr lang="en-US" b="0" i="0">
+                          <a:solidFill>
+                            <a:srgbClr val="0070C0"/>
+                          </a:solidFill>
+                          <a:latin typeface="Cambria Math"/>
+                        </a:rPr>
+                        <m:t> </m:t>
+                      </m:r>
+                      <m:r>
+                        <m:rPr>
+                          <m:sty m:val="p"/>
+                        </m:rPr>
+                        <a:rPr lang="en-US" b="0" i="0">
+                          <a:solidFill>
+                            <a:srgbClr val="0070C0"/>
+                          </a:solidFill>
+                          <a:latin typeface="Cambria Math"/>
+                        </a:rPr>
+                        <m:t>be</m:t>
+                      </m:r>
+                      <m:r>
+                        <a:rPr lang="en-US" b="0" i="0">
+                          <a:solidFill>
+                            <a:srgbClr val="0070C0"/>
+                          </a:solidFill>
+                          <a:latin typeface="Cambria Math"/>
+                        </a:rPr>
+                        <m:t> </m:t>
+                      </m:r>
+                      <m:r>
+                        <m:rPr>
+                          <m:sty m:val="p"/>
+                        </m:rPr>
+                        <a:rPr lang="en-US" b="0" i="0">
+                          <a:solidFill>
+                            <a:srgbClr val="0070C0"/>
+                          </a:solidFill>
+                          <a:latin typeface="Cambria Math"/>
+                        </a:rPr>
+                        <m:t>expressed</m:t>
+                      </m:r>
+                      <m:r>
+                        <a:rPr lang="en-US" b="0" i="0">
+                          <a:solidFill>
+                            <a:srgbClr val="0070C0"/>
+                          </a:solidFill>
+                          <a:latin typeface="Cambria Math"/>
+                        </a:rPr>
+                        <m:t> </m:t>
+                      </m:r>
+                      <m:r>
+                        <m:rPr>
+                          <m:sty m:val="p"/>
+                        </m:rPr>
+                        <a:rPr lang="en-US" b="0" i="0">
+                          <a:solidFill>
+                            <a:srgbClr val="0070C0"/>
+                          </a:solidFill>
+                          <a:latin typeface="Cambria Math"/>
+                        </a:rPr>
+                        <m:t>approximately</m:t>
+                      </m:r>
+                      <m:r>
+                        <a:rPr lang="en-US" b="0" i="0">
+                          <a:solidFill>
+                            <a:srgbClr val="0070C0"/>
+                          </a:solidFill>
+                          <a:latin typeface="Cambria Math"/>
+                        </a:rPr>
+                        <m:t> </m:t>
+                      </m:r>
+                      <m:r>
+                        <m:rPr>
+                          <m:sty m:val="p"/>
+                        </m:rPr>
+                        <a:rPr lang="en-US" b="0" i="0">
+                          <a:solidFill>
+                            <a:srgbClr val="0070C0"/>
+                          </a:solidFill>
+                          <a:latin typeface="Cambria Math"/>
+                        </a:rPr>
+                        <m:t>as</m:t>
+                      </m:r>
+                      <m:r>
+                        <a:rPr lang="en-US" b="0" i="0" smtClean="0">
+                          <a:solidFill>
+                            <a:srgbClr val="0070C0"/>
+                          </a:solidFill>
+                          <a:latin typeface="Cambria Math"/>
+                        </a:rPr>
+                        <m:t>:</m:t>
+                      </m:r>
+                    </m:oMath>
+                  </m:oMathPara>
+                </a14:m>
+                <a:endParaRPr lang="en-US" dirty="0" smtClean="0">
+                  <a:solidFill>
+                    <a:srgbClr val="0070C0"/>
+                  </a:solidFill>
+                </a:endParaRPr>
+              </a:p>
+              <a:p>
+                <a:pPr algn="l"/>
+                <a:endParaRPr lang="en-US" dirty="0" smtClean="0">
+                  <a:solidFill>
+                    <a:srgbClr val="0070C0"/>
+                  </a:solidFill>
+                </a:endParaRPr>
+              </a:p>
+              <a:p>
+                <a:pPr algn="l"/>
+                <a14:m>
+                  <m:oMathPara xmlns:m="http://schemas.openxmlformats.org/officeDocument/2006/math">
+                    <m:oMathParaPr>
+                      <m:jc m:val="center"/>
+                    </m:oMathParaPr>
+                    <m:oMath xmlns:m="http://schemas.openxmlformats.org/officeDocument/2006/math">
+                      <m:sSub>
+                        <m:sSubPr>
+                          <m:ctrlPr>
+                            <a:rPr lang="en-US" b="0" i="1" smtClean="0">
+                              <a:solidFill>
+                                <a:schemeClr val="tx1"/>
+                              </a:solidFill>
+                              <a:latin typeface="Cambria Math" charset="0"/>
+                            </a:rPr>
+                          </m:ctrlPr>
+                        </m:sSubPr>
+                        <m:e>
+                          <m:r>
+                            <a:rPr lang="en-US" b="0" i="1" smtClean="0">
+                              <a:solidFill>
+                                <a:schemeClr val="tx1"/>
+                              </a:solidFill>
+                              <a:latin typeface="Cambria Math"/>
+                            </a:rPr>
+                            <m:t>𝑃</m:t>
+                          </m:r>
+                        </m:e>
+                        <m:sub>
+                          <m:r>
+                            <a:rPr lang="en-US" b="0" i="1" smtClean="0">
+                              <a:solidFill>
+                                <a:schemeClr val="tx1"/>
+                              </a:solidFill>
+                              <a:latin typeface="Cambria Math"/>
+                            </a:rPr>
+                            <m:t>𝑚</m:t>
+                          </m:r>
+                        </m:sub>
+                      </m:sSub>
+                      <m:r>
+                        <a:rPr lang="en-US" b="0" i="1" smtClean="0">
+                          <a:solidFill>
+                            <a:schemeClr val="tx1"/>
+                          </a:solidFill>
+                          <a:latin typeface="Cambria Math"/>
+                        </a:rPr>
+                        <m:t>=</m:t>
+                      </m:r>
+                      <m:d>
+                        <m:dPr>
+                          <m:ctrlPr>
+                            <a:rPr lang="en-US" b="0" i="1" smtClean="0">
+                              <a:solidFill>
+                                <a:schemeClr val="tx1"/>
+                              </a:solidFill>
+                              <a:latin typeface="Cambria Math" charset="0"/>
+                            </a:rPr>
+                          </m:ctrlPr>
+                        </m:dPr>
+                        <m:e>
+                          <m:sSub>
+                            <m:sSubPr>
+                              <m:ctrlPr>
+                                <a:rPr lang="en-US" b="0" i="1" smtClean="0">
+                                  <a:solidFill>
+                                    <a:schemeClr val="tx1"/>
+                                  </a:solidFill>
+                                  <a:latin typeface="Cambria Math" charset="0"/>
+                                </a:rPr>
+                              </m:ctrlPr>
+                            </m:sSubPr>
+                            <m:e>
+                              <m:r>
+                                <a:rPr lang="en-US" b="0" i="1" smtClean="0">
+                                  <a:solidFill>
+                                    <a:schemeClr val="tx1"/>
+                                  </a:solidFill>
+                                  <a:latin typeface="Cambria Math"/>
+                                </a:rPr>
+                                <m:t>𝑇</m:t>
+                              </m:r>
+                            </m:e>
+                            <m:sub>
+                              <m:r>
+                                <a:rPr lang="en-US" b="0" i="1" smtClean="0">
+                                  <a:solidFill>
+                                    <a:schemeClr val="tx1"/>
+                                  </a:solidFill>
+                                  <a:latin typeface="Cambria Math"/>
+                                </a:rPr>
+                                <m:t>𝑚</m:t>
+                              </m:r>
+                            </m:sub>
+                          </m:sSub>
+                          <m:r>
+                            <a:rPr lang="en-US" b="0" i="1" smtClean="0">
+                              <a:solidFill>
+                                <a:schemeClr val="tx1"/>
+                              </a:solidFill>
+                              <a:latin typeface="Cambria Math"/>
+                            </a:rPr>
+                            <m:t>−</m:t>
+                          </m:r>
+                          <m:sSub>
+                            <m:sSubPr>
+                              <m:ctrlPr>
+                                <a:rPr lang="en-US" b="0" i="1" smtClean="0">
+                                  <a:solidFill>
+                                    <a:schemeClr val="tx1"/>
+                                  </a:solidFill>
+                                  <a:latin typeface="Cambria Math" charset="0"/>
+                                </a:rPr>
+                              </m:ctrlPr>
+                            </m:sSubPr>
+                            <m:e>
+                              <m:r>
+                                <a:rPr lang="en-US" b="0" i="1" smtClean="0">
+                                  <a:solidFill>
+                                    <a:schemeClr val="tx1"/>
+                                  </a:solidFill>
+                                  <a:latin typeface="Cambria Math"/>
+                                </a:rPr>
+                                <m:t>𝐷</m:t>
+                              </m:r>
+                            </m:e>
+                            <m:sub>
+                              <m:r>
+                                <a:rPr lang="en-US" b="0" i="1" smtClean="0">
+                                  <a:solidFill>
+                                    <a:schemeClr val="tx1"/>
+                                  </a:solidFill>
+                                  <a:latin typeface="Cambria Math"/>
+                                </a:rPr>
+                                <m:t>𝑝</m:t>
+                              </m:r>
+                            </m:sub>
+                          </m:sSub>
+                          <m:sSub>
+                            <m:sSubPr>
+                              <m:ctrlPr>
+                                <a:rPr lang="en-US" b="0" i="1" smtClean="0">
+                                  <a:solidFill>
+                                    <a:schemeClr val="tx1"/>
+                                  </a:solidFill>
+                                  <a:latin typeface="Cambria Math" charset="0"/>
+                                </a:rPr>
+                              </m:ctrlPr>
+                            </m:sSubPr>
+                            <m:e>
+                              <m:r>
+                                <a:rPr lang="en-US" b="0" i="1" smtClean="0">
+                                  <a:solidFill>
+                                    <a:schemeClr val="tx1"/>
+                                  </a:solidFill>
+                                  <a:latin typeface="Cambria Math"/>
+                                </a:rPr>
+                                <m:t>𝜔</m:t>
+                              </m:r>
+                            </m:e>
+                            <m:sub>
+                              <m:r>
+                                <a:rPr lang="en-US" b="0" i="1" smtClean="0">
+                                  <a:solidFill>
+                                    <a:schemeClr val="tx1"/>
+                                  </a:solidFill>
+                                  <a:latin typeface="Cambria Math"/>
+                                </a:rPr>
+                                <m:t>𝑔</m:t>
+                              </m:r>
+                            </m:sub>
+                          </m:sSub>
+                        </m:e>
+                      </m:d>
+                      <m:r>
+                        <a:rPr lang="en-US" b="0" i="1" smtClean="0">
+                          <a:solidFill>
+                            <a:schemeClr val="tx1"/>
+                          </a:solidFill>
+                          <a:latin typeface="Cambria Math"/>
+                        </a:rPr>
+                        <m:t>𝜔</m:t>
+                      </m:r>
+                    </m:oMath>
+                  </m:oMathPara>
+                </a14:m>
+                <a:endParaRPr lang="en-US" dirty="0" smtClean="0">
+                  <a:solidFill>
+                    <a:schemeClr val="tx1"/>
+                  </a:solidFill>
+                </a:endParaRPr>
+              </a:p>
+              <a:p>
+                <a:pPr algn="l"/>
+                <a:r>
+                  <a:rPr lang="en-US" dirty="0" smtClean="0">
+                    <a:solidFill>
+                      <a:schemeClr val="accent4"/>
+                    </a:solidFill>
+                  </a:rPr>
+                  <a:t>The model becomes:</a:t>
+                </a:r>
+                <a:endParaRPr lang="en-US" dirty="0">
+                  <a:solidFill>
+                    <a:schemeClr val="accent4"/>
+                  </a:solidFill>
+                </a:endParaRPr>
+              </a:p>
+              <a:p>
+                <a:pPr algn="l"/>
+                <a14:m>
+                  <m:oMathPara xmlns:m="http://schemas.openxmlformats.org/officeDocument/2006/math">
+                    <m:oMathParaPr>
+                      <m:jc m:val="center"/>
+                    </m:oMathParaPr>
+                    <m:oMath xmlns:m="http://schemas.openxmlformats.org/officeDocument/2006/math">
+                      <m:d>
+                        <m:dPr>
+                          <m:begChr m:val="{"/>
+                          <m:endChr m:val=""/>
+                          <m:ctrlPr>
+                            <a:rPr lang="en-US" i="1">
+                              <a:solidFill>
+                                <a:schemeClr val="tx1"/>
+                              </a:solidFill>
+                              <a:latin typeface="Cambria Math" charset="0"/>
+                            </a:rPr>
+                          </m:ctrlPr>
+                        </m:dPr>
+                        <m:e>
+                          <m:m>
+                            <m:mPr>
+                              <m:mcs>
+                                <m:mc>
+                                  <m:mcPr>
+                                    <m:count m:val="1"/>
+                                    <m:mcJc m:val="center"/>
+                                  </m:mcPr>
+                                </m:mc>
+                              </m:mcs>
+                              <m:ctrlPr>
+                                <a:rPr lang="cs-CZ" i="1">
+                                  <a:solidFill>
+                                    <a:schemeClr val="tx1"/>
+                                  </a:solidFill>
+                                  <a:latin typeface="Cambria Math" charset="0"/>
+                                </a:rPr>
+                              </m:ctrlPr>
+                            </m:mPr>
+                            <m:mr>
+                              <m:e>
+                                <m:r>
+                                  <m:rPr>
+                                    <m:brk m:alnAt="7"/>
+                                  </m:rPr>
+                                  <a:rPr lang="en-US" i="1">
+                                    <a:solidFill>
+                                      <a:schemeClr val="tx1"/>
+                                    </a:solidFill>
+                                    <a:latin typeface="Cambria Math"/>
+                                  </a:rPr>
+                                  <m:t>𝐽</m:t>
+                                </m:r>
+                                <m:acc>
+                                  <m:accPr>
+                                    <m:chr m:val="̇"/>
+                                    <m:ctrlPr>
+                                      <a:rPr lang="en-US" i="1">
+                                        <a:solidFill>
+                                          <a:schemeClr val="tx1"/>
+                                        </a:solidFill>
+                                        <a:latin typeface="Cambria Math" charset="0"/>
+                                      </a:rPr>
+                                    </m:ctrlPr>
+                                  </m:accPr>
+                                  <m:e>
+                                    <m:r>
+                                      <m:rPr>
+                                        <m:brk m:alnAt="7"/>
+                                      </m:rPr>
+                                      <a:rPr lang="en-US" i="1">
+                                        <a:solidFill>
+                                          <a:schemeClr val="tx1"/>
+                                        </a:solidFill>
+                                        <a:latin typeface="Cambria Math"/>
+                                      </a:rPr>
+                                      <m:t>𝜔</m:t>
+                                    </m:r>
+                                  </m:e>
+                                </m:acc>
+                                <m:r>
+                                  <m:rPr>
+                                    <m:brk m:alnAt="7"/>
+                                  </m:rPr>
+                                  <a:rPr lang="en-US" i="1">
+                                    <a:solidFill>
+                                      <a:schemeClr val="tx1"/>
+                                    </a:solidFill>
+                                    <a:latin typeface="Cambria Math"/>
+                                  </a:rPr>
+                                  <m:t>𝜔</m:t>
+                                </m:r>
+                                <m:r>
+                                  <a:rPr lang="en-US" i="1">
+                                    <a:solidFill>
+                                      <a:schemeClr val="tx1"/>
+                                    </a:solidFill>
+                                    <a:latin typeface="Cambria Math"/>
+                                  </a:rPr>
+                                  <m:t>+</m:t>
+                                </m:r>
+                                <m:sSub>
+                                  <m:sSubPr>
+                                    <m:ctrlPr>
+                                      <a:rPr lang="en-US" i="1">
+                                        <a:solidFill>
+                                          <a:schemeClr val="tx1"/>
+                                        </a:solidFill>
+                                        <a:latin typeface="Cambria Math" charset="0"/>
+                                      </a:rPr>
+                                    </m:ctrlPr>
+                                  </m:sSubPr>
+                                  <m:e>
+                                    <m:r>
+                                      <m:rPr>
+                                        <m:brk m:alnAt="7"/>
+                                      </m:rPr>
+                                      <a:rPr lang="en-US" i="1">
+                                        <a:solidFill>
+                                          <a:schemeClr val="tx1"/>
+                                        </a:solidFill>
+                                        <a:latin typeface="Cambria Math"/>
+                                      </a:rPr>
+                                      <m:t>𝐷</m:t>
+                                    </m:r>
+                                  </m:e>
+                                  <m:sub>
+                                    <m:r>
+                                      <m:rPr>
+                                        <m:brk m:alnAt="7"/>
+                                      </m:rPr>
+                                      <a:rPr lang="en-US" i="1">
+                                        <a:solidFill>
+                                          <a:schemeClr val="tx1"/>
+                                        </a:solidFill>
+                                        <a:latin typeface="Cambria Math"/>
+                                      </a:rPr>
+                                      <m:t>𝑝</m:t>
+                                    </m:r>
+                                  </m:sub>
+                                </m:sSub>
+                                <m:r>
+                                  <m:rPr>
+                                    <m:brk m:alnAt="7"/>
+                                  </m:rPr>
+                                  <a:rPr lang="en-US" b="0" i="1" smtClean="0">
+                                    <a:solidFill>
+                                      <a:schemeClr val="tx1"/>
+                                    </a:solidFill>
+                                    <a:latin typeface="Cambria Math"/>
+                                  </a:rPr>
+                                  <m:t>𝜔</m:t>
+                                </m:r>
+                                <m:r>
+                                  <a:rPr lang="en-US" b="0" i="1" smtClean="0">
+                                    <a:solidFill>
+                                      <a:schemeClr val="tx1"/>
+                                    </a:solidFill>
+                                    <a:latin typeface="Cambria Math"/>
+                                  </a:rPr>
+                                  <m:t>(</m:t>
+                                </m:r>
+                                <m:r>
+                                  <a:rPr lang="en-US" b="0" i="1" smtClean="0">
+                                    <a:solidFill>
+                                      <a:schemeClr val="tx1"/>
+                                    </a:solidFill>
+                                    <a:latin typeface="Cambria Math"/>
+                                  </a:rPr>
+                                  <m:t>𝜔</m:t>
+                                </m:r>
+                                <m:r>
+                                  <a:rPr lang="en-US" b="0" i="1" smtClean="0">
+                                    <a:solidFill>
+                                      <a:schemeClr val="tx1"/>
+                                    </a:solidFill>
+                                    <a:latin typeface="Cambria Math"/>
+                                  </a:rPr>
+                                  <m:t>−</m:t>
+                                </m:r>
+                                <m:sSub>
+                                  <m:sSubPr>
+                                    <m:ctrlPr>
+                                      <a:rPr lang="en-US" b="0" i="1" smtClean="0">
+                                        <a:solidFill>
+                                          <a:schemeClr val="tx1"/>
+                                        </a:solidFill>
+                                        <a:latin typeface="Cambria Math" charset="0"/>
+                                      </a:rPr>
+                                    </m:ctrlPr>
+                                  </m:sSubPr>
+                                  <m:e>
+                                    <m:r>
+                                      <m:rPr>
+                                        <m:brk m:alnAt="7"/>
+                                      </m:rPr>
+                                      <a:rPr lang="en-US" b="0" i="1" smtClean="0">
+                                        <a:solidFill>
+                                          <a:schemeClr val="tx1"/>
+                                        </a:solidFill>
+                                        <a:latin typeface="Cambria Math"/>
+                                      </a:rPr>
+                                      <m:t>𝜔</m:t>
+                                    </m:r>
+                                  </m:e>
+                                  <m:sub>
+                                    <m:r>
+                                      <m:rPr>
+                                        <m:brk m:alnAt="7"/>
+                                      </m:rPr>
+                                      <a:rPr lang="en-US" b="0" i="1" smtClean="0">
+                                        <a:solidFill>
+                                          <a:schemeClr val="tx1"/>
+                                        </a:solidFill>
+                                        <a:latin typeface="Cambria Math"/>
+                                      </a:rPr>
+                                      <m:t>𝑔</m:t>
+                                    </m:r>
+                                  </m:sub>
+                                </m:sSub>
+                                <m:r>
+                                  <m:rPr>
+                                    <m:brk m:alnAt="7"/>
+                                  </m:rPr>
+                                  <a:rPr lang="en-US" b="0" i="1" smtClean="0">
+                                    <a:solidFill>
+                                      <a:schemeClr val="tx1"/>
+                                    </a:solidFill>
+                                    <a:latin typeface="Cambria Math"/>
+                                  </a:rPr>
+                                  <m:t>)</m:t>
+                                </m:r>
+                                <m:r>
+                                  <a:rPr lang="en-US" i="1">
+                                    <a:solidFill>
+                                      <a:schemeClr val="tx1"/>
+                                    </a:solidFill>
+                                    <a:latin typeface="Cambria Math"/>
+                                  </a:rPr>
+                                  <m:t>=</m:t>
+                                </m:r>
+                                <m:sSub>
+                                  <m:sSubPr>
+                                    <m:ctrlPr>
+                                      <a:rPr lang="en-US" b="0" i="1" smtClean="0">
+                                        <a:solidFill>
+                                          <a:schemeClr val="tx1"/>
+                                        </a:solidFill>
+                                        <a:latin typeface="Cambria Math" charset="0"/>
+                                      </a:rPr>
+                                    </m:ctrlPr>
+                                  </m:sSubPr>
+                                  <m:e>
+                                    <m:r>
+                                      <m:rPr>
+                                        <m:brk m:alnAt="7"/>
+                                      </m:rPr>
+                                      <a:rPr lang="en-US" b="0" i="1" smtClean="0">
+                                        <a:solidFill>
+                                          <a:schemeClr val="tx1"/>
+                                        </a:solidFill>
+                                        <a:latin typeface="Cambria Math"/>
+                                      </a:rPr>
+                                      <m:t>𝑃</m:t>
+                                    </m:r>
+                                  </m:e>
+                                  <m:sub>
+                                    <m:r>
+                                      <m:rPr>
+                                        <m:brk m:alnAt="7"/>
+                                      </m:rPr>
+                                      <a:rPr lang="en-US" b="0" i="1" smtClean="0">
+                                        <a:solidFill>
+                                          <a:schemeClr val="tx1"/>
+                                        </a:solidFill>
+                                        <a:latin typeface="Cambria Math"/>
+                                      </a:rPr>
+                                      <m:t>𝑚</m:t>
+                                    </m:r>
+                                  </m:sub>
+                                </m:sSub>
+                                <m:r>
+                                  <a:rPr lang="en-US" i="1">
+                                    <a:solidFill>
+                                      <a:schemeClr val="tx1"/>
+                                    </a:solidFill>
+                                    <a:latin typeface="Cambria Math"/>
+                                  </a:rPr>
+                                  <m:t>−</m:t>
+                                </m:r>
+                                <m:f>
+                                  <m:fPr>
+                                    <m:ctrlPr>
+                                      <a:rPr lang="bg-BG" i="1" dirty="0">
+                                        <a:solidFill>
+                                          <a:schemeClr val="tx1"/>
+                                        </a:solidFill>
+                                        <a:latin typeface="Cambria Math" charset="0"/>
+                                      </a:rPr>
+                                    </m:ctrlPr>
+                                  </m:fPr>
+                                  <m:num>
+                                    <m:r>
+                                      <a:rPr lang="en-US" i="1" dirty="0">
+                                        <a:solidFill>
+                                          <a:schemeClr val="tx1"/>
+                                        </a:solidFill>
+                                        <a:latin typeface="Cambria Math"/>
+                                      </a:rPr>
+                                      <m:t>𝑚</m:t>
+                                    </m:r>
+                                    <m:sSub>
+                                      <m:sSubPr>
+                                        <m:ctrlPr>
+                                          <a:rPr lang="en-US" i="1" dirty="0">
+                                            <a:solidFill>
+                                              <a:schemeClr val="tx1"/>
+                                            </a:solidFill>
+                                            <a:latin typeface="Cambria Math" charset="0"/>
+                                          </a:rPr>
+                                        </m:ctrlPr>
+                                      </m:sSubPr>
+                                      <m:e>
+                                        <m:r>
+                                          <a:rPr lang="en-US" i="1" dirty="0">
+                                            <a:solidFill>
+                                              <a:schemeClr val="tx1"/>
+                                            </a:solidFill>
+                                            <a:latin typeface="Cambria Math"/>
+                                          </a:rPr>
+                                          <m:t>𝑖</m:t>
+                                        </m:r>
+                                      </m:e>
+                                      <m:sub>
+                                        <m:r>
+                                          <a:rPr lang="en-US" i="1" dirty="0">
+                                            <a:solidFill>
+                                              <a:schemeClr val="tx1"/>
+                                            </a:solidFill>
+                                            <a:latin typeface="Cambria Math"/>
+                                          </a:rPr>
+                                          <m:t>𝑓</m:t>
+                                        </m:r>
+                                      </m:sub>
+                                    </m:sSub>
+                                    <m:r>
+                                      <a:rPr lang="en-US" i="1" dirty="0">
+                                        <a:solidFill>
+                                          <a:schemeClr val="tx1"/>
+                                        </a:solidFill>
+                                        <a:latin typeface="Cambria Math"/>
+                                      </a:rPr>
+                                      <m:t>𝑉𝑠𝑖𝑛</m:t>
+                                    </m:r>
+                                    <m:r>
+                                      <a:rPr lang="en-US" i="1" dirty="0">
+                                        <a:solidFill>
+                                          <a:schemeClr val="tx1"/>
+                                        </a:solidFill>
+                                        <a:latin typeface="Cambria Math"/>
+                                      </a:rPr>
+                                      <m:t>𝛿</m:t>
+                                    </m:r>
+                                  </m:num>
+                                  <m:den>
+                                    <m:sSub>
+                                      <m:sSubPr>
+                                        <m:ctrlPr>
+                                          <a:rPr lang="en-US" i="1" dirty="0">
+                                            <a:solidFill>
+                                              <a:schemeClr val="tx1"/>
+                                            </a:solidFill>
+                                            <a:latin typeface="Cambria Math" charset="0"/>
+                                          </a:rPr>
+                                        </m:ctrlPr>
+                                      </m:sSubPr>
+                                      <m:e>
+                                        <m:r>
+                                          <a:rPr lang="en-US" i="1" dirty="0">
+                                            <a:solidFill>
+                                              <a:schemeClr val="tx1"/>
+                                            </a:solidFill>
+                                            <a:latin typeface="Cambria Math"/>
+                                          </a:rPr>
+                                          <m:t>𝐿</m:t>
+                                        </m:r>
+                                      </m:e>
+                                      <m:sub>
+                                        <m:r>
+                                          <a:rPr lang="en-US" i="1" dirty="0">
+                                            <a:solidFill>
+                                              <a:schemeClr val="tx1"/>
+                                            </a:solidFill>
+                                            <a:latin typeface="Cambria Math"/>
+                                          </a:rPr>
+                                          <m:t>𝑠</m:t>
+                                        </m:r>
+                                      </m:sub>
+                                    </m:sSub>
+                                  </m:den>
+                                </m:f>
+                              </m:e>
+                            </m:mr>
+                            <m:mr>
+                              <m:e>
+                                <m:acc>
+                                  <m:accPr>
+                                    <m:chr m:val="̇"/>
+                                    <m:ctrlPr>
+                                      <a:rPr lang="en-US" i="1">
+                                        <a:solidFill>
+                                          <a:schemeClr val="tx1"/>
+                                        </a:solidFill>
+                                        <a:latin typeface="Cambria Math" charset="0"/>
+                                      </a:rPr>
+                                    </m:ctrlPr>
+                                  </m:accPr>
+                                  <m:e>
+                                    <m:r>
+                                      <a:rPr lang="en-US" i="1">
+                                        <a:solidFill>
+                                          <a:schemeClr val="tx1"/>
+                                        </a:solidFill>
+                                        <a:latin typeface="Cambria Math"/>
+                                      </a:rPr>
+                                      <m:t>𝛿</m:t>
+                                    </m:r>
+                                  </m:e>
+                                </m:acc>
+                                <m:r>
+                                  <m:rPr>
+                                    <m:brk m:alnAt="7"/>
+                                  </m:rPr>
+                                  <a:rPr lang="en-US" i="1">
+                                    <a:solidFill>
+                                      <a:schemeClr val="tx1"/>
+                                    </a:solidFill>
+                                    <a:latin typeface="Cambria Math"/>
+                                  </a:rPr>
+                                  <m:t>=</m:t>
+                                </m:r>
+                                <m:r>
+                                  <a:rPr lang="en-US" i="1">
+                                    <a:solidFill>
+                                      <a:schemeClr val="tx1"/>
+                                    </a:solidFill>
+                                    <a:latin typeface="Cambria Math"/>
+                                  </a:rPr>
+                                  <m:t>𝜔</m:t>
+                                </m:r>
+                                <m:r>
+                                  <a:rPr lang="en-US" i="1">
+                                    <a:solidFill>
+                                      <a:schemeClr val="tx1"/>
+                                    </a:solidFill>
+                                    <a:latin typeface="Cambria Math"/>
+                                  </a:rPr>
+                                  <m:t>−</m:t>
+                                </m:r>
+                                <m:sSub>
+                                  <m:sSubPr>
+                                    <m:ctrlPr>
+                                      <a:rPr lang="en-US" i="1">
+                                        <a:solidFill>
+                                          <a:schemeClr val="tx1"/>
+                                        </a:solidFill>
+                                        <a:latin typeface="Cambria Math" charset="0"/>
+                                      </a:rPr>
+                                    </m:ctrlPr>
+                                  </m:sSubPr>
+                                  <m:e>
+                                    <m:r>
+                                      <a:rPr lang="en-US" i="1">
+                                        <a:solidFill>
+                                          <a:schemeClr val="tx1"/>
+                                        </a:solidFill>
+                                        <a:latin typeface="Cambria Math"/>
+                                      </a:rPr>
+                                      <m:t>𝜔</m:t>
+                                    </m:r>
+                                  </m:e>
+                                  <m:sub>
+                                    <m:r>
+                                      <a:rPr lang="en-US" i="1">
+                                        <a:solidFill>
+                                          <a:schemeClr val="tx1"/>
+                                        </a:solidFill>
+                                        <a:latin typeface="Cambria Math"/>
+                                      </a:rPr>
+                                      <m:t>𝑔</m:t>
+                                    </m:r>
+                                  </m:sub>
+                                </m:sSub>
+                              </m:e>
+                            </m:mr>
+                          </m:m>
+                        </m:e>
+                      </m:d>
+                    </m:oMath>
+                  </m:oMathPara>
+                </a14:m>
+                <a:endParaRPr lang="en-US" dirty="0" smtClean="0">
+                  <a:solidFill>
+                    <a:srgbClr val="0070C0"/>
+                  </a:solidFill>
+                </a:endParaRPr>
+              </a:p>
+              <a:p>
+                <a:pPr algn="l"/>
+                <a:endParaRPr lang="en-US" dirty="0" smtClean="0">
+                  <a:solidFill>
+                    <a:srgbClr val="0070C0"/>
+                  </a:solidFill>
+                </a:endParaRPr>
+              </a:p>
+              <a:p>
+                <a:pPr algn="l"/>
+                <a:r>
+                  <a:rPr lang="en-US" dirty="0">
+                    <a:solidFill>
+                      <a:srgbClr val="0070C0"/>
+                    </a:solidFill>
+                  </a:rPr>
+                  <a:t>This model is </a:t>
+                </a:r>
+                <a:r>
+                  <a:rPr lang="en-US" dirty="0" smtClean="0">
+                    <a:solidFill>
+                      <a:srgbClr val="0070C0"/>
+                    </a:solidFill>
+                  </a:rPr>
+                  <a:t>called </a:t>
+                </a:r>
+                <a:r>
+                  <a:rPr lang="en-US" dirty="0">
+                    <a:solidFill>
+                      <a:srgbClr val="0070C0"/>
+                    </a:solidFill>
+                  </a:rPr>
+                  <a:t>the </a:t>
+                </a:r>
+                <a:r>
+                  <a:rPr lang="en-US" i="1" dirty="0">
+                    <a:solidFill>
+                      <a:srgbClr val="0070C0"/>
+                    </a:solidFill>
+                  </a:rPr>
+                  <a:t>improved swing equation </a:t>
+                </a:r>
+                <a:r>
+                  <a:rPr lang="en-US" dirty="0">
+                    <a:solidFill>
+                      <a:srgbClr val="0070C0"/>
+                    </a:solidFill>
+                  </a:rPr>
+                  <a:t>(ISE), </a:t>
+                </a:r>
+                <a:r>
+                  <a:rPr lang="en-US" dirty="0" smtClean="0">
+                    <a:solidFill>
+                      <a:srgbClr val="0070C0"/>
+                    </a:solidFill>
+                  </a:rPr>
+                  <a:t>(</a:t>
+                </a:r>
+                <a:r>
+                  <a:rPr lang="en-US" dirty="0" err="1" smtClean="0">
+                    <a:solidFill>
+                      <a:srgbClr val="0070C0"/>
+                    </a:solidFill>
+                  </a:rPr>
+                  <a:t>Monshizadeh</a:t>
+                </a:r>
+                <a:r>
+                  <a:rPr lang="en-US" dirty="0" smtClean="0">
+                    <a:solidFill>
+                      <a:srgbClr val="0070C0"/>
+                    </a:solidFill>
+                  </a:rPr>
+                  <a:t> </a:t>
+                </a:r>
+                <a:r>
+                  <a:rPr lang="en-US" dirty="0">
+                    <a:solidFill>
+                      <a:srgbClr val="0070C0"/>
+                    </a:solidFill>
+                  </a:rPr>
+                  <a:t>e</a:t>
+                </a:r>
+                <a:r>
+                  <a:rPr lang="en-US" dirty="0" smtClean="0">
+                    <a:solidFill>
+                      <a:srgbClr val="0070C0"/>
+                    </a:solidFill>
+                  </a:rPr>
+                  <a:t>t al (2016), </a:t>
+                </a:r>
+                <a:r>
+                  <a:rPr lang="en-US" dirty="0">
+                    <a:solidFill>
+                      <a:srgbClr val="0070C0"/>
+                    </a:solidFill>
+                  </a:rPr>
+                  <a:t>Zhou and </a:t>
+                </a:r>
+                <a:r>
+                  <a:rPr lang="en-US" dirty="0" smtClean="0">
+                    <a:solidFill>
+                      <a:srgbClr val="0070C0"/>
+                    </a:solidFill>
+                  </a:rPr>
+                  <a:t> </a:t>
+                </a:r>
+                <a:r>
+                  <a:rPr lang="en-US" dirty="0" err="1" smtClean="0">
+                    <a:solidFill>
+                      <a:srgbClr val="0070C0"/>
+                    </a:solidFill>
+                  </a:rPr>
+                  <a:t>Ohsawa</a:t>
+                </a:r>
+                <a:r>
+                  <a:rPr lang="en-US" dirty="0" smtClean="0">
+                    <a:solidFill>
+                      <a:srgbClr val="0070C0"/>
+                    </a:solidFill>
+                  </a:rPr>
+                  <a:t> (2009).</a:t>
+                </a:r>
+                <a:endParaRPr lang="en-US" dirty="0">
+                  <a:solidFill>
+                    <a:srgbClr val="0070C0"/>
+                  </a:solidFill>
+                </a:endParaRPr>
+              </a:p>
+            </p:txBody>
+          </p:sp>
+        </mc:Choice>
+        <mc:Fallback xmlns="">
+          <p:sp>
+            <p:nvSpPr>
+              <p:cNvPr id="3" name="Subtitle 2"/>
+              <p:cNvSpPr>
+                <a:spLocks noGrp="1" noRot="1" noChangeAspect="1" noMove="1" noResize="1" noEditPoints="1" noAdjustHandles="1" noChangeArrowheads="1" noChangeShapeType="1" noTextEdit="1"/>
+              </p:cNvSpPr>
+              <p:nvPr>
+                <p:ph type="subTitle" idx="1"/>
+              </p:nvPr>
+            </p:nvSpPr>
+            <p:spPr>
+              <a:xfrm>
+                <a:off x="402680" y="1036385"/>
+                <a:ext cx="11789319" cy="5319966"/>
+              </a:xfrm>
+              <a:blipFill rotWithShape="1">
+                <a:blip r:embed="rId3"/>
+                <a:stretch>
+                  <a:fillRect l="-517" t="-1604"/>
+                </a:stretch>
+              </a:blipFill>
+            </p:spPr>
+            <p:txBody>
+              <a:bodyPr/>
+              <a:lstStyle/>
+              <a:p>
+                <a:r>
+                  <a:rPr lang="en-US">
+                    <a:noFill/>
+                  </a:rPr>
+                  <a:t> </a:t>
+                </a:r>
+              </a:p>
+            </p:txBody>
+          </p:sp>
+        </mc:Fallback>
+      </mc:AlternateContent>
+      <p:sp>
+        <p:nvSpPr>
+          <p:cNvPr id="2" name="Date Placeholder 1"/>
+          <p:cNvSpPr>
+            <a:spLocks noGrp="1"/>
+          </p:cNvSpPr>
+          <p:nvPr>
+            <p:ph type="dt" sz="half" idx="10"/>
+          </p:nvPr>
+        </p:nvSpPr>
+        <p:spPr/>
+        <p:txBody>
+          <a:bodyPr/>
+          <a:lstStyle/>
+          <a:p>
+            <a:fld id="{9BEA1E36-7D09-EB4D-ADF1-B27CF42222FE}" type="datetime1">
+              <a:rPr lang="en-US" smtClean="0"/>
+              <a:t>11/9/16</a:t>
+            </a:fld>
+            <a:endParaRPr lang="en-US"/>
+          </a:p>
+        </p:txBody>
+      </p:sp>
+      <p:sp>
+        <p:nvSpPr>
+          <p:cNvPr id="4" name="Slide Number Placeholder 3"/>
+          <p:cNvSpPr>
+            <a:spLocks noGrp="1"/>
+          </p:cNvSpPr>
+          <p:nvPr>
+            <p:ph type="sldNum" sz="quarter" idx="12"/>
+          </p:nvPr>
+        </p:nvSpPr>
+        <p:spPr/>
+        <p:txBody>
+          <a:bodyPr/>
+          <a:lstStyle/>
+          <a:p>
+            <a:fld id="{A0C36A82-E5BE-8249-B8F1-B4855CDE2C8C}" type="slidenum">
+              <a:rPr lang="en-US" smtClean="0"/>
+              <a:t>12</a:t>
+            </a:fld>
+            <a:endParaRPr lang="en-US"/>
+          </a:p>
+        </p:txBody>
+      </p:sp>
+      <p:sp>
+        <p:nvSpPr>
+          <p:cNvPr id="5" name="Title 1"/>
+          <p:cNvSpPr>
+            <a:spLocks noGrp="1"/>
+          </p:cNvSpPr>
+          <p:nvPr>
+            <p:ph type="ctrTitle"/>
+          </p:nvPr>
+        </p:nvSpPr>
+        <p:spPr>
+          <a:xfrm>
+            <a:off x="402681" y="206204"/>
+            <a:ext cx="11555957" cy="830180"/>
+          </a:xfrm>
+        </p:spPr>
+        <p:txBody>
+          <a:bodyPr>
+            <a:normAutofit/>
+          </a:bodyPr>
+          <a:lstStyle/>
+          <a:p>
+            <a:pPr algn="l"/>
+            <a:r>
+              <a:rPr lang="en-US" sz="4800" b="1" dirty="0" smtClean="0">
+                <a:solidFill>
+                  <a:srgbClr val="002060"/>
+                </a:solidFill>
+              </a:rPr>
+              <a:t>Model reduction</a:t>
+            </a:r>
+            <a:endParaRPr lang="en-US" sz="4800" b="1" dirty="0">
+              <a:solidFill>
+                <a:srgbClr val="002060"/>
+              </a:solidFill>
+            </a:endParaRPr>
+          </a:p>
+        </p:txBody>
+      </p:sp>
+    </p:spTree>
+    <p:extLst>
+      <p:ext uri="{BB962C8B-B14F-4D97-AF65-F5344CB8AC3E}">
         <p14:creationId xmlns:p14="http://schemas.microsoft.com/office/powerpoint/2010/main" val="1826484997"/>
       </p:ext>
     </p:extLst>
@@ -8985,7 +11053,7 @@
 </p:sld>
 </file>
 
-<file path=ppt/slides/slide12.xml><?xml version="1.0" encoding="utf-8"?>
+<file path=ppt/slides/slide13.xml><?xml version="1.0" encoding="utf-8"?>
 <p:sld xmlns:a="http://schemas.openxmlformats.org/drawingml/2006/main" xmlns:r="http://schemas.openxmlformats.org/officeDocument/2006/relationships" xmlns:p="http://schemas.openxmlformats.org/presentationml/2006/main" showMasterSp="0">
   <p:cSld>
     <p:spTree>
@@ -9059,7 +11127,7 @@
               <a:rPr lang="en-US" dirty="0" smtClean="0">
                 <a:latin typeface="Cambria Math" charset="0"/>
               </a:rPr>
-              <a:t> 5 KW SG</a:t>
+              <a:t> 5 KW SG connected to infinite bus</a:t>
             </a:r>
           </a:p>
           <a:p>
@@ -9089,15 +11157,7 @@
                   <a:srgbClr val="0070C0"/>
                 </a:solidFill>
               </a:rPr>
-              <a:t>to the reduced model.</a:t>
-            </a:r>
-            <a:r>
-              <a:rPr lang="en-US" dirty="0">
-                <a:solidFill>
-                  <a:srgbClr val="0070C0"/>
-                </a:solidFill>
-              </a:rPr>
-              <a:t> </a:t>
+              <a:t>to the reduced model. </a:t>
             </a:r>
             <a:endParaRPr lang="en-US" dirty="0" smtClean="0">
               <a:solidFill>
@@ -9136,7 +11196,7 @@
           <a:p>
             <a:fld id="{1951EE5E-8EB9-AF48-A709-135EA060F516}" type="datetime1">
               <a:rPr lang="en-US" smtClean="0"/>
-              <a:t>11/7/16</a:t>
+              <a:t>11/9/16</a:t>
             </a:fld>
             <a:endParaRPr lang="en-US"/>
           </a:p>
@@ -9159,7 +11219,7 @@
           <a:p>
             <a:fld id="{A0C36A82-E5BE-8249-B8F1-B4855CDE2C8C}" type="slidenum">
               <a:rPr lang="en-US" smtClean="0"/>
-              <a:t>12</a:t>
+              <a:t>13</a:t>
             </a:fld>
             <a:endParaRPr lang="en-US"/>
           </a:p>
@@ -9224,7 +11284,7 @@
 </p:sld>
 </file>
 
-<file path=ppt/slides/slide13.xml><?xml version="1.0" encoding="utf-8"?>
+<file path=ppt/slides/slide14.xml><?xml version="1.0" encoding="utf-8"?>
 <p:sld xmlns:a="http://schemas.openxmlformats.org/drawingml/2006/main" xmlns:r="http://schemas.openxmlformats.org/officeDocument/2006/relationships" xmlns:p="http://schemas.openxmlformats.org/presentationml/2006/main" showMasterSp="0">
   <p:cSld>
     <p:spTree>
@@ -9347,7 +11407,7 @@
           <a:p>
             <a:fld id="{EEC4F298-50A9-964E-BE5D-8E77758D38CE}" type="datetime1">
               <a:rPr lang="en-US" smtClean="0"/>
-              <a:t>11/5/16</a:t>
+              <a:t>11/9/16</a:t>
             </a:fld>
             <a:endParaRPr lang="en-US"/>
           </a:p>
@@ -9370,7 +11430,7 @@
           <a:p>
             <a:fld id="{A0C36A82-E5BE-8249-B8F1-B4855CDE2C8C}" type="slidenum">
               <a:rPr lang="en-US" smtClean="0"/>
-              <a:t>13</a:t>
+              <a:t>14</a:t>
             </a:fld>
             <a:endParaRPr lang="en-US"/>
           </a:p>
@@ -9435,7 +11495,7 @@
 </p:sld>
 </file>
 
-<file path=ppt/slides/slide14.xml><?xml version="1.0" encoding="utf-8"?>
+<file path=ppt/slides/slide15.xml><?xml version="1.0" encoding="utf-8"?>
 <p:sld xmlns:a="http://schemas.openxmlformats.org/drawingml/2006/main" xmlns:r="http://schemas.openxmlformats.org/officeDocument/2006/relationships" xmlns:p="http://schemas.openxmlformats.org/presentationml/2006/main" showMasterSp="0">
   <p:cSld>
     <p:spTree>
@@ -9594,7 +11654,7 @@
           <a:p>
             <a:fld id="{C2818C02-0716-084F-979F-46C58C3925EC}" type="datetime1">
               <a:rPr lang="en-US" smtClean="0"/>
-              <a:t>11/7/16</a:t>
+              <a:t>11/9/16</a:t>
             </a:fld>
             <a:endParaRPr lang="en-US"/>
           </a:p>
@@ -9617,7 +11677,7 @@
           <a:p>
             <a:fld id="{A0C36A82-E5BE-8249-B8F1-B4855CDE2C8C}" type="slidenum">
               <a:rPr lang="en-US" smtClean="0"/>
-              <a:t>14</a:t>
+              <a:t>15</a:t>
             </a:fld>
             <a:endParaRPr lang="en-US"/>
           </a:p>
@@ -9692,8 +11752,8 @@
           </a:p>
         </p:txBody>
       </p:sp>
-      <mc:AlternateContent xmlns:mc="http://schemas.openxmlformats.org/markup-compatibility/2006">
-        <mc:Choice xmlns:a14="http://schemas.microsoft.com/office/drawing/2010/main" Requires="a14">
+      <mc:AlternateContent xmlns:mc="http://schemas.openxmlformats.org/markup-compatibility/2006" xmlns:a14="http://schemas.microsoft.com/office/drawing/2010/main">
+        <mc:Choice Requires="a14">
           <p:sp>
             <p:nvSpPr>
               <p:cNvPr id="8" name="Subtitle 2"/>
@@ -10088,7 +12148,7 @@
             </p:txBody>
           </p:sp>
         </mc:Choice>
-        <mc:Fallback>
+        <mc:Fallback xmlns="">
           <p:sp>
             <p:nvSpPr>
               <p:cNvPr id="8" name="Subtitle 2"/>
@@ -10140,14 +12200,135 @@
   <p:timing>
     <p:tnLst>
       <p:par>
-        <p:cTn id="1" dur="indefinite" restart="never" nodeType="tmRoot"/>
+        <p:cTn id="1" dur="indefinite" restart="never" nodeType="tmRoot">
+          <p:childTnLst>
+            <p:seq concurrent="1" nextAc="seek">
+              <p:cTn id="2" dur="indefinite" nodeType="mainSeq">
+                <p:childTnLst>
+                  <p:par>
+                    <p:cTn id="3" fill="hold">
+                      <p:stCondLst>
+                        <p:cond delay="indefinite"/>
+                      </p:stCondLst>
+                      <p:childTnLst>
+                        <p:par>
+                          <p:cTn id="4" fill="hold">
+                            <p:stCondLst>
+                              <p:cond delay="0"/>
+                            </p:stCondLst>
+                            <p:childTnLst>
+                              <p:par>
+                                <p:cTn id="5" presetID="1" presetClass="entr" presetSubtype="0" fill="hold" nodeType="clickEffect">
+                                  <p:stCondLst>
+                                    <p:cond delay="0"/>
+                                  </p:stCondLst>
+                                  <p:childTnLst>
+                                    <p:set>
+                                      <p:cBhvr>
+                                        <p:cTn id="6" dur="1" fill="hold">
+                                          <p:stCondLst>
+                                            <p:cond delay="0"/>
+                                          </p:stCondLst>
+                                        </p:cTn>
+                                        <p:tgtEl>
+                                          <p:spTgt spid="3">
+                                            <p:txEl>
+                                              <p:pRg st="0" end="0"/>
+                                            </p:txEl>
+                                          </p:spTgt>
+                                        </p:tgtEl>
+                                        <p:attrNameLst>
+                                          <p:attrName>style.visibility</p:attrName>
+                                        </p:attrNameLst>
+                                      </p:cBhvr>
+                                      <p:to>
+                                        <p:strVal val="visible"/>
+                                      </p:to>
+                                    </p:set>
+                                  </p:childTnLst>
+                                </p:cTn>
+                              </p:par>
+                            </p:childTnLst>
+                          </p:cTn>
+                        </p:par>
+                      </p:childTnLst>
+                    </p:cTn>
+                  </p:par>
+                  <p:par>
+                    <p:cTn id="7" fill="hold">
+                      <p:stCondLst>
+                        <p:cond delay="indefinite"/>
+                      </p:stCondLst>
+                      <p:childTnLst>
+                        <p:par>
+                          <p:cTn id="8" fill="hold">
+                            <p:stCondLst>
+                              <p:cond delay="0"/>
+                            </p:stCondLst>
+                            <p:childTnLst>
+                              <p:par>
+                                <p:cTn id="9" presetID="1" presetClass="entr" presetSubtype="0" fill="hold" nodeType="clickEffect">
+                                  <p:stCondLst>
+                                    <p:cond delay="0"/>
+                                  </p:stCondLst>
+                                  <p:childTnLst>
+                                    <p:set>
+                                      <p:cBhvr>
+                                        <p:cTn id="10" dur="1" fill="hold">
+                                          <p:stCondLst>
+                                            <p:cond delay="0"/>
+                                          </p:stCondLst>
+                                        </p:cTn>
+                                        <p:tgtEl>
+                                          <p:spTgt spid="8">
+                                            <p:txEl>
+                                              <p:pRg st="0" end="0"/>
+                                            </p:txEl>
+                                          </p:spTgt>
+                                        </p:tgtEl>
+                                        <p:attrNameLst>
+                                          <p:attrName>style.visibility</p:attrName>
+                                        </p:attrNameLst>
+                                      </p:cBhvr>
+                                      <p:to>
+                                        <p:strVal val="visible"/>
+                                      </p:to>
+                                    </p:set>
+                                  </p:childTnLst>
+                                </p:cTn>
+                              </p:par>
+                            </p:childTnLst>
+                          </p:cTn>
+                        </p:par>
+                      </p:childTnLst>
+                    </p:cTn>
+                  </p:par>
+                </p:childTnLst>
+              </p:cTn>
+              <p:prevCondLst>
+                <p:cond evt="onPrev" delay="0">
+                  <p:tgtEl>
+                    <p:sldTgt/>
+                  </p:tgtEl>
+                </p:cond>
+              </p:prevCondLst>
+              <p:nextCondLst>
+                <p:cond evt="onNext" delay="0">
+                  <p:tgtEl>
+                    <p:sldTgt/>
+                  </p:tgtEl>
+                </p:cond>
+              </p:nextCondLst>
+            </p:seq>
+          </p:childTnLst>
+        </p:cTn>
       </p:par>
     </p:tnLst>
   </p:timing>
 </p:sld>
 </file>
 
-<file path=ppt/slides/slide15.xml><?xml version="1.0" encoding="utf-8"?>
+<file path=ppt/slides/slide16.xml><?xml version="1.0" encoding="utf-8"?>
 <p:sld xmlns:a="http://schemas.openxmlformats.org/drawingml/2006/main" xmlns:r="http://schemas.openxmlformats.org/officeDocument/2006/relationships" xmlns:p="http://schemas.openxmlformats.org/presentationml/2006/main" showMasterSp="0">
   <p:cSld>
     <p:spTree>
@@ -10244,11 +12425,6 @@
               </a:rPr>
               <a:t>condition of this simulation is within the region of attraction of the reduced model, but outside the region of attraction of the FOM</a:t>
             </a:r>
-            <a:endParaRPr lang="en-US" dirty="0">
-              <a:solidFill>
-                <a:srgbClr val="0070C0"/>
-              </a:solidFill>
-            </a:endParaRPr>
           </a:p>
         </p:txBody>
       </p:sp>
@@ -10269,7 +12445,7 @@
           <a:p>
             <a:fld id="{E33B4CA6-5227-3B4C-B3B2-BD44EE8242CE}" type="datetime1">
               <a:rPr lang="en-US" smtClean="0"/>
-              <a:t>11/7/16</a:t>
+              <a:t>11/9/16</a:t>
             </a:fld>
             <a:endParaRPr lang="en-US"/>
           </a:p>
@@ -10292,7 +12468,7 @@
           <a:p>
             <a:fld id="{A0C36A82-E5BE-8249-B8F1-B4855CDE2C8C}" type="slidenum">
               <a:rPr lang="en-US" smtClean="0"/>
-              <a:t>15</a:t>
+              <a:t>16</a:t>
             </a:fld>
             <a:endParaRPr lang="en-US"/>
           </a:p>
@@ -10350,14 +12526,86 @@
   <p:timing>
     <p:tnLst>
       <p:par>
-        <p:cTn id="1" dur="indefinite" restart="never" nodeType="tmRoot"/>
+        <p:cTn id="1" dur="indefinite" restart="never" nodeType="tmRoot">
+          <p:childTnLst>
+            <p:seq concurrent="1" nextAc="seek">
+              <p:cTn id="2" dur="indefinite" nodeType="mainSeq">
+                <p:childTnLst>
+                  <p:par>
+                    <p:cTn id="3" fill="hold">
+                      <p:stCondLst>
+                        <p:cond delay="indefinite"/>
+                      </p:stCondLst>
+                      <p:childTnLst>
+                        <p:par>
+                          <p:cTn id="4" fill="hold">
+                            <p:stCondLst>
+                              <p:cond delay="0"/>
+                            </p:stCondLst>
+                            <p:childTnLst>
+                              <p:par>
+                                <p:cTn id="5" presetID="1" presetClass="entr" presetSubtype="0" fill="hold" nodeType="clickEffect">
+                                  <p:stCondLst>
+                                    <p:cond delay="0"/>
+                                  </p:stCondLst>
+                                  <p:childTnLst>
+                                    <p:set>
+                                      <p:cBhvr>
+                                        <p:cTn id="6" dur="1" fill="hold">
+                                          <p:stCondLst>
+                                            <p:cond delay="0"/>
+                                          </p:stCondLst>
+                                        </p:cTn>
+                                        <p:tgtEl>
+                                          <p:spTgt spid="3">
+                                            <p:txEl>
+                                              <p:pRg st="1" end="1"/>
+                                            </p:txEl>
+                                          </p:spTgt>
+                                        </p:tgtEl>
+                                        <p:attrNameLst>
+                                          <p:attrName>style.visibility</p:attrName>
+                                        </p:attrNameLst>
+                                      </p:cBhvr>
+                                      <p:to>
+                                        <p:strVal val="visible"/>
+                                      </p:to>
+                                    </p:set>
+                                  </p:childTnLst>
+                                </p:cTn>
+                              </p:par>
+                            </p:childTnLst>
+                          </p:cTn>
+                        </p:par>
+                      </p:childTnLst>
+                    </p:cTn>
+                  </p:par>
+                </p:childTnLst>
+              </p:cTn>
+              <p:prevCondLst>
+                <p:cond evt="onPrev" delay="0">
+                  <p:tgtEl>
+                    <p:sldTgt/>
+                  </p:tgtEl>
+                </p:cond>
+              </p:prevCondLst>
+              <p:nextCondLst>
+                <p:cond evt="onNext" delay="0">
+                  <p:tgtEl>
+                    <p:sldTgt/>
+                  </p:tgtEl>
+                </p:cond>
+              </p:nextCondLst>
+            </p:seq>
+          </p:childTnLst>
+        </p:cTn>
       </p:par>
     </p:tnLst>
   </p:timing>
 </p:sld>
 </file>
 
-<file path=ppt/slides/slide16.xml><?xml version="1.0" encoding="utf-8"?>
+<file path=ppt/slides/slide17.xml><?xml version="1.0" encoding="utf-8"?>
 <p:sld xmlns:a="http://schemas.openxmlformats.org/drawingml/2006/main" xmlns:r="http://schemas.openxmlformats.org/officeDocument/2006/relationships" xmlns:p="http://schemas.openxmlformats.org/presentationml/2006/main">
   <p:cSld>
     <p:spTree>
@@ -10430,7 +12678,7 @@
           <a:p>
             <a:fld id="{D1F65E59-80BB-1845-8D07-CF316C47FFA9}" type="datetime1">
               <a:rPr lang="en-US" smtClean="0"/>
-              <a:t>11/5/16</a:t>
+              <a:t>11/9/16</a:t>
             </a:fld>
             <a:endParaRPr lang="en-US"/>
           </a:p>
@@ -10453,7 +12701,7 @@
           <a:p>
             <a:fld id="{A0C36A82-E5BE-8249-B8F1-B4855CDE2C8C}" type="slidenum">
               <a:rPr lang="en-US" smtClean="0"/>
-              <a:t>16</a:t>
+              <a:t>17</a:t>
             </a:fld>
             <a:endParaRPr lang="en-US"/>
           </a:p>
@@ -10528,15 +12776,7 @@
                   <a:srgbClr val="0070C0"/>
                 </a:solidFill>
               </a:rPr>
-              <a:t>Approximately </a:t>
-            </a:r>
-            <a:r>
-              <a:rPr lang="en-US" sz="3200" dirty="0" smtClean="0">
-                <a:solidFill>
-                  <a:srgbClr val="0070C0"/>
-                </a:solidFill>
-              </a:rPr>
-              <a:t>150 years of electricity grid.</a:t>
+              <a:t>Approximately 150 years of electricity grid.</a:t>
             </a:r>
           </a:p>
           <a:p>
@@ -10640,15 +12880,7 @@
                   <a:srgbClr val="0070C0"/>
                 </a:solidFill>
               </a:rPr>
-              <a:t>We </a:t>
-            </a:r>
-            <a:r>
-              <a:rPr lang="en-US" sz="3200" dirty="0" smtClean="0">
-                <a:solidFill>
-                  <a:srgbClr val="0070C0"/>
-                </a:solidFill>
-              </a:rPr>
-              <a:t>discuss a single generator connected to an infinite bus. The question is its stability and the region of attraction of the stable equilibrium point. </a:t>
+              <a:t>We discuss a single generator connected to an infinite bus. The question is its stability and the region of attraction of the stable equilibrium point. </a:t>
             </a:r>
           </a:p>
           <a:p>
@@ -10712,11 +12944,6 @@
               </a:rPr>
               <a:t> et al (2016). We investigate its usefulness for stability analysis. </a:t>
             </a:r>
-            <a:endParaRPr lang="en-US" sz="3200" dirty="0" smtClean="0">
-              <a:solidFill>
-                <a:srgbClr val="0070C0"/>
-              </a:solidFill>
-            </a:endParaRPr>
           </a:p>
         </p:txBody>
       </p:sp>
@@ -10737,7 +12964,7 @@
           <a:p>
             <a:fld id="{F3AE02EF-1A8B-7A40-ACBE-7F54DFEB5DA8}" type="datetime1">
               <a:rPr lang="en-US" smtClean="0"/>
-              <a:t>11/5/16</a:t>
+              <a:t>11/9/16</a:t>
             </a:fld>
             <a:endParaRPr lang="en-US"/>
           </a:p>
@@ -10818,7 +13045,324 @@
   <p:timing>
     <p:tnLst>
       <p:par>
-        <p:cTn id="1" dur="indefinite" restart="never" nodeType="tmRoot"/>
+        <p:cTn id="1" dur="indefinite" restart="never" nodeType="tmRoot">
+          <p:childTnLst>
+            <p:seq concurrent="1" nextAc="seek">
+              <p:cTn id="2" dur="indefinite" nodeType="mainSeq">
+                <p:childTnLst>
+                  <p:par>
+                    <p:cTn id="3" fill="hold">
+                      <p:stCondLst>
+                        <p:cond delay="indefinite"/>
+                      </p:stCondLst>
+                      <p:childTnLst>
+                        <p:par>
+                          <p:cTn id="4" fill="hold">
+                            <p:stCondLst>
+                              <p:cond delay="0"/>
+                            </p:stCondLst>
+                            <p:childTnLst>
+                              <p:par>
+                                <p:cTn id="5" presetID="1" presetClass="entr" presetSubtype="0" fill="hold" nodeType="clickEffect">
+                                  <p:stCondLst>
+                                    <p:cond delay="0"/>
+                                  </p:stCondLst>
+                                  <p:childTnLst>
+                                    <p:set>
+                                      <p:cBhvr>
+                                        <p:cTn id="6" dur="1" fill="hold">
+                                          <p:stCondLst>
+                                            <p:cond delay="0"/>
+                                          </p:stCondLst>
+                                        </p:cTn>
+                                        <p:tgtEl>
+                                          <p:spTgt spid="3">
+                                            <p:txEl>
+                                              <p:pRg st="0" end="0"/>
+                                            </p:txEl>
+                                          </p:spTgt>
+                                        </p:tgtEl>
+                                        <p:attrNameLst>
+                                          <p:attrName>style.visibility</p:attrName>
+                                        </p:attrNameLst>
+                                      </p:cBhvr>
+                                      <p:to>
+                                        <p:strVal val="visible"/>
+                                      </p:to>
+                                    </p:set>
+                                  </p:childTnLst>
+                                </p:cTn>
+                              </p:par>
+                            </p:childTnLst>
+                          </p:cTn>
+                        </p:par>
+                      </p:childTnLst>
+                    </p:cTn>
+                  </p:par>
+                  <p:par>
+                    <p:cTn id="7" fill="hold">
+                      <p:stCondLst>
+                        <p:cond delay="indefinite"/>
+                      </p:stCondLst>
+                      <p:childTnLst>
+                        <p:par>
+                          <p:cTn id="8" fill="hold">
+                            <p:stCondLst>
+                              <p:cond delay="0"/>
+                            </p:stCondLst>
+                            <p:childTnLst>
+                              <p:par>
+                                <p:cTn id="9" presetID="1" presetClass="entr" presetSubtype="0" fill="hold" nodeType="clickEffect">
+                                  <p:stCondLst>
+                                    <p:cond delay="0"/>
+                                  </p:stCondLst>
+                                  <p:childTnLst>
+                                    <p:set>
+                                      <p:cBhvr>
+                                        <p:cTn id="10" dur="1" fill="hold">
+                                          <p:stCondLst>
+                                            <p:cond delay="0"/>
+                                          </p:stCondLst>
+                                        </p:cTn>
+                                        <p:tgtEl>
+                                          <p:spTgt spid="3">
+                                            <p:txEl>
+                                              <p:pRg st="1" end="1"/>
+                                            </p:txEl>
+                                          </p:spTgt>
+                                        </p:tgtEl>
+                                        <p:attrNameLst>
+                                          <p:attrName>style.visibility</p:attrName>
+                                        </p:attrNameLst>
+                                      </p:cBhvr>
+                                      <p:to>
+                                        <p:strVal val="visible"/>
+                                      </p:to>
+                                    </p:set>
+                                  </p:childTnLst>
+                                </p:cTn>
+                              </p:par>
+                            </p:childTnLst>
+                          </p:cTn>
+                        </p:par>
+                      </p:childTnLst>
+                    </p:cTn>
+                  </p:par>
+                  <p:par>
+                    <p:cTn id="11" fill="hold">
+                      <p:stCondLst>
+                        <p:cond delay="indefinite"/>
+                      </p:stCondLst>
+                      <p:childTnLst>
+                        <p:par>
+                          <p:cTn id="12" fill="hold">
+                            <p:stCondLst>
+                              <p:cond delay="0"/>
+                            </p:stCondLst>
+                            <p:childTnLst>
+                              <p:par>
+                                <p:cTn id="13" presetID="1" presetClass="entr" presetSubtype="0" fill="hold" nodeType="clickEffect">
+                                  <p:stCondLst>
+                                    <p:cond delay="0"/>
+                                  </p:stCondLst>
+                                  <p:childTnLst>
+                                    <p:set>
+                                      <p:cBhvr>
+                                        <p:cTn id="14" dur="1" fill="hold">
+                                          <p:stCondLst>
+                                            <p:cond delay="0"/>
+                                          </p:stCondLst>
+                                        </p:cTn>
+                                        <p:tgtEl>
+                                          <p:spTgt spid="3">
+                                            <p:txEl>
+                                              <p:pRg st="2" end="2"/>
+                                            </p:txEl>
+                                          </p:spTgt>
+                                        </p:tgtEl>
+                                        <p:attrNameLst>
+                                          <p:attrName>style.visibility</p:attrName>
+                                        </p:attrNameLst>
+                                      </p:cBhvr>
+                                      <p:to>
+                                        <p:strVal val="visible"/>
+                                      </p:to>
+                                    </p:set>
+                                  </p:childTnLst>
+                                </p:cTn>
+                              </p:par>
+                            </p:childTnLst>
+                          </p:cTn>
+                        </p:par>
+                      </p:childTnLst>
+                    </p:cTn>
+                  </p:par>
+                  <p:par>
+                    <p:cTn id="15" fill="hold">
+                      <p:stCondLst>
+                        <p:cond delay="indefinite"/>
+                      </p:stCondLst>
+                      <p:childTnLst>
+                        <p:par>
+                          <p:cTn id="16" fill="hold">
+                            <p:stCondLst>
+                              <p:cond delay="0"/>
+                            </p:stCondLst>
+                            <p:childTnLst>
+                              <p:par>
+                                <p:cTn id="17" presetID="1" presetClass="entr" presetSubtype="0" fill="hold" nodeType="clickEffect">
+                                  <p:stCondLst>
+                                    <p:cond delay="0"/>
+                                  </p:stCondLst>
+                                  <p:childTnLst>
+                                    <p:set>
+                                      <p:cBhvr>
+                                        <p:cTn id="18" dur="1" fill="hold">
+                                          <p:stCondLst>
+                                            <p:cond delay="0"/>
+                                          </p:stCondLst>
+                                        </p:cTn>
+                                        <p:tgtEl>
+                                          <p:spTgt spid="3">
+                                            <p:txEl>
+                                              <p:pRg st="3" end="3"/>
+                                            </p:txEl>
+                                          </p:spTgt>
+                                        </p:tgtEl>
+                                        <p:attrNameLst>
+                                          <p:attrName>style.visibility</p:attrName>
+                                        </p:attrNameLst>
+                                      </p:cBhvr>
+                                      <p:to>
+                                        <p:strVal val="visible"/>
+                                      </p:to>
+                                    </p:set>
+                                  </p:childTnLst>
+                                </p:cTn>
+                              </p:par>
+                            </p:childTnLst>
+                          </p:cTn>
+                        </p:par>
+                      </p:childTnLst>
+                    </p:cTn>
+                  </p:par>
+                  <p:par>
+                    <p:cTn id="19" fill="hold">
+                      <p:stCondLst>
+                        <p:cond delay="indefinite"/>
+                      </p:stCondLst>
+                      <p:childTnLst>
+                        <p:par>
+                          <p:cTn id="20" fill="hold">
+                            <p:stCondLst>
+                              <p:cond delay="0"/>
+                            </p:stCondLst>
+                            <p:childTnLst>
+                              <p:par>
+                                <p:cTn id="21" presetID="1" presetClass="entr" presetSubtype="0" fill="hold" nodeType="clickEffect">
+                                  <p:stCondLst>
+                                    <p:cond delay="0"/>
+                                  </p:stCondLst>
+                                  <p:childTnLst>
+                                    <p:set>
+                                      <p:cBhvr>
+                                        <p:cTn id="22" dur="1" fill="hold">
+                                          <p:stCondLst>
+                                            <p:cond delay="0"/>
+                                          </p:stCondLst>
+                                        </p:cTn>
+                                        <p:tgtEl>
+                                          <p:spTgt spid="3">
+                                            <p:txEl>
+                                              <p:pRg st="4" end="4"/>
+                                            </p:txEl>
+                                          </p:spTgt>
+                                        </p:tgtEl>
+                                        <p:attrNameLst>
+                                          <p:attrName>style.visibility</p:attrName>
+                                        </p:attrNameLst>
+                                      </p:cBhvr>
+                                      <p:to>
+                                        <p:strVal val="visible"/>
+                                      </p:to>
+                                    </p:set>
+                                  </p:childTnLst>
+                                </p:cTn>
+                              </p:par>
+                            </p:childTnLst>
+                          </p:cTn>
+                        </p:par>
+                      </p:childTnLst>
+                    </p:cTn>
+                  </p:par>
+                  <p:par>
+                    <p:cTn id="23" fill="hold">
+                      <p:stCondLst>
+                        <p:cond delay="indefinite"/>
+                      </p:stCondLst>
+                      <p:childTnLst>
+                        <p:par>
+                          <p:cTn id="24" fill="hold">
+                            <p:stCondLst>
+                              <p:cond delay="0"/>
+                            </p:stCondLst>
+                            <p:childTnLst>
+                              <p:par>
+                                <p:cTn id="25" presetID="1" presetClass="entr" presetSubtype="0" fill="hold" nodeType="clickEffect">
+                                  <p:stCondLst>
+                                    <p:cond delay="0"/>
+                                  </p:stCondLst>
+                                  <p:childTnLst>
+                                    <p:set>
+                                      <p:cBhvr>
+                                        <p:cTn id="26" dur="1" fill="hold">
+                                          <p:stCondLst>
+                                            <p:cond delay="0"/>
+                                          </p:stCondLst>
+                                        </p:cTn>
+                                        <p:tgtEl>
+                                          <p:spTgt spid="3">
+                                            <p:txEl>
+                                              <p:pRg st="5" end="5"/>
+                                            </p:txEl>
+                                          </p:spTgt>
+                                        </p:tgtEl>
+                                        <p:attrNameLst>
+                                          <p:attrName>style.visibility</p:attrName>
+                                        </p:attrNameLst>
+                                      </p:cBhvr>
+                                      <p:to>
+                                        <p:strVal val="visible"/>
+                                      </p:to>
+                                    </p:set>
+                                  </p:childTnLst>
+                                </p:cTn>
+                              </p:par>
+                            </p:childTnLst>
+                          </p:cTn>
+                        </p:par>
+                      </p:childTnLst>
+                    </p:cTn>
+                  </p:par>
+                </p:childTnLst>
+              </p:cTn>
+              <p:prevCondLst>
+                <p:cond evt="onPrev" delay="0">
+                  <p:tgtEl>
+                    <p:sldTgt/>
+                  </p:tgtEl>
+                </p:cond>
+              </p:prevCondLst>
+              <p:nextCondLst>
+                <p:cond evt="onNext" delay="0">
+                  <p:tgtEl>
+                    <p:sldTgt/>
+                  </p:tgtEl>
+                </p:cond>
+              </p:nextCondLst>
+            </p:seq>
+          </p:childTnLst>
+        </p:cTn>
       </p:par>
     </p:tnLst>
   </p:timing>
@@ -10899,7 +13443,7 @@
           <a:p>
             <a:fld id="{8CC3A934-7F56-6843-8EF4-08C34C28085B}" type="datetime1">
               <a:rPr lang="en-US" smtClean="0"/>
-              <a:t>11/5/16</a:t>
+              <a:t>11/9/16</a:t>
             </a:fld>
             <a:endParaRPr lang="en-US"/>
           </a:p>
@@ -11006,8 +13550,8 @@
           <a:chExt cx="0" cy="0"/>
         </a:xfrm>
       </p:grpSpPr>
-      <mc:AlternateContent xmlns:mc="http://schemas.openxmlformats.org/markup-compatibility/2006">
-        <mc:Choice xmlns:a14="http://schemas.microsoft.com/office/drawing/2010/main" Requires="a14">
+      <mc:AlternateContent xmlns:mc="http://schemas.openxmlformats.org/markup-compatibility/2006" xmlns:a14="http://schemas.microsoft.com/office/drawing/2010/main">
+        <mc:Choice Requires="a14">
           <p:sp>
             <p:nvSpPr>
               <p:cNvPr id="3" name="Subtitle 2"/>
@@ -12345,7 +14889,7 @@
             </p:txBody>
           </p:sp>
         </mc:Choice>
-        <mc:Fallback>
+        <mc:Fallback xmlns="">
           <p:sp>
             <p:nvSpPr>
               <p:cNvPr id="3" name="Subtitle 2"/>
@@ -12400,7 +14944,7 @@
           <a:p>
             <a:fld id="{9B64E85E-64FF-694D-A89D-E9EF8D20D35A}" type="datetime1">
               <a:rPr lang="en-US" smtClean="0"/>
-              <a:t>11/5/16</a:t>
+              <a:t>11/9/16</a:t>
             </a:fld>
             <a:endParaRPr lang="en-US"/>
           </a:p>
@@ -12481,7 +15025,110 @@
   <p:timing>
     <p:tnLst>
       <p:par>
-        <p:cTn id="1" dur="indefinite" restart="never" nodeType="tmRoot"/>
+        <p:cTn id="1" dur="indefinite" restart="never" nodeType="tmRoot">
+          <p:childTnLst>
+            <p:seq concurrent="1" nextAc="seek">
+              <p:cTn id="2" dur="indefinite" nodeType="mainSeq">
+                <p:childTnLst>
+                  <p:par>
+                    <p:cTn id="3" fill="hold">
+                      <p:stCondLst>
+                        <p:cond delay="indefinite"/>
+                      </p:stCondLst>
+                      <p:childTnLst>
+                        <p:par>
+                          <p:cTn id="4" fill="hold">
+                            <p:stCondLst>
+                              <p:cond delay="0"/>
+                            </p:stCondLst>
+                            <p:childTnLst>
+                              <p:par>
+                                <p:cTn id="5" presetID="1" presetClass="entr" presetSubtype="0" fill="hold" nodeType="clickEffect">
+                                  <p:stCondLst>
+                                    <p:cond delay="0"/>
+                                  </p:stCondLst>
+                                  <p:childTnLst>
+                                    <p:set>
+                                      <p:cBhvr>
+                                        <p:cTn id="6" dur="1" fill="hold">
+                                          <p:stCondLst>
+                                            <p:cond delay="0"/>
+                                          </p:stCondLst>
+                                        </p:cTn>
+                                        <p:tgtEl>
+                                          <p:spTgt spid="3">
+                                            <p:txEl>
+                                              <p:pRg st="3" end="3"/>
+                                            </p:txEl>
+                                          </p:spTgt>
+                                        </p:tgtEl>
+                                        <p:attrNameLst>
+                                          <p:attrName>style.visibility</p:attrName>
+                                        </p:attrNameLst>
+                                      </p:cBhvr>
+                                      <p:to>
+                                        <p:strVal val="visible"/>
+                                      </p:to>
+                                    </p:set>
+                                  </p:childTnLst>
+                                </p:cTn>
+                              </p:par>
+                              <p:par>
+                                <p:cTn id="7" presetID="1" presetClass="entr" presetSubtype="0" fill="hold" nodeType="withEffect">
+                                  <p:stCondLst>
+                                    <p:cond delay="0"/>
+                                  </p:stCondLst>
+                                  <p:childTnLst>
+                                    <p:set>
+                                      <p:cBhvr>
+                                        <p:cTn id="8" dur="1" fill="hold">
+                                          <p:stCondLst>
+                                            <p:cond delay="0"/>
+                                          </p:stCondLst>
+                                        </p:cTn>
+                                        <p:tgtEl>
+                                          <p:spTgt spid="3">
+                                            <p:txEl>
+                                              <p:pRg st="5" end="5"/>
+                                            </p:txEl>
+                                          </p:spTgt>
+                                        </p:tgtEl>
+                                        <p:attrNameLst>
+                                          <p:attrName>style.visibility</p:attrName>
+                                        </p:attrNameLst>
+                                      </p:cBhvr>
+                                      <p:to>
+                                        <p:strVal val="visible"/>
+                                      </p:to>
+                                    </p:set>
+                                  </p:childTnLst>
+                                </p:cTn>
+                              </p:par>
+                            </p:childTnLst>
+                          </p:cTn>
+                        </p:par>
+                      </p:childTnLst>
+                    </p:cTn>
+                  </p:par>
+                </p:childTnLst>
+              </p:cTn>
+              <p:prevCondLst>
+                <p:cond evt="onPrev" delay="0">
+                  <p:tgtEl>
+                    <p:sldTgt/>
+                  </p:tgtEl>
+                </p:cond>
+              </p:prevCondLst>
+              <p:nextCondLst>
+                <p:cond evt="onNext" delay="0">
+                  <p:tgtEl>
+                    <p:sldTgt/>
+                  </p:tgtEl>
+                </p:cond>
+              </p:nextCondLst>
+            </p:seq>
+          </p:childTnLst>
+        </p:cTn>
       </p:par>
     </p:tnLst>
   </p:timing>
@@ -12505,8 +15152,8 @@
           <a:chExt cx="0" cy="0"/>
         </a:xfrm>
       </p:grpSpPr>
-      <mc:AlternateContent xmlns:mc="http://schemas.openxmlformats.org/markup-compatibility/2006">
-        <mc:Choice xmlns:a14="http://schemas.microsoft.com/office/drawing/2010/main" Requires="a14">
+      <mc:AlternateContent xmlns:mc="http://schemas.openxmlformats.org/markup-compatibility/2006" xmlns:a14="http://schemas.microsoft.com/office/drawing/2010/main">
+        <mc:Choice Requires="a14">
           <p:sp>
             <p:nvSpPr>
               <p:cNvPr id="3" name="Subtitle 2"/>
@@ -13553,23 +16200,7 @@
                       <a:srgbClr val="0070C0"/>
                     </a:solidFill>
                   </a:rPr>
-                  <a:t>This model is </a:t>
-                </a:r>
-                <a:r>
-                  <a:rPr lang="en-US" dirty="0" err="1" smtClean="0">
-                    <a:solidFill>
-                      <a:srgbClr val="0070C0"/>
-                    </a:solidFill>
-                  </a:rPr>
-                  <a:t>independt</a:t>
-                </a:r>
-                <a:r>
-                  <a:rPr lang="en-US" dirty="0" smtClean="0">
-                    <a:solidFill>
-                      <a:srgbClr val="0070C0"/>
-                    </a:solidFill>
-                  </a:rPr>
-                  <a:t> of </a:t>
+                  <a:t>This model is independent of </a:t>
                 </a:r>
                 <a14:m>
                   <m:oMath xmlns:m="http://schemas.openxmlformats.org/officeDocument/2006/math">
@@ -13844,7 +16475,7 @@
             </p:txBody>
           </p:sp>
         </mc:Choice>
-        <mc:Fallback>
+        <mc:Fallback xmlns="">
           <p:sp>
             <p:nvSpPr>
               <p:cNvPr id="3" name="Subtitle 2"/>
@@ -13860,7 +16491,7 @@
                 <a:off x="402682" y="1036384"/>
                 <a:ext cx="9633284" cy="5883442"/>
               </a:xfrm>
-              <a:blipFill rotWithShape="0">
+              <a:blipFill rotWithShape="1">
                 <a:blip r:embed="rId2"/>
                 <a:stretch>
                   <a:fillRect l="-949" t="-1244"/>
@@ -13899,7 +16530,7 @@
           <a:p>
             <a:fld id="{E134761A-41C1-644D-8AA7-DA2E28409377}" type="datetime1">
               <a:rPr lang="en-US" smtClean="0"/>
-              <a:t>11/7/16</a:t>
+              <a:t>11/9/16</a:t>
             </a:fld>
             <a:endParaRPr lang="en-US"/>
           </a:p>
@@ -13980,7 +16611,208 @@
   <p:timing>
     <p:tnLst>
       <p:par>
-        <p:cTn id="1" dur="indefinite" restart="never" nodeType="tmRoot"/>
+        <p:cTn id="1" dur="indefinite" restart="never" nodeType="tmRoot">
+          <p:childTnLst>
+            <p:seq concurrent="1" nextAc="seek">
+              <p:cTn id="2" dur="indefinite" nodeType="mainSeq">
+                <p:childTnLst>
+                  <p:par>
+                    <p:cTn id="3" fill="hold">
+                      <p:stCondLst>
+                        <p:cond delay="indefinite"/>
+                      </p:stCondLst>
+                      <p:childTnLst>
+                        <p:par>
+                          <p:cTn id="4" fill="hold">
+                            <p:stCondLst>
+                              <p:cond delay="0"/>
+                            </p:stCondLst>
+                            <p:childTnLst>
+                              <p:par>
+                                <p:cTn id="5" presetID="1" presetClass="entr" presetSubtype="0" fill="hold" nodeType="clickEffect">
+                                  <p:stCondLst>
+                                    <p:cond delay="0"/>
+                                  </p:stCondLst>
+                                  <p:childTnLst>
+                                    <p:set>
+                                      <p:cBhvr>
+                                        <p:cTn id="6" dur="1" fill="hold">
+                                          <p:stCondLst>
+                                            <p:cond delay="0"/>
+                                          </p:stCondLst>
+                                        </p:cTn>
+                                        <p:tgtEl>
+                                          <p:spTgt spid="3">
+                                            <p:txEl>
+                                              <p:pRg st="0" end="0"/>
+                                            </p:txEl>
+                                          </p:spTgt>
+                                        </p:tgtEl>
+                                        <p:attrNameLst>
+                                          <p:attrName>style.visibility</p:attrName>
+                                        </p:attrNameLst>
+                                      </p:cBhvr>
+                                      <p:to>
+                                        <p:strVal val="visible"/>
+                                      </p:to>
+                                    </p:set>
+                                  </p:childTnLst>
+                                </p:cTn>
+                              </p:par>
+                              <p:par>
+                                <p:cTn id="7" presetID="1" presetClass="entr" presetSubtype="0" fill="hold" nodeType="withEffect">
+                                  <p:stCondLst>
+                                    <p:cond delay="0"/>
+                                  </p:stCondLst>
+                                  <p:childTnLst>
+                                    <p:set>
+                                      <p:cBhvr>
+                                        <p:cTn id="8" dur="1" fill="hold">
+                                          <p:stCondLst>
+                                            <p:cond delay="0"/>
+                                          </p:stCondLst>
+                                        </p:cTn>
+                                        <p:tgtEl>
+                                          <p:spTgt spid="3">
+                                            <p:txEl>
+                                              <p:pRg st="2" end="2"/>
+                                            </p:txEl>
+                                          </p:spTgt>
+                                        </p:tgtEl>
+                                        <p:attrNameLst>
+                                          <p:attrName>style.visibility</p:attrName>
+                                        </p:attrNameLst>
+                                      </p:cBhvr>
+                                      <p:to>
+                                        <p:strVal val="visible"/>
+                                      </p:to>
+                                    </p:set>
+                                  </p:childTnLst>
+                                </p:cTn>
+                              </p:par>
+                            </p:childTnLst>
+                          </p:cTn>
+                        </p:par>
+                      </p:childTnLst>
+                    </p:cTn>
+                  </p:par>
+                  <p:par>
+                    <p:cTn id="9" fill="hold">
+                      <p:stCondLst>
+                        <p:cond delay="indefinite"/>
+                      </p:stCondLst>
+                      <p:childTnLst>
+                        <p:par>
+                          <p:cTn id="10" fill="hold">
+                            <p:stCondLst>
+                              <p:cond delay="0"/>
+                            </p:stCondLst>
+                            <p:childTnLst>
+                              <p:par>
+                                <p:cTn id="11" presetID="1" presetClass="entr" presetSubtype="0" fill="hold" nodeType="clickEffect">
+                                  <p:stCondLst>
+                                    <p:cond delay="0"/>
+                                  </p:stCondLst>
+                                  <p:childTnLst>
+                                    <p:set>
+                                      <p:cBhvr>
+                                        <p:cTn id="12" dur="1" fill="hold">
+                                          <p:stCondLst>
+                                            <p:cond delay="0"/>
+                                          </p:stCondLst>
+                                        </p:cTn>
+                                        <p:tgtEl>
+                                          <p:spTgt spid="3">
+                                            <p:txEl>
+                                              <p:pRg st="4" end="4"/>
+                                            </p:txEl>
+                                          </p:spTgt>
+                                        </p:tgtEl>
+                                        <p:attrNameLst>
+                                          <p:attrName>style.visibility</p:attrName>
+                                        </p:attrNameLst>
+                                      </p:cBhvr>
+                                      <p:to>
+                                        <p:strVal val="visible"/>
+                                      </p:to>
+                                    </p:set>
+                                  </p:childTnLst>
+                                </p:cTn>
+                              </p:par>
+                            </p:childTnLst>
+                          </p:cTn>
+                        </p:par>
+                      </p:childTnLst>
+                    </p:cTn>
+                  </p:par>
+                  <p:par>
+                    <p:cTn id="13" fill="hold">
+                      <p:stCondLst>
+                        <p:cond delay="indefinite"/>
+                      </p:stCondLst>
+                      <p:childTnLst>
+                        <p:par>
+                          <p:cTn id="14" fill="hold">
+                            <p:stCondLst>
+                              <p:cond delay="0"/>
+                            </p:stCondLst>
+                            <p:childTnLst>
+                              <p:par>
+                                <p:cTn id="15" presetID="1" presetClass="entr" presetSubtype="0" fill="hold" nodeType="clickEffect">
+                                  <p:stCondLst>
+                                    <p:cond delay="0"/>
+                                  </p:stCondLst>
+                                  <p:childTnLst>
+                                    <p:set>
+                                      <p:cBhvr>
+                                        <p:cTn id="16" dur="1" fill="hold">
+                                          <p:stCondLst>
+                                            <p:cond delay="0"/>
+                                          </p:stCondLst>
+                                        </p:cTn>
+                                        <p:tgtEl>
+                                          <p:spTgt spid="3">
+                                            <p:txEl>
+                                              <p:pRg st="5" end="5"/>
+                                            </p:txEl>
+                                          </p:spTgt>
+                                        </p:tgtEl>
+                                        <p:attrNameLst>
+                                          <p:attrName>style.visibility</p:attrName>
+                                        </p:attrNameLst>
+                                      </p:cBhvr>
+                                      <p:to>
+                                        <p:strVal val="visible"/>
+                                      </p:to>
+                                    </p:set>
+                                  </p:childTnLst>
+                                </p:cTn>
+                              </p:par>
+                            </p:childTnLst>
+                          </p:cTn>
+                        </p:par>
+                      </p:childTnLst>
+                    </p:cTn>
+                  </p:par>
+                </p:childTnLst>
+              </p:cTn>
+              <p:prevCondLst>
+                <p:cond evt="onPrev" delay="0">
+                  <p:tgtEl>
+                    <p:sldTgt/>
+                  </p:tgtEl>
+                </p:cond>
+              </p:prevCondLst>
+              <p:nextCondLst>
+                <p:cond evt="onNext" delay="0">
+                  <p:tgtEl>
+                    <p:sldTgt/>
+                  </p:tgtEl>
+                </p:cond>
+              </p:nextCondLst>
+            </p:seq>
+          </p:childTnLst>
+        </p:cTn>
       </p:par>
     </p:tnLst>
   </p:timing>
@@ -14004,8 +16836,8 @@
           <a:chExt cx="0" cy="0"/>
         </a:xfrm>
       </p:grpSpPr>
-      <mc:AlternateContent xmlns:mc="http://schemas.openxmlformats.org/markup-compatibility/2006">
-        <mc:Choice xmlns:a14="http://schemas.microsoft.com/office/drawing/2010/main" Requires="a14">
+      <mc:AlternateContent xmlns:mc="http://schemas.openxmlformats.org/markup-compatibility/2006" xmlns:a14="http://schemas.microsoft.com/office/drawing/2010/main">
+        <mc:Choice Requires="a14">
           <p:sp>
             <p:nvSpPr>
               <p:cNvPr id="3" name="Subtitle 2"/>
@@ -14035,10 +16867,10 @@
                       <a:srgbClr val="0070C0"/>
                     </a:solidFill>
                   </a:rPr>
-                  <a:t>(</a:t>
+                  <a:t>According to (</a:t>
                 </a:r>
                 <a:r>
-                  <a:rPr lang="en-US" dirty="0" err="1">
+                  <a:rPr lang="en-US" dirty="0" err="1" smtClean="0">
                     <a:solidFill>
                       <a:srgbClr val="0070C0"/>
                     </a:solidFill>
@@ -14046,12 +16878,44 @@
                   <a:t>Monshizadeh</a:t>
                 </a:r>
                 <a:r>
+                  <a:rPr lang="en-US" dirty="0" smtClean="0">
+                    <a:solidFill>
+                      <a:srgbClr val="0070C0"/>
+                    </a:solidFill>
+                  </a:rPr>
+                  <a:t> </a:t>
+                </a:r>
+                <a:r>
                   <a:rPr lang="en-US" dirty="0">
                     <a:solidFill>
                       <a:srgbClr val="0070C0"/>
                     </a:solidFill>
                   </a:rPr>
-                  <a:t> et al(2016), Zhou and  </a:t>
+                  <a:t>et </a:t>
+                </a:r>
+                <a:r>
+                  <a:rPr lang="en-US" dirty="0" smtClean="0">
+                    <a:solidFill>
+                      <a:srgbClr val="0070C0"/>
+                    </a:solidFill>
+                  </a:rPr>
+                  <a:t>al (</a:t>
+                </a:r>
+                <a:r>
+                  <a:rPr lang="en-US" dirty="0">
+                    <a:solidFill>
+                      <a:srgbClr val="0070C0"/>
+                    </a:solidFill>
+                  </a:rPr>
+                  <a:t>2016), Zhou </a:t>
+                </a:r>
+                <a:r>
+                  <a:rPr lang="en-US" dirty="0" smtClean="0">
+                    <a:solidFill>
+                      <a:srgbClr val="0070C0"/>
+                    </a:solidFill>
+                  </a:rPr>
+                  <a:t>and </a:t>
                 </a:r>
                 <a:r>
                   <a:rPr lang="en-US" dirty="0" err="1">
@@ -14075,7 +16939,7 @@
                       <a:srgbClr val="0070C0"/>
                     </a:solidFill>
                   </a:rPr>
-                  <a:t>)</a:t>
+                  <a:t>):</a:t>
                 </a:r>
               </a:p>
               <a:p>
@@ -14998,7 +17862,7 @@
             </p:txBody>
           </p:sp>
         </mc:Choice>
-        <mc:Fallback>
+        <mc:Fallback xmlns="">
           <p:sp>
             <p:nvSpPr>
               <p:cNvPr id="3" name="Subtitle 2"/>
@@ -15053,7 +17917,7 @@
           <a:p>
             <a:fld id="{3986D848-EC9F-B644-8323-19E8431610B4}" type="datetime1">
               <a:rPr lang="en-US" smtClean="0"/>
-              <a:t>11/7/16</a:t>
+              <a:t>11/9/16</a:t>
             </a:fld>
             <a:endParaRPr lang="en-US"/>
           </a:p>
@@ -15134,7 +17998,301 @@
   <p:timing>
     <p:tnLst>
       <p:par>
-        <p:cTn id="1" dur="indefinite" restart="never" nodeType="tmRoot"/>
+        <p:cTn id="1" dur="indefinite" restart="never" nodeType="tmRoot">
+          <p:childTnLst>
+            <p:seq concurrent="1" nextAc="seek">
+              <p:cTn id="2" dur="indefinite" nodeType="mainSeq">
+                <p:childTnLst>
+                  <p:par>
+                    <p:cTn id="3" fill="hold">
+                      <p:stCondLst>
+                        <p:cond delay="indefinite"/>
+                      </p:stCondLst>
+                      <p:childTnLst>
+                        <p:par>
+                          <p:cTn id="4" fill="hold">
+                            <p:stCondLst>
+                              <p:cond delay="0"/>
+                            </p:stCondLst>
+                            <p:childTnLst>
+                              <p:par>
+                                <p:cTn id="5" presetID="1" presetClass="entr" presetSubtype="0" fill="hold" nodeType="clickEffect">
+                                  <p:stCondLst>
+                                    <p:cond delay="0"/>
+                                  </p:stCondLst>
+                                  <p:childTnLst>
+                                    <p:set>
+                                      <p:cBhvr>
+                                        <p:cTn id="6" dur="1" fill="hold">
+                                          <p:stCondLst>
+                                            <p:cond delay="0"/>
+                                          </p:stCondLst>
+                                        </p:cTn>
+                                        <p:tgtEl>
+                                          <p:spTgt spid="3">
+                                            <p:txEl>
+                                              <p:pRg st="2" end="2"/>
+                                            </p:txEl>
+                                          </p:spTgt>
+                                        </p:tgtEl>
+                                        <p:attrNameLst>
+                                          <p:attrName>style.visibility</p:attrName>
+                                        </p:attrNameLst>
+                                      </p:cBhvr>
+                                      <p:to>
+                                        <p:strVal val="visible"/>
+                                      </p:to>
+                                    </p:set>
+                                  </p:childTnLst>
+                                </p:cTn>
+                              </p:par>
+                              <p:par>
+                                <p:cTn id="7" presetID="1" presetClass="entr" presetSubtype="0" fill="hold" nodeType="withEffect">
+                                  <p:stCondLst>
+                                    <p:cond delay="0"/>
+                                  </p:stCondLst>
+                                  <p:childTnLst>
+                                    <p:set>
+                                      <p:cBhvr>
+                                        <p:cTn id="8" dur="1" fill="hold">
+                                          <p:stCondLst>
+                                            <p:cond delay="0"/>
+                                          </p:stCondLst>
+                                        </p:cTn>
+                                        <p:tgtEl>
+                                          <p:spTgt spid="3">
+                                            <p:txEl>
+                                              <p:pRg st="3" end="3"/>
+                                            </p:txEl>
+                                          </p:spTgt>
+                                        </p:tgtEl>
+                                        <p:attrNameLst>
+                                          <p:attrName>style.visibility</p:attrName>
+                                        </p:attrNameLst>
+                                      </p:cBhvr>
+                                      <p:to>
+                                        <p:strVal val="visible"/>
+                                      </p:to>
+                                    </p:set>
+                                  </p:childTnLst>
+                                </p:cTn>
+                              </p:par>
+                            </p:childTnLst>
+                          </p:cTn>
+                        </p:par>
+                      </p:childTnLst>
+                    </p:cTn>
+                  </p:par>
+                  <p:par>
+                    <p:cTn id="9" fill="hold">
+                      <p:stCondLst>
+                        <p:cond delay="indefinite"/>
+                      </p:stCondLst>
+                      <p:childTnLst>
+                        <p:par>
+                          <p:cTn id="10" fill="hold">
+                            <p:stCondLst>
+                              <p:cond delay="0"/>
+                            </p:stCondLst>
+                            <p:childTnLst>
+                              <p:par>
+                                <p:cTn id="11" presetID="1" presetClass="entr" presetSubtype="0" fill="hold" nodeType="clickEffect">
+                                  <p:stCondLst>
+                                    <p:cond delay="0"/>
+                                  </p:stCondLst>
+                                  <p:childTnLst>
+                                    <p:set>
+                                      <p:cBhvr>
+                                        <p:cTn id="12" dur="1" fill="hold">
+                                          <p:stCondLst>
+                                            <p:cond delay="0"/>
+                                          </p:stCondLst>
+                                        </p:cTn>
+                                        <p:tgtEl>
+                                          <p:spTgt spid="3">
+                                            <p:txEl>
+                                              <p:pRg st="4" end="4"/>
+                                            </p:txEl>
+                                          </p:spTgt>
+                                        </p:tgtEl>
+                                        <p:attrNameLst>
+                                          <p:attrName>style.visibility</p:attrName>
+                                        </p:attrNameLst>
+                                      </p:cBhvr>
+                                      <p:to>
+                                        <p:strVal val="visible"/>
+                                      </p:to>
+                                    </p:set>
+                                  </p:childTnLst>
+                                </p:cTn>
+                              </p:par>
+                            </p:childTnLst>
+                          </p:cTn>
+                        </p:par>
+                      </p:childTnLst>
+                    </p:cTn>
+                  </p:par>
+                  <p:par>
+                    <p:cTn id="13" fill="hold">
+                      <p:stCondLst>
+                        <p:cond delay="indefinite"/>
+                      </p:stCondLst>
+                      <p:childTnLst>
+                        <p:par>
+                          <p:cTn id="14" fill="hold">
+                            <p:stCondLst>
+                              <p:cond delay="0"/>
+                            </p:stCondLst>
+                            <p:childTnLst>
+                              <p:par>
+                                <p:cTn id="15" presetID="1" presetClass="entr" presetSubtype="0" fill="hold" nodeType="clickEffect">
+                                  <p:stCondLst>
+                                    <p:cond delay="0"/>
+                                  </p:stCondLst>
+                                  <p:childTnLst>
+                                    <p:set>
+                                      <p:cBhvr>
+                                        <p:cTn id="16" dur="1" fill="hold">
+                                          <p:stCondLst>
+                                            <p:cond delay="0"/>
+                                          </p:stCondLst>
+                                        </p:cTn>
+                                        <p:tgtEl>
+                                          <p:spTgt spid="3">
+                                            <p:txEl>
+                                              <p:pRg st="6" end="6"/>
+                                            </p:txEl>
+                                          </p:spTgt>
+                                        </p:tgtEl>
+                                        <p:attrNameLst>
+                                          <p:attrName>style.visibility</p:attrName>
+                                        </p:attrNameLst>
+                                      </p:cBhvr>
+                                      <p:to>
+                                        <p:strVal val="visible"/>
+                                      </p:to>
+                                    </p:set>
+                                  </p:childTnLst>
+                                </p:cTn>
+                              </p:par>
+                              <p:par>
+                                <p:cTn id="17" presetID="1" presetClass="entr" presetSubtype="0" fill="hold" nodeType="withEffect">
+                                  <p:stCondLst>
+                                    <p:cond delay="0"/>
+                                  </p:stCondLst>
+                                  <p:childTnLst>
+                                    <p:set>
+                                      <p:cBhvr>
+                                        <p:cTn id="18" dur="1" fill="hold">
+                                          <p:stCondLst>
+                                            <p:cond delay="0"/>
+                                          </p:stCondLst>
+                                        </p:cTn>
+                                        <p:tgtEl>
+                                          <p:spTgt spid="3">
+                                            <p:txEl>
+                                              <p:pRg st="7" end="7"/>
+                                            </p:txEl>
+                                          </p:spTgt>
+                                        </p:tgtEl>
+                                        <p:attrNameLst>
+                                          <p:attrName>style.visibility</p:attrName>
+                                        </p:attrNameLst>
+                                      </p:cBhvr>
+                                      <p:to>
+                                        <p:strVal val="visible"/>
+                                      </p:to>
+                                    </p:set>
+                                  </p:childTnLst>
+                                </p:cTn>
+                              </p:par>
+                              <p:par>
+                                <p:cTn id="19" presetID="1" presetClass="entr" presetSubtype="0" fill="hold" nodeType="withEffect">
+                                  <p:stCondLst>
+                                    <p:cond delay="0"/>
+                                  </p:stCondLst>
+                                  <p:childTnLst>
+                                    <p:set>
+                                      <p:cBhvr>
+                                        <p:cTn id="20" dur="1" fill="hold">
+                                          <p:stCondLst>
+                                            <p:cond delay="0"/>
+                                          </p:stCondLst>
+                                        </p:cTn>
+                                        <p:tgtEl>
+                                          <p:spTgt spid="3">
+                                            <p:txEl>
+                                              <p:pRg st="9" end="9"/>
+                                            </p:txEl>
+                                          </p:spTgt>
+                                        </p:tgtEl>
+                                        <p:attrNameLst>
+                                          <p:attrName>style.visibility</p:attrName>
+                                        </p:attrNameLst>
+                                      </p:cBhvr>
+                                      <p:to>
+                                        <p:strVal val="visible"/>
+                                      </p:to>
+                                    </p:set>
+                                  </p:childTnLst>
+                                </p:cTn>
+                              </p:par>
+                              <p:par>
+                                <p:cTn id="21" presetID="1" presetClass="entr" presetSubtype="0" fill="hold" nodeType="withEffect">
+                                  <p:stCondLst>
+                                    <p:cond delay="0"/>
+                                  </p:stCondLst>
+                                  <p:childTnLst>
+                                    <p:set>
+                                      <p:cBhvr>
+                                        <p:cTn id="22" dur="1" fill="hold">
+                                          <p:stCondLst>
+                                            <p:cond delay="0"/>
+                                          </p:stCondLst>
+                                        </p:cTn>
+                                        <p:tgtEl>
+                                          <p:spTgt spid="3">
+                                            <p:txEl>
+                                              <p:pRg st="10" end="10"/>
+                                            </p:txEl>
+                                          </p:spTgt>
+                                        </p:tgtEl>
+                                        <p:attrNameLst>
+                                          <p:attrName>style.visibility</p:attrName>
+                                        </p:attrNameLst>
+                                      </p:cBhvr>
+                                      <p:to>
+                                        <p:strVal val="visible"/>
+                                      </p:to>
+                                    </p:set>
+                                  </p:childTnLst>
+                                </p:cTn>
+                              </p:par>
+                            </p:childTnLst>
+                          </p:cTn>
+                        </p:par>
+                      </p:childTnLst>
+                    </p:cTn>
+                  </p:par>
+                </p:childTnLst>
+              </p:cTn>
+              <p:prevCondLst>
+                <p:cond evt="onPrev" delay="0">
+                  <p:tgtEl>
+                    <p:sldTgt/>
+                  </p:tgtEl>
+                </p:cond>
+              </p:prevCondLst>
+              <p:nextCondLst>
+                <p:cond evt="onNext" delay="0">
+                  <p:tgtEl>
+                    <p:sldTgt/>
+                  </p:tgtEl>
+                </p:cond>
+              </p:nextCondLst>
+            </p:seq>
+          </p:childTnLst>
+        </p:cTn>
       </p:par>
     </p:tnLst>
   </p:timing>
@@ -15158,8 +18316,8 @@
           <a:chExt cx="0" cy="0"/>
         </a:xfrm>
       </p:grpSpPr>
-      <mc:AlternateContent xmlns:mc="http://schemas.openxmlformats.org/markup-compatibility/2006">
-        <mc:Choice xmlns:a14="http://schemas.microsoft.com/office/drawing/2010/main" Requires="a14">
+      <mc:AlternateContent xmlns:mc="http://schemas.openxmlformats.org/markup-compatibility/2006" xmlns:a14="http://schemas.microsoft.com/office/drawing/2010/main">
+        <mc:Choice Requires="a14">
           <p:sp>
             <p:nvSpPr>
               <p:cNvPr id="3" name="Subtitle 2"/>
@@ -15201,7 +18359,6 @@
                 </a:r>
               </a:p>
               <a:p>
-                <a:pPr/>
                 <a14:m>
                   <m:oMath xmlns:m="http://schemas.openxmlformats.org/officeDocument/2006/math">
                     <m:r>
@@ -15342,7 +18499,7 @@
                     <m:sSub>
                       <m:sSubPr>
                         <m:ctrlPr>
-                          <a:rPr lang="en-US" b="0" i="0" dirty="0" smtClean="0">
+                          <a:rPr lang="en-US" b="0" i="1" dirty="0" smtClean="0">
                             <a:solidFill>
                               <a:schemeClr val="tx1"/>
                             </a:solidFill>
@@ -15395,18 +18552,7 @@
                         </a:solidFill>
                         <a:latin typeface="Cambria Math" charset="0"/>
                       </a:rPr>
-                      <m:t> </m:t>
-                    </m:r>
-                    <m:r>
-                      <a:rPr lang="en-US" i="1" dirty="0">
-                        <a:solidFill>
-                          <a:schemeClr val="tx1"/>
-                        </a:solidFill>
-                        <a:latin typeface="Cambria Math" charset="0"/>
-                        <a:ea typeface="Cambria Math" charset="0"/>
-                        <a:cs typeface="Cambria Math" charset="0"/>
-                      </a:rPr>
-                      <m:t>≈</m:t>
+                      <m:t> ≈</m:t>
                     </m:r>
                     <m:sSub>
                       <m:sSubPr>
@@ -15777,16 +18923,43 @@
                   <a:t>This model is known as the </a:t>
                 </a:r>
                 <a:r>
+                  <a:rPr lang="en-US" i="1" dirty="0">
+                    <a:solidFill>
+                      <a:srgbClr val="FF0000"/>
+                    </a:solidFill>
+                    <a:latin typeface="Cambria Math" charset="0"/>
+                  </a:rPr>
+                  <a:t>c</a:t>
+                </a:r>
+                <a:r>
                   <a:rPr lang="en-US" i="1" dirty="0" smtClean="0">
                     <a:solidFill>
                       <a:srgbClr val="FF0000"/>
                     </a:solidFill>
                     <a:latin typeface="Cambria Math" charset="0"/>
                   </a:rPr>
-                  <a:t>Classical Model </a:t>
+                  <a:t>lassical </a:t>
                 </a:r>
                 <a:r>
-                  <a:rPr lang="en-US" dirty="0">
+                  <a:rPr lang="en-US" i="1" dirty="0">
+                    <a:solidFill>
+                      <a:srgbClr val="FF0000"/>
+                    </a:solidFill>
+                    <a:latin typeface="Cambria Math" charset="0"/>
+                  </a:rPr>
+                  <a:t>m</a:t>
+                </a:r>
+                <a:r>
+                  <a:rPr lang="en-US" i="1" dirty="0" smtClean="0">
+                    <a:solidFill>
+                      <a:srgbClr val="FF0000"/>
+                    </a:solidFill>
+                    <a:latin typeface="Cambria Math" charset="0"/>
+                  </a:rPr>
+                  <a:t>odel  </a:t>
+                </a:r>
+                <a:r>
+                  <a:rPr lang="en-US" dirty="0" smtClean="0">
                     <a:solidFill>
                       <a:srgbClr val="0070C0"/>
                     </a:solidFill>
@@ -15807,7 +18980,23 @@
                       <a:srgbClr val="0070C0"/>
                     </a:solidFill>
                   </a:rPr>
-                  <a:t> et al(2016), </a:t>
+                  <a:t> et </a:t>
+                </a:r>
+                <a:r>
+                  <a:rPr lang="en-US" dirty="0" smtClean="0">
+                    <a:solidFill>
+                      <a:srgbClr val="0070C0"/>
+                    </a:solidFill>
+                  </a:rPr>
+                  <a:t>al (</a:t>
+                </a:r>
+                <a:r>
+                  <a:rPr lang="en-US" dirty="0">
+                    <a:solidFill>
+                      <a:srgbClr val="0070C0"/>
+                    </a:solidFill>
+                  </a:rPr>
+                  <a:t>2016), </a:t>
                 </a:r>
                 <a:r>
                   <a:rPr lang="en-US" dirty="0" err="1">
@@ -15867,7 +19056,7 @@
             </p:txBody>
           </p:sp>
         </mc:Choice>
-        <mc:Fallback>
+        <mc:Fallback xmlns="">
           <p:sp>
             <p:nvSpPr>
               <p:cNvPr id="3" name="Subtitle 2"/>
@@ -15883,7 +19072,7 @@
                 <a:off x="402682" y="1036385"/>
                 <a:ext cx="11555956" cy="5319966"/>
               </a:xfrm>
-              <a:blipFill rotWithShape="0">
+              <a:blipFill rotWithShape="1">
                 <a:blip r:embed="rId3"/>
                 <a:stretch>
                   <a:fillRect l="-791"/>
@@ -15922,7 +19111,7 @@
           <a:p>
             <a:fld id="{3986D848-EC9F-B644-8323-19E8431610B4}" type="datetime1">
               <a:rPr lang="en-US" smtClean="0"/>
-              <a:t>11/7/16</a:t>
+              <a:t>11/9/16</a:t>
             </a:fld>
             <a:endParaRPr lang="en-US"/>
           </a:p>
@@ -16003,7 +19192,79 @@
   <p:timing>
     <p:tnLst>
       <p:par>
-        <p:cTn id="1" dur="indefinite" restart="never" nodeType="tmRoot"/>
+        <p:cTn id="1" dur="indefinite" restart="never" nodeType="tmRoot">
+          <p:childTnLst>
+            <p:seq concurrent="1" nextAc="seek">
+              <p:cTn id="2" dur="indefinite" nodeType="mainSeq">
+                <p:childTnLst>
+                  <p:par>
+                    <p:cTn id="3" fill="hold">
+                      <p:stCondLst>
+                        <p:cond delay="indefinite"/>
+                      </p:stCondLst>
+                      <p:childTnLst>
+                        <p:par>
+                          <p:cTn id="4" fill="hold">
+                            <p:stCondLst>
+                              <p:cond delay="0"/>
+                            </p:stCondLst>
+                            <p:childTnLst>
+                              <p:par>
+                                <p:cTn id="5" presetID="1" presetClass="entr" presetSubtype="0" fill="hold" nodeType="clickEffect">
+                                  <p:stCondLst>
+                                    <p:cond delay="0"/>
+                                  </p:stCondLst>
+                                  <p:childTnLst>
+                                    <p:set>
+                                      <p:cBhvr>
+                                        <p:cTn id="6" dur="1" fill="hold">
+                                          <p:stCondLst>
+                                            <p:cond delay="0"/>
+                                          </p:stCondLst>
+                                        </p:cTn>
+                                        <p:tgtEl>
+                                          <p:spTgt spid="3">
+                                            <p:txEl>
+                                              <p:pRg st="7" end="7"/>
+                                            </p:txEl>
+                                          </p:spTgt>
+                                        </p:tgtEl>
+                                        <p:attrNameLst>
+                                          <p:attrName>style.visibility</p:attrName>
+                                        </p:attrNameLst>
+                                      </p:cBhvr>
+                                      <p:to>
+                                        <p:strVal val="visible"/>
+                                      </p:to>
+                                    </p:set>
+                                  </p:childTnLst>
+                                </p:cTn>
+                              </p:par>
+                            </p:childTnLst>
+                          </p:cTn>
+                        </p:par>
+                      </p:childTnLst>
+                    </p:cTn>
+                  </p:par>
+                </p:childTnLst>
+              </p:cTn>
+              <p:prevCondLst>
+                <p:cond evt="onPrev" delay="0">
+                  <p:tgtEl>
+                    <p:sldTgt/>
+                  </p:tgtEl>
+                </p:cond>
+              </p:prevCondLst>
+              <p:nextCondLst>
+                <p:cond evt="onNext" delay="0">
+                  <p:tgtEl>
+                    <p:sldTgt/>
+                  </p:tgtEl>
+                </p:cond>
+              </p:nextCondLst>
+            </p:seq>
+          </p:childTnLst>
+        </p:cTn>
       </p:par>
     </p:tnLst>
   </p:timing>
@@ -16027,8 +19288,8 @@
           <a:chExt cx="0" cy="0"/>
         </a:xfrm>
       </p:grpSpPr>
-      <mc:AlternateContent xmlns:mc="http://schemas.openxmlformats.org/markup-compatibility/2006">
-        <mc:Choice xmlns:a14="http://schemas.microsoft.com/office/drawing/2010/main" Requires="a14">
+      <mc:AlternateContent xmlns:mc="http://schemas.openxmlformats.org/markup-compatibility/2006" xmlns:a14="http://schemas.microsoft.com/office/drawing/2010/main">
+        <mc:Choice Requires="a14">
           <p:sp>
             <p:nvSpPr>
               <p:cNvPr id="3" name="Subtitle 2"/>
@@ -16047,7 +19308,7 @@
             </p:spPr>
             <p:txBody>
               <a:bodyPr>
-                <a:normAutofit/>
+                <a:normAutofit fontScale="92500" lnSpcReduction="10000"/>
               </a:bodyPr>
               <a:lstStyle/>
               <a:p>
@@ -16674,13 +19935,21 @@
                     </m:d>
                   </m:oMath>
                 </a14:m>
+                <a:endParaRPr lang="en-US" dirty="0" smtClean="0">
+                  <a:solidFill>
+                    <a:schemeClr val="tx1"/>
+                  </a:solidFill>
+                </a:endParaRPr>
+              </a:p>
+              <a:p>
+                <a:pPr algn="l"/>
                 <a:r>
                   <a:rPr lang="en-US" dirty="0" smtClean="0">
                     <a:solidFill>
                       <a:schemeClr val="tx1"/>
                     </a:solidFill>
                   </a:rPr>
-                  <a:t>,       </a:t>
+                  <a:t>      </a:t>
                 </a:r>
                 <a14:m>
                   <m:oMath xmlns:m="http://schemas.openxmlformats.org/officeDocument/2006/math">
@@ -18173,7 +21442,7 @@
             </p:txBody>
           </p:sp>
         </mc:Choice>
-        <mc:Fallback>
+        <mc:Fallback xmlns="">
           <p:sp>
             <p:nvSpPr>
               <p:cNvPr id="3" name="Subtitle 2"/>
@@ -18192,7 +21461,7 @@
               <a:blipFill rotWithShape="0">
                 <a:blip r:embed="rId3"/>
                 <a:stretch>
-                  <a:fillRect l="-844" t="-1718" b="-1031"/>
+                  <a:fillRect l="-686" t="-2062" b="-1947"/>
                 </a:stretch>
               </a:blipFill>
             </p:spPr>
@@ -18228,7 +21497,7 @@
           <a:p>
             <a:fld id="{3986D848-EC9F-B644-8323-19E8431610B4}" type="datetime1">
               <a:rPr lang="en-US" smtClean="0"/>
-              <a:t>11/5/16</a:t>
+              <a:t>11/9/16</a:t>
             </a:fld>
             <a:endParaRPr lang="en-US"/>
           </a:p>
@@ -18312,7 +21581,208 @@
   <p:timing>
     <p:tnLst>
       <p:par>
-        <p:cTn id="1" dur="indefinite" restart="never" nodeType="tmRoot"/>
+        <p:cTn id="1" dur="indefinite" restart="never" nodeType="tmRoot">
+          <p:childTnLst>
+            <p:seq concurrent="1" nextAc="seek">
+              <p:cTn id="2" dur="indefinite" nodeType="mainSeq">
+                <p:childTnLst>
+                  <p:par>
+                    <p:cTn id="3" fill="hold">
+                      <p:stCondLst>
+                        <p:cond delay="indefinite"/>
+                      </p:stCondLst>
+                      <p:childTnLst>
+                        <p:par>
+                          <p:cTn id="4" fill="hold">
+                            <p:stCondLst>
+                              <p:cond delay="0"/>
+                            </p:stCondLst>
+                            <p:childTnLst>
+                              <p:par>
+                                <p:cTn id="5" presetID="1" presetClass="entr" presetSubtype="0" fill="hold" nodeType="clickEffect">
+                                  <p:stCondLst>
+                                    <p:cond delay="0"/>
+                                  </p:stCondLst>
+                                  <p:childTnLst>
+                                    <p:set>
+                                      <p:cBhvr>
+                                        <p:cTn id="6" dur="1" fill="hold">
+                                          <p:stCondLst>
+                                            <p:cond delay="0"/>
+                                          </p:stCondLst>
+                                        </p:cTn>
+                                        <p:tgtEl>
+                                          <p:spTgt spid="3">
+                                            <p:txEl>
+                                              <p:pRg st="2" end="2"/>
+                                            </p:txEl>
+                                          </p:spTgt>
+                                        </p:tgtEl>
+                                        <p:attrNameLst>
+                                          <p:attrName>style.visibility</p:attrName>
+                                        </p:attrNameLst>
+                                      </p:cBhvr>
+                                      <p:to>
+                                        <p:strVal val="visible"/>
+                                      </p:to>
+                                    </p:set>
+                                  </p:childTnLst>
+                                </p:cTn>
+                              </p:par>
+                            </p:childTnLst>
+                          </p:cTn>
+                        </p:par>
+                      </p:childTnLst>
+                    </p:cTn>
+                  </p:par>
+                  <p:par>
+                    <p:cTn id="7" fill="hold">
+                      <p:stCondLst>
+                        <p:cond delay="indefinite"/>
+                      </p:stCondLst>
+                      <p:childTnLst>
+                        <p:par>
+                          <p:cTn id="8" fill="hold">
+                            <p:stCondLst>
+                              <p:cond delay="0"/>
+                            </p:stCondLst>
+                            <p:childTnLst>
+                              <p:par>
+                                <p:cTn id="9" presetID="1" presetClass="entr" presetSubtype="0" fill="hold" nodeType="clickEffect">
+                                  <p:stCondLst>
+                                    <p:cond delay="0"/>
+                                  </p:stCondLst>
+                                  <p:childTnLst>
+                                    <p:set>
+                                      <p:cBhvr>
+                                        <p:cTn id="10" dur="1" fill="hold">
+                                          <p:stCondLst>
+                                            <p:cond delay="0"/>
+                                          </p:stCondLst>
+                                        </p:cTn>
+                                        <p:tgtEl>
+                                          <p:spTgt spid="3">
+                                            <p:txEl>
+                                              <p:pRg st="3" end="3"/>
+                                            </p:txEl>
+                                          </p:spTgt>
+                                        </p:tgtEl>
+                                        <p:attrNameLst>
+                                          <p:attrName>style.visibility</p:attrName>
+                                        </p:attrNameLst>
+                                      </p:cBhvr>
+                                      <p:to>
+                                        <p:strVal val="visible"/>
+                                      </p:to>
+                                    </p:set>
+                                  </p:childTnLst>
+                                </p:cTn>
+                              </p:par>
+                            </p:childTnLst>
+                          </p:cTn>
+                        </p:par>
+                      </p:childTnLst>
+                    </p:cTn>
+                  </p:par>
+                  <p:par>
+                    <p:cTn id="11" fill="hold">
+                      <p:stCondLst>
+                        <p:cond delay="indefinite"/>
+                      </p:stCondLst>
+                      <p:childTnLst>
+                        <p:par>
+                          <p:cTn id="12" fill="hold">
+                            <p:stCondLst>
+                              <p:cond delay="0"/>
+                            </p:stCondLst>
+                            <p:childTnLst>
+                              <p:par>
+                                <p:cTn id="13" presetID="1" presetClass="entr" presetSubtype="0" fill="hold" nodeType="clickEffect">
+                                  <p:stCondLst>
+                                    <p:cond delay="0"/>
+                                  </p:stCondLst>
+                                  <p:childTnLst>
+                                    <p:set>
+                                      <p:cBhvr>
+                                        <p:cTn id="14" dur="1" fill="hold">
+                                          <p:stCondLst>
+                                            <p:cond delay="0"/>
+                                          </p:stCondLst>
+                                        </p:cTn>
+                                        <p:tgtEl>
+                                          <p:spTgt spid="3">
+                                            <p:txEl>
+                                              <p:pRg st="5" end="5"/>
+                                            </p:txEl>
+                                          </p:spTgt>
+                                        </p:tgtEl>
+                                        <p:attrNameLst>
+                                          <p:attrName>style.visibility</p:attrName>
+                                        </p:attrNameLst>
+                                      </p:cBhvr>
+                                      <p:to>
+                                        <p:strVal val="visible"/>
+                                      </p:to>
+                                    </p:set>
+                                  </p:childTnLst>
+                                </p:cTn>
+                              </p:par>
+                              <p:par>
+                                <p:cTn id="15" presetID="1" presetClass="entr" presetSubtype="0" fill="hold" nodeType="withEffect">
+                                  <p:stCondLst>
+                                    <p:cond delay="0"/>
+                                  </p:stCondLst>
+                                  <p:childTnLst>
+                                    <p:set>
+                                      <p:cBhvr>
+                                        <p:cTn id="16" dur="1" fill="hold">
+                                          <p:stCondLst>
+                                            <p:cond delay="0"/>
+                                          </p:stCondLst>
+                                        </p:cTn>
+                                        <p:tgtEl>
+                                          <p:spTgt spid="3">
+                                            <p:txEl>
+                                              <p:pRg st="7" end="7"/>
+                                            </p:txEl>
+                                          </p:spTgt>
+                                        </p:tgtEl>
+                                        <p:attrNameLst>
+                                          <p:attrName>style.visibility</p:attrName>
+                                        </p:attrNameLst>
+                                      </p:cBhvr>
+                                      <p:to>
+                                        <p:strVal val="visible"/>
+                                      </p:to>
+                                    </p:set>
+                                  </p:childTnLst>
+                                </p:cTn>
+                              </p:par>
+                            </p:childTnLst>
+                          </p:cTn>
+                        </p:par>
+                      </p:childTnLst>
+                    </p:cTn>
+                  </p:par>
+                </p:childTnLst>
+              </p:cTn>
+              <p:prevCondLst>
+                <p:cond evt="onPrev" delay="0">
+                  <p:tgtEl>
+                    <p:sldTgt/>
+                  </p:tgtEl>
+                </p:cond>
+              </p:prevCondLst>
+              <p:nextCondLst>
+                <p:cond evt="onNext" delay="0">
+                  <p:tgtEl>
+                    <p:sldTgt/>
+                  </p:tgtEl>
+                </p:cond>
+              </p:nextCondLst>
+            </p:seq>
+          </p:childTnLst>
+        </p:cTn>
       </p:par>
     </p:tnLst>
   </p:timing>
@@ -18336,8 +21806,8 @@
           <a:chExt cx="0" cy="0"/>
         </a:xfrm>
       </p:grpSpPr>
-      <mc:AlternateContent xmlns:mc="http://schemas.openxmlformats.org/markup-compatibility/2006">
-        <mc:Choice xmlns:a14="http://schemas.microsoft.com/office/drawing/2010/main" Requires="a14">
+      <mc:AlternateContent xmlns:mc="http://schemas.openxmlformats.org/markup-compatibility/2006" xmlns:a14="http://schemas.microsoft.com/office/drawing/2010/main">
+        <mc:Choice Requires="a14">
           <p:sp>
             <p:nvSpPr>
               <p:cNvPr id="3" name="Subtitle 2"/>
@@ -18379,7 +21849,6 @@
                 </a:r>
               </a:p>
               <a:p>
-                <a:pPr/>
                 <a14:m>
                   <m:oMath xmlns:m="http://schemas.openxmlformats.org/officeDocument/2006/math">
                     <m:sSub>
@@ -19523,7 +22992,7 @@
             </p:txBody>
           </p:sp>
         </mc:Choice>
-        <mc:Fallback>
+        <mc:Fallback xmlns="">
           <p:sp>
             <p:nvSpPr>
               <p:cNvPr id="3" name="Subtitle 2"/>
@@ -19578,7 +23047,7 @@
           <a:p>
             <a:fld id="{3986D848-EC9F-B644-8323-19E8431610B4}" type="datetime1">
               <a:rPr lang="en-US" smtClean="0"/>
-              <a:t>11/7/16</a:t>
+              <a:t>11/9/16</a:t>
             </a:fld>
             <a:endParaRPr lang="en-US"/>
           </a:p>
